--- a/Images/Components_placement.pptx
+++ b/Images/Components_placement.pptx
@@ -5,13 +5,14 @@
     <p:sldMasterId id="2147483648" r:id="rId1"/>
   </p:sldMasterIdLst>
   <p:notesMasterIdLst>
-    <p:notesMasterId r:id="rId6"/>
+    <p:notesMasterId r:id="rId7"/>
   </p:notesMasterIdLst>
   <p:sldIdLst>
     <p:sldId id="256" r:id="rId2"/>
     <p:sldId id="257" r:id="rId3"/>
     <p:sldId id="259" r:id="rId4"/>
     <p:sldId id="260" r:id="rId5"/>
+    <p:sldId id="261" r:id="rId6"/>
   </p:sldIdLst>
   <p:sldSz cx="9144000" cy="6858000" type="screen4x3"/>
   <p:notesSz cx="6858000" cy="9144000"/>
@@ -112,7 +113,7 @@
   </p:defaultTextStyle>
   <p:extLst>
     <p:ext uri="{EFAFB233-063F-42B5-8137-9DF3F51BA10A}">
-      <p15:sldGuideLst xmlns="" xmlns:p15="http://schemas.microsoft.com/office/powerpoint/2012/main">
+      <p15:sldGuideLst xmlns:p15="http://schemas.microsoft.com/office/powerpoint/2012/main" xmlns="">
         <p15:guide id="1" orient="horz" pos="2160">
           <p15:clr>
             <a:srgbClr val="A4A3A4"/>
@@ -5722,6 +5723,116 @@
           <a:xfrm>
             <a:off x="215516" y="0"/>
             <a:ext cx="4439858" cy="6507950"/>
+          </a:xfrm>
+          <a:prstGeom prst="rect">
+            <a:avLst/>
+          </a:prstGeom>
+          <a:noFill/>
+        </p:spPr>
+      </p:pic>
+    </p:spTree>
+  </p:cSld>
+  <p:clrMapOvr>
+    <a:masterClrMapping/>
+  </p:clrMapOvr>
+  <p:timing>
+    <p:tnLst>
+      <p:par>
+        <p:cTn id="1" dur="indefinite" restart="never" nodeType="tmRoot"/>
+      </p:par>
+    </p:tnLst>
+  </p:timing>
+</p:sld>
+</file>
+
+<file path=ppt/slides/slide5.xml><?xml version="1.0" encoding="utf-8"?>
+<p:sld xmlns:a="http://schemas.openxmlformats.org/drawingml/2006/main" xmlns:r="http://schemas.openxmlformats.org/officeDocument/2006/relationships" xmlns:p="http://schemas.openxmlformats.org/presentationml/2006/main">
+  <p:cSld>
+    <p:spTree>
+      <p:nvGrpSpPr>
+        <p:cNvPr id="1" name=""/>
+        <p:cNvGrpSpPr/>
+        <p:nvPr/>
+      </p:nvGrpSpPr>
+      <p:grpSpPr>
+        <a:xfrm>
+          <a:off x="0" y="0"/>
+          <a:ext cx="0" cy="0"/>
+          <a:chOff x="0" y="0"/>
+          <a:chExt cx="0" cy="0"/>
+        </a:xfrm>
+      </p:grpSpPr>
+      <p:pic>
+        <p:nvPicPr>
+          <p:cNvPr id="1026" name="Picture 2" descr="C:\Users\BOICHOT\Downloads\BBY_0003.png"/>
+          <p:cNvPicPr>
+            <a:picLocks noChangeAspect="1" noChangeArrowheads="1"/>
+          </p:cNvPicPr>
+          <p:nvPr/>
+        </p:nvPicPr>
+        <p:blipFill>
+          <a:blip r:embed="rId2" cstate="print"/>
+          <a:srcRect/>
+          <a:stretch>
+            <a:fillRect/>
+          </a:stretch>
+        </p:blipFill>
+        <p:spPr bwMode="auto">
+          <a:xfrm>
+            <a:off x="107504" y="476672"/>
+            <a:ext cx="5720123" cy="5148572"/>
+          </a:xfrm>
+          <a:prstGeom prst="rect">
+            <a:avLst/>
+          </a:prstGeom>
+          <a:noFill/>
+        </p:spPr>
+      </p:pic>
+      <p:pic>
+        <p:nvPicPr>
+          <p:cNvPr id="1027" name="Picture 3" descr="C:\Users\BOICHOT\Downloads\BBY_0001.png"/>
+          <p:cNvPicPr>
+            <a:picLocks noChangeAspect="1" noChangeArrowheads="1"/>
+          </p:cNvPicPr>
+          <p:nvPr/>
+        </p:nvPicPr>
+        <p:blipFill>
+          <a:blip r:embed="rId3" cstate="print"/>
+          <a:srcRect/>
+          <a:stretch>
+            <a:fillRect/>
+          </a:stretch>
+        </p:blipFill>
+        <p:spPr bwMode="auto">
+          <a:xfrm>
+            <a:off x="5940153" y="476673"/>
+            <a:ext cx="2808311" cy="2527707"/>
+          </a:xfrm>
+          <a:prstGeom prst="rect">
+            <a:avLst/>
+          </a:prstGeom>
+          <a:noFill/>
+        </p:spPr>
+      </p:pic>
+      <p:pic>
+        <p:nvPicPr>
+          <p:cNvPr id="1028" name="Picture 4" descr="C:\Users\BOICHOT\Downloads\BBY_0004-1.png"/>
+          <p:cNvPicPr>
+            <a:picLocks noChangeAspect="1" noChangeArrowheads="1"/>
+          </p:cNvPicPr>
+          <p:nvPr/>
+        </p:nvPicPr>
+        <p:blipFill>
+          <a:blip r:embed="rId4" cstate="print"/>
+          <a:srcRect/>
+          <a:stretch>
+            <a:fillRect/>
+          </a:stretch>
+        </p:blipFill>
+        <p:spPr bwMode="auto">
+          <a:xfrm>
+            <a:off x="5940152" y="3104964"/>
+            <a:ext cx="2800061" cy="2520280"/>
           </a:xfrm>
           <a:prstGeom prst="rect">
             <a:avLst/>

--- a/Images/Components_placement.pptx
+++ b/Images/Components_placement.pptx
@@ -113,7 +113,7 @@
   </p:defaultTextStyle>
   <p:extLst>
     <p:ext uri="{EFAFB233-063F-42B5-8137-9DF3F51BA10A}">
-      <p15:sldGuideLst xmlns:p15="http://schemas.microsoft.com/office/powerpoint/2012/main" xmlns="">
+      <p15:sldGuideLst xmlns="" xmlns:p15="http://schemas.microsoft.com/office/powerpoint/2012/main">
         <p15:guide id="1" orient="horz" pos="2160">
           <p15:clr>
             <a:srgbClr val="A4A3A4"/>
@@ -213,7 +213,7 @@
             <a:fld id="{A4CD03C6-B7C6-4D54-8E69-F4362402F3FB}" type="datetimeFigureOut">
               <a:rPr lang="fr-FR" smtClean="0"/>
               <a:pPr/>
-              <a:t>08/08/2024</a:t>
+              <a:t>09/08/2024</a:t>
             </a:fld>
             <a:endParaRPr lang="fr-FR"/>
           </a:p>
@@ -743,7 +743,7 @@
             <a:fld id="{AA309A6D-C09C-4548-B29A-6CF363A7E532}" type="datetimeFigureOut">
               <a:rPr lang="fr-FR" smtClean="0"/>
               <a:pPr/>
-              <a:t>08/08/2024</a:t>
+              <a:t>09/08/2024</a:t>
             </a:fld>
             <a:endParaRPr lang="fr-BE"/>
           </a:p>
@@ -910,7 +910,7 @@
             <a:fld id="{AA309A6D-C09C-4548-B29A-6CF363A7E532}" type="datetimeFigureOut">
               <a:rPr lang="fr-FR" smtClean="0"/>
               <a:pPr/>
-              <a:t>08/08/2024</a:t>
+              <a:t>09/08/2024</a:t>
             </a:fld>
             <a:endParaRPr lang="fr-BE"/>
           </a:p>
@@ -1087,7 +1087,7 @@
             <a:fld id="{AA309A6D-C09C-4548-B29A-6CF363A7E532}" type="datetimeFigureOut">
               <a:rPr lang="fr-FR" smtClean="0"/>
               <a:pPr/>
-              <a:t>08/08/2024</a:t>
+              <a:t>09/08/2024</a:t>
             </a:fld>
             <a:endParaRPr lang="fr-BE"/>
           </a:p>
@@ -1254,7 +1254,7 @@
             <a:fld id="{AA309A6D-C09C-4548-B29A-6CF363A7E532}" type="datetimeFigureOut">
               <a:rPr lang="fr-FR" smtClean="0"/>
               <a:pPr/>
-              <a:t>08/08/2024</a:t>
+              <a:t>09/08/2024</a:t>
             </a:fld>
             <a:endParaRPr lang="fr-BE"/>
           </a:p>
@@ -1497,7 +1497,7 @@
             <a:fld id="{AA309A6D-C09C-4548-B29A-6CF363A7E532}" type="datetimeFigureOut">
               <a:rPr lang="fr-FR" smtClean="0"/>
               <a:pPr/>
-              <a:t>08/08/2024</a:t>
+              <a:t>09/08/2024</a:t>
             </a:fld>
             <a:endParaRPr lang="fr-BE"/>
           </a:p>
@@ -1782,7 +1782,7 @@
             <a:fld id="{AA309A6D-C09C-4548-B29A-6CF363A7E532}" type="datetimeFigureOut">
               <a:rPr lang="fr-FR" smtClean="0"/>
               <a:pPr/>
-              <a:t>08/08/2024</a:t>
+              <a:t>09/08/2024</a:t>
             </a:fld>
             <a:endParaRPr lang="fr-BE"/>
           </a:p>
@@ -2201,7 +2201,7 @@
             <a:fld id="{AA309A6D-C09C-4548-B29A-6CF363A7E532}" type="datetimeFigureOut">
               <a:rPr lang="fr-FR" smtClean="0"/>
               <a:pPr/>
-              <a:t>08/08/2024</a:t>
+              <a:t>09/08/2024</a:t>
             </a:fld>
             <a:endParaRPr lang="fr-BE"/>
           </a:p>
@@ -2316,7 +2316,7 @@
             <a:fld id="{AA309A6D-C09C-4548-B29A-6CF363A7E532}" type="datetimeFigureOut">
               <a:rPr lang="fr-FR" smtClean="0"/>
               <a:pPr/>
-              <a:t>08/08/2024</a:t>
+              <a:t>09/08/2024</a:t>
             </a:fld>
             <a:endParaRPr lang="fr-BE"/>
           </a:p>
@@ -2408,7 +2408,7 @@
             <a:fld id="{AA309A6D-C09C-4548-B29A-6CF363A7E532}" type="datetimeFigureOut">
               <a:rPr lang="fr-FR" smtClean="0"/>
               <a:pPr/>
-              <a:t>08/08/2024</a:t>
+              <a:t>09/08/2024</a:t>
             </a:fld>
             <a:endParaRPr lang="fr-BE"/>
           </a:p>
@@ -2682,7 +2682,7 @@
             <a:fld id="{AA309A6D-C09C-4548-B29A-6CF363A7E532}" type="datetimeFigureOut">
               <a:rPr lang="fr-FR" smtClean="0"/>
               <a:pPr/>
-              <a:t>08/08/2024</a:t>
+              <a:t>09/08/2024</a:t>
             </a:fld>
             <a:endParaRPr lang="fr-BE"/>
           </a:p>
@@ -2932,7 +2932,7 @@
             <a:fld id="{AA309A6D-C09C-4548-B29A-6CF363A7E532}" type="datetimeFigureOut">
               <a:rPr lang="fr-FR" smtClean="0"/>
               <a:pPr/>
-              <a:t>08/08/2024</a:t>
+              <a:t>09/08/2024</a:t>
             </a:fld>
             <a:endParaRPr lang="fr-BE"/>
           </a:p>
@@ -3142,7 +3142,7 @@
             <a:fld id="{AA309A6D-C09C-4548-B29A-6CF363A7E532}" type="datetimeFigureOut">
               <a:rPr lang="fr-FR" smtClean="0"/>
               <a:pPr/>
-              <a:t>08/08/2024</a:t>
+              <a:t>09/08/2024</a:t>
             </a:fld>
             <a:endParaRPr lang="fr-BE"/>
           </a:p>
@@ -4357,7 +4357,7 @@
         </p:nvSpPr>
         <p:spPr>
           <a:xfrm rot="16200000">
-            <a:off x="6390202" y="4315711"/>
+            <a:off x="6390202" y="4311099"/>
             <a:ext cx="360040" cy="180020"/>
           </a:xfrm>
           <a:prstGeom prst="rect">
@@ -4597,7 +4597,7 @@
         </p:nvSpPr>
         <p:spPr>
           <a:xfrm rot="16200000">
-            <a:off x="6138174" y="4347102"/>
+            <a:off x="6138174" y="4311099"/>
             <a:ext cx="360040" cy="180020"/>
           </a:xfrm>
           <a:prstGeom prst="rect">
@@ -5452,7 +5452,7 @@
         </p:nvSpPr>
         <p:spPr>
           <a:xfrm rot="16200000">
-            <a:off x="5922150" y="4347102"/>
+            <a:off x="5922150" y="4311099"/>
             <a:ext cx="360040" cy="180020"/>
           </a:xfrm>
           <a:prstGeom prst="rect">
@@ -5489,6 +5489,126 @@
           <a:p>
             <a:pPr algn="ctr"/>
             <a:endParaRPr lang="fr-FR"/>
+          </a:p>
+        </p:txBody>
+      </p:sp>
+      <p:sp>
+        <p:nvSpPr>
+          <p:cNvPr id="54" name="ZoneTexte 53"/>
+          <p:cNvSpPr txBox="1"/>
+          <p:nvPr/>
+        </p:nvSpPr>
+        <p:spPr>
+          <a:xfrm>
+            <a:off x="503548" y="3068960"/>
+            <a:ext cx="468052" cy="276999"/>
+          </a:xfrm>
+          <a:prstGeom prst="rect">
+            <a:avLst/>
+          </a:prstGeom>
+          <a:noFill/>
+        </p:spPr>
+        <p:txBody>
+          <a:bodyPr wrap="square" rtlCol="0">
+            <a:spAutoFit/>
+          </a:bodyPr>
+          <a:lstStyle/>
+          <a:p>
+            <a:r>
+              <a:rPr lang="fr-FR" sz="1200" dirty="0" smtClean="0"/>
+              <a:t>dot</a:t>
+            </a:r>
+            <a:endParaRPr lang="fr-FR" sz="1200" dirty="0"/>
+          </a:p>
+        </p:txBody>
+      </p:sp>
+      <p:sp>
+        <p:nvSpPr>
+          <p:cNvPr id="56" name="ZoneTexte 55"/>
+          <p:cNvSpPr txBox="1"/>
+          <p:nvPr/>
+        </p:nvSpPr>
+        <p:spPr>
+          <a:xfrm>
+            <a:off x="6444208" y="3404029"/>
+            <a:ext cx="468052" cy="276999"/>
+          </a:xfrm>
+          <a:prstGeom prst="rect">
+            <a:avLst/>
+          </a:prstGeom>
+          <a:noFill/>
+        </p:spPr>
+        <p:txBody>
+          <a:bodyPr wrap="square" rtlCol="0">
+            <a:spAutoFit/>
+          </a:bodyPr>
+          <a:lstStyle/>
+          <a:p>
+            <a:r>
+              <a:rPr lang="fr-FR" sz="1200" dirty="0" smtClean="0"/>
+              <a:t>dot</a:t>
+            </a:r>
+            <a:endParaRPr lang="fr-FR" sz="1200" dirty="0"/>
+          </a:p>
+        </p:txBody>
+      </p:sp>
+      <p:sp>
+        <p:nvSpPr>
+          <p:cNvPr id="57" name="ZoneTexte 56"/>
+          <p:cNvSpPr txBox="1"/>
+          <p:nvPr/>
+        </p:nvSpPr>
+        <p:spPr>
+          <a:xfrm>
+            <a:off x="7020272" y="3404029"/>
+            <a:ext cx="584446" cy="276999"/>
+          </a:xfrm>
+          <a:prstGeom prst="rect">
+            <a:avLst/>
+          </a:prstGeom>
+          <a:noFill/>
+        </p:spPr>
+        <p:txBody>
+          <a:bodyPr wrap="square" rtlCol="0">
+            <a:spAutoFit/>
+          </a:bodyPr>
+          <a:lstStyle/>
+          <a:p>
+            <a:r>
+              <a:rPr lang="fr-FR" sz="1200" dirty="0" err="1" smtClean="0"/>
+              <a:t>notch</a:t>
+            </a:r>
+            <a:endParaRPr lang="fr-FR" sz="1200" dirty="0"/>
+          </a:p>
+        </p:txBody>
+      </p:sp>
+      <p:sp>
+        <p:nvSpPr>
+          <p:cNvPr id="58" name="ZoneTexte 57"/>
+          <p:cNvSpPr txBox="1"/>
+          <p:nvPr/>
+        </p:nvSpPr>
+        <p:spPr>
+          <a:xfrm>
+            <a:off x="3491880" y="4196117"/>
+            <a:ext cx="468052" cy="276999"/>
+          </a:xfrm>
+          <a:prstGeom prst="rect">
+            <a:avLst/>
+          </a:prstGeom>
+          <a:noFill/>
+        </p:spPr>
+        <p:txBody>
+          <a:bodyPr wrap="square" rtlCol="0">
+            <a:spAutoFit/>
+          </a:bodyPr>
+          <a:lstStyle/>
+          <a:p>
+            <a:r>
+              <a:rPr lang="fr-FR" sz="1200" dirty="0" smtClean="0"/>
+              <a:t>dot</a:t>
+            </a:r>
+            <a:endParaRPr lang="fr-FR" sz="1200" dirty="0"/>
           </a:p>
         </p:txBody>
       </p:sp>

--- a/Images/Components_placement.pptx
+++ b/Images/Components_placement.pptx
@@ -5,14 +5,15 @@
     <p:sldMasterId id="2147483648" r:id="rId1"/>
   </p:sldMasterIdLst>
   <p:notesMasterIdLst>
-    <p:notesMasterId r:id="rId7"/>
+    <p:notesMasterId r:id="rId8"/>
   </p:notesMasterIdLst>
   <p:sldIdLst>
-    <p:sldId id="256" r:id="rId2"/>
-    <p:sldId id="257" r:id="rId3"/>
-    <p:sldId id="259" r:id="rId4"/>
-    <p:sldId id="260" r:id="rId5"/>
-    <p:sldId id="261" r:id="rId6"/>
+    <p:sldId id="263" r:id="rId2"/>
+    <p:sldId id="256" r:id="rId3"/>
+    <p:sldId id="257" r:id="rId4"/>
+    <p:sldId id="259" r:id="rId5"/>
+    <p:sldId id="260" r:id="rId6"/>
+    <p:sldId id="261" r:id="rId7"/>
   </p:sldIdLst>
   <p:sldSz cx="9144000" cy="6858000" type="screen4x3"/>
   <p:notesSz cx="6858000" cy="9144000"/>
@@ -113,7 +114,7 @@
   </p:defaultTextStyle>
   <p:extLst>
     <p:ext uri="{EFAFB233-063F-42B5-8137-9DF3F51BA10A}">
-      <p15:sldGuideLst xmlns="" xmlns:p15="http://schemas.microsoft.com/office/powerpoint/2012/main">
+      <p15:sldGuideLst xmlns:p15="http://schemas.microsoft.com/office/powerpoint/2012/main" xmlns="">
         <p15:guide id="1" orient="horz" pos="2160">
           <p15:clr>
             <a:srgbClr val="A4A3A4"/>
@@ -213,7 +214,7 @@
             <a:fld id="{A4CD03C6-B7C6-4D54-8E69-F4362402F3FB}" type="datetimeFigureOut">
               <a:rPr lang="fr-FR" smtClean="0"/>
               <a:pPr/>
-              <a:t>09/08/2024</a:t>
+              <a:t>20/08/2024</a:t>
             </a:fld>
             <a:endParaRPr lang="fr-FR"/>
           </a:p>
@@ -547,7 +548,7 @@
             <a:fld id="{65CA9848-1B97-4C5C-BFD7-EEB3B7C77D4F}" type="slidenum">
               <a:rPr lang="fr-FR" smtClean="0"/>
               <a:pPr/>
-              <a:t>4</a:t>
+              <a:t>5</a:t>
             </a:fld>
             <a:endParaRPr lang="fr-FR"/>
           </a:p>
@@ -743,7 +744,7 @@
             <a:fld id="{AA309A6D-C09C-4548-B29A-6CF363A7E532}" type="datetimeFigureOut">
               <a:rPr lang="fr-FR" smtClean="0"/>
               <a:pPr/>
-              <a:t>09/08/2024</a:t>
+              <a:t>20/08/2024</a:t>
             </a:fld>
             <a:endParaRPr lang="fr-BE"/>
           </a:p>
@@ -910,7 +911,7 @@
             <a:fld id="{AA309A6D-C09C-4548-B29A-6CF363A7E532}" type="datetimeFigureOut">
               <a:rPr lang="fr-FR" smtClean="0"/>
               <a:pPr/>
-              <a:t>09/08/2024</a:t>
+              <a:t>20/08/2024</a:t>
             </a:fld>
             <a:endParaRPr lang="fr-BE"/>
           </a:p>
@@ -1087,7 +1088,7 @@
             <a:fld id="{AA309A6D-C09C-4548-B29A-6CF363A7E532}" type="datetimeFigureOut">
               <a:rPr lang="fr-FR" smtClean="0"/>
               <a:pPr/>
-              <a:t>09/08/2024</a:t>
+              <a:t>20/08/2024</a:t>
             </a:fld>
             <a:endParaRPr lang="fr-BE"/>
           </a:p>
@@ -1254,7 +1255,7 @@
             <a:fld id="{AA309A6D-C09C-4548-B29A-6CF363A7E532}" type="datetimeFigureOut">
               <a:rPr lang="fr-FR" smtClean="0"/>
               <a:pPr/>
-              <a:t>09/08/2024</a:t>
+              <a:t>20/08/2024</a:t>
             </a:fld>
             <a:endParaRPr lang="fr-BE"/>
           </a:p>
@@ -1497,7 +1498,7 @@
             <a:fld id="{AA309A6D-C09C-4548-B29A-6CF363A7E532}" type="datetimeFigureOut">
               <a:rPr lang="fr-FR" smtClean="0"/>
               <a:pPr/>
-              <a:t>09/08/2024</a:t>
+              <a:t>20/08/2024</a:t>
             </a:fld>
             <a:endParaRPr lang="fr-BE"/>
           </a:p>
@@ -1782,7 +1783,7 @@
             <a:fld id="{AA309A6D-C09C-4548-B29A-6CF363A7E532}" type="datetimeFigureOut">
               <a:rPr lang="fr-FR" smtClean="0"/>
               <a:pPr/>
-              <a:t>09/08/2024</a:t>
+              <a:t>20/08/2024</a:t>
             </a:fld>
             <a:endParaRPr lang="fr-BE"/>
           </a:p>
@@ -2201,7 +2202,7 @@
             <a:fld id="{AA309A6D-C09C-4548-B29A-6CF363A7E532}" type="datetimeFigureOut">
               <a:rPr lang="fr-FR" smtClean="0"/>
               <a:pPr/>
-              <a:t>09/08/2024</a:t>
+              <a:t>20/08/2024</a:t>
             </a:fld>
             <a:endParaRPr lang="fr-BE"/>
           </a:p>
@@ -2316,7 +2317,7 @@
             <a:fld id="{AA309A6D-C09C-4548-B29A-6CF363A7E532}" type="datetimeFigureOut">
               <a:rPr lang="fr-FR" smtClean="0"/>
               <a:pPr/>
-              <a:t>09/08/2024</a:t>
+              <a:t>20/08/2024</a:t>
             </a:fld>
             <a:endParaRPr lang="fr-BE"/>
           </a:p>
@@ -2408,7 +2409,7 @@
             <a:fld id="{AA309A6D-C09C-4548-B29A-6CF363A7E532}" type="datetimeFigureOut">
               <a:rPr lang="fr-FR" smtClean="0"/>
               <a:pPr/>
-              <a:t>09/08/2024</a:t>
+              <a:t>20/08/2024</a:t>
             </a:fld>
             <a:endParaRPr lang="fr-BE"/>
           </a:p>
@@ -2682,7 +2683,7 @@
             <a:fld id="{AA309A6D-C09C-4548-B29A-6CF363A7E532}" type="datetimeFigureOut">
               <a:rPr lang="fr-FR" smtClean="0"/>
               <a:pPr/>
-              <a:t>09/08/2024</a:t>
+              <a:t>20/08/2024</a:t>
             </a:fld>
             <a:endParaRPr lang="fr-BE"/>
           </a:p>
@@ -2932,7 +2933,7 @@
             <a:fld id="{AA309A6D-C09C-4548-B29A-6CF363A7E532}" type="datetimeFigureOut">
               <a:rPr lang="fr-FR" smtClean="0"/>
               <a:pPr/>
-              <a:t>09/08/2024</a:t>
+              <a:t>20/08/2024</a:t>
             </a:fld>
             <a:endParaRPr lang="fr-BE"/>
           </a:p>
@@ -3142,7 +3143,7 @@
             <a:fld id="{AA309A6D-C09C-4548-B29A-6CF363A7E532}" type="datetimeFigureOut">
               <a:rPr lang="fr-FR" smtClean="0"/>
               <a:pPr/>
-              <a:t>09/08/2024</a:t>
+              <a:t>20/08/2024</a:t>
             </a:fld>
             <a:endParaRPr lang="fr-BE"/>
           </a:p>
@@ -3515,7 +3516,7 @@
       </p:grpSpPr>
       <p:pic>
         <p:nvPicPr>
-          <p:cNvPr id="1026" name="Picture 2" descr="C:\Users\BOICHOT\Downloads\GB_Mini_Camera-main\Component_placement.png"/>
+          <p:cNvPr id="1026" name="Picture 2"/>
           <p:cNvPicPr>
             <a:picLocks noChangeAspect="1" noChangeArrowheads="1"/>
           </p:cNvPicPr>
@@ -3530,1705 +3531,31 @@
         </p:blipFill>
         <p:spPr bwMode="auto">
           <a:xfrm>
-            <a:off x="179512" y="8620"/>
-            <a:ext cx="7524882" cy="6593343"/>
+            <a:off x="539552" y="2024844"/>
+            <a:ext cx="3778090" cy="3320988"/>
           </a:xfrm>
           <a:prstGeom prst="rect">
             <a:avLst/>
           </a:prstGeom>
           <a:noFill/>
+          <a:ln w="9525">
+            <a:noFill/>
+            <a:miter lim="800000"/>
+            <a:headEnd/>
+            <a:tailEnd/>
+          </a:ln>
         </p:spPr>
       </p:pic>
       <p:sp>
         <p:nvSpPr>
-          <p:cNvPr id="5" name="Rectangle 4"/>
-          <p:cNvSpPr/>
-          <p:nvPr/>
-        </p:nvSpPr>
-        <p:spPr>
-          <a:xfrm>
-            <a:off x="359532" y="769316"/>
-            <a:ext cx="1476164" cy="2592288"/>
-          </a:xfrm>
-          <a:prstGeom prst="rect">
-            <a:avLst/>
-          </a:prstGeom>
-          <a:solidFill>
-            <a:schemeClr val="accent1">
-              <a:alpha val="82000"/>
-            </a:schemeClr>
-          </a:solidFill>
-          <a:ln>
-            <a:solidFill>
-              <a:schemeClr val="accent1">
-                <a:shade val="50000"/>
-              </a:schemeClr>
-            </a:solidFill>
-          </a:ln>
-        </p:spPr>
-        <p:style>
-          <a:lnRef idx="2">
-            <a:schemeClr val="accent1">
-              <a:shade val="50000"/>
-            </a:schemeClr>
-          </a:lnRef>
-          <a:fillRef idx="1">
-            <a:schemeClr val="accent1"/>
-          </a:fillRef>
-          <a:effectRef idx="0">
-            <a:schemeClr val="accent1"/>
-          </a:effectRef>
-          <a:fontRef idx="minor">
-            <a:schemeClr val="lt1"/>
-          </a:fontRef>
-        </p:style>
-        <p:txBody>
-          <a:bodyPr rtlCol="0" anchor="ctr"/>
-          <a:lstStyle/>
-          <a:p>
-            <a:pPr algn="ctr"/>
-            <a:r>
-              <a:rPr lang="fr-FR" dirty="0" smtClean="0">
-                <a:solidFill>
-                  <a:schemeClr val="tx1"/>
-                </a:solidFill>
-              </a:rPr>
-              <a:t>AM29F080B</a:t>
-            </a:r>
-            <a:endParaRPr lang="fr-FR" dirty="0">
-              <a:solidFill>
-                <a:schemeClr val="tx1"/>
-              </a:solidFill>
-            </a:endParaRPr>
-          </a:p>
-        </p:txBody>
-      </p:sp>
-      <p:sp>
-        <p:nvSpPr>
-          <p:cNvPr id="6" name="Ellipse 5"/>
-          <p:cNvSpPr/>
-          <p:nvPr/>
-        </p:nvSpPr>
-        <p:spPr>
-          <a:xfrm>
-            <a:off x="431540" y="3140968"/>
-            <a:ext cx="144016" cy="144016"/>
-          </a:xfrm>
-          <a:prstGeom prst="ellipse">
-            <a:avLst/>
-          </a:prstGeom>
-          <a:solidFill>
-            <a:schemeClr val="tx1"/>
-          </a:solidFill>
-          <a:ln>
-            <a:noFill/>
-          </a:ln>
-        </p:spPr>
-        <p:style>
-          <a:lnRef idx="2">
-            <a:schemeClr val="accent1">
-              <a:shade val="50000"/>
-            </a:schemeClr>
-          </a:lnRef>
-          <a:fillRef idx="1">
-            <a:schemeClr val="accent1"/>
-          </a:fillRef>
-          <a:effectRef idx="0">
-            <a:schemeClr val="accent1"/>
-          </a:effectRef>
-          <a:fontRef idx="minor">
-            <a:schemeClr val="lt1"/>
-          </a:fontRef>
-        </p:style>
-        <p:txBody>
-          <a:bodyPr rtlCol="0" anchor="ctr"/>
-          <a:lstStyle/>
-          <a:p>
-            <a:pPr algn="ctr"/>
-            <a:endParaRPr lang="fr-FR"/>
-          </a:p>
-        </p:txBody>
-      </p:sp>
-      <p:sp>
-        <p:nvSpPr>
-          <p:cNvPr id="7" name="Rectangle 6"/>
-          <p:cNvSpPr/>
-          <p:nvPr/>
-        </p:nvSpPr>
-        <p:spPr>
-          <a:xfrm>
-            <a:off x="3347864" y="2461504"/>
-            <a:ext cx="1980220" cy="2016224"/>
-          </a:xfrm>
-          <a:prstGeom prst="rect">
-            <a:avLst/>
-          </a:prstGeom>
-          <a:solidFill>
-            <a:schemeClr val="accent1">
-              <a:alpha val="82000"/>
-            </a:schemeClr>
-          </a:solidFill>
-          <a:ln>
-            <a:solidFill>
-              <a:schemeClr val="accent1">
-                <a:shade val="50000"/>
-              </a:schemeClr>
-            </a:solidFill>
-          </a:ln>
-        </p:spPr>
-        <p:style>
-          <a:lnRef idx="2">
-            <a:schemeClr val="accent1">
-              <a:shade val="50000"/>
-            </a:schemeClr>
-          </a:lnRef>
-          <a:fillRef idx="1">
-            <a:schemeClr val="accent1"/>
-          </a:fillRef>
-          <a:effectRef idx="0">
-            <a:schemeClr val="accent1"/>
-          </a:effectRef>
-          <a:fontRef idx="minor">
-            <a:schemeClr val="lt1"/>
-          </a:fontRef>
-        </p:style>
-        <p:txBody>
-          <a:bodyPr rtlCol="0" anchor="ctr"/>
-          <a:lstStyle/>
-          <a:p>
-            <a:pPr algn="ctr"/>
-            <a:r>
-              <a:rPr lang="fr-FR" dirty="0" smtClean="0">
-                <a:solidFill>
-                  <a:schemeClr val="tx1"/>
-                </a:solidFill>
-              </a:rPr>
-              <a:t>MAC-GBD</a:t>
-            </a:r>
-            <a:endParaRPr lang="fr-FR" dirty="0">
-              <a:solidFill>
-                <a:schemeClr val="tx1"/>
-              </a:solidFill>
-            </a:endParaRPr>
-          </a:p>
-        </p:txBody>
-      </p:sp>
-      <p:sp>
-        <p:nvSpPr>
-          <p:cNvPr id="8" name="Ellipse 7"/>
-          <p:cNvSpPr/>
-          <p:nvPr/>
-        </p:nvSpPr>
-        <p:spPr>
-          <a:xfrm>
-            <a:off x="3419872" y="4257092"/>
-            <a:ext cx="144016" cy="144016"/>
-          </a:xfrm>
-          <a:prstGeom prst="ellipse">
-            <a:avLst/>
-          </a:prstGeom>
-          <a:solidFill>
-            <a:schemeClr val="tx1"/>
-          </a:solidFill>
-          <a:ln>
-            <a:noFill/>
-          </a:ln>
-        </p:spPr>
-        <p:style>
-          <a:lnRef idx="2">
-            <a:schemeClr val="accent1">
-              <a:shade val="50000"/>
-            </a:schemeClr>
-          </a:lnRef>
-          <a:fillRef idx="1">
-            <a:schemeClr val="accent1"/>
-          </a:fillRef>
-          <a:effectRef idx="0">
-            <a:schemeClr val="accent1"/>
-          </a:effectRef>
-          <a:fontRef idx="minor">
-            <a:schemeClr val="lt1"/>
-          </a:fontRef>
-        </p:style>
-        <p:txBody>
-          <a:bodyPr rtlCol="0" anchor="ctr"/>
-          <a:lstStyle/>
-          <a:p>
-            <a:pPr algn="ctr"/>
-            <a:endParaRPr lang="fr-FR"/>
-          </a:p>
-        </p:txBody>
-      </p:sp>
-      <p:sp>
-        <p:nvSpPr>
-          <p:cNvPr id="10" name="Rectangle 9"/>
-          <p:cNvSpPr/>
-          <p:nvPr/>
-        </p:nvSpPr>
-        <p:spPr>
-          <a:xfrm>
-            <a:off x="6300192" y="1957448"/>
-            <a:ext cx="1224136" cy="1728192"/>
-          </a:xfrm>
-          <a:prstGeom prst="rect">
-            <a:avLst/>
-          </a:prstGeom>
-          <a:solidFill>
-            <a:schemeClr val="accent1">
-              <a:alpha val="82000"/>
-            </a:schemeClr>
-          </a:solidFill>
-          <a:ln>
-            <a:solidFill>
-              <a:schemeClr val="accent1">
-                <a:shade val="50000"/>
-              </a:schemeClr>
-            </a:solidFill>
-          </a:ln>
-        </p:spPr>
-        <p:style>
-          <a:lnRef idx="2">
-            <a:schemeClr val="accent1">
-              <a:shade val="50000"/>
-            </a:schemeClr>
-          </a:lnRef>
-          <a:fillRef idx="1">
-            <a:schemeClr val="accent1"/>
-          </a:fillRef>
-          <a:effectRef idx="0">
-            <a:schemeClr val="accent1"/>
-          </a:effectRef>
-          <a:fontRef idx="minor">
-            <a:schemeClr val="lt1"/>
-          </a:fontRef>
-        </p:style>
-        <p:txBody>
-          <a:bodyPr rtlCol="0" anchor="ctr"/>
-          <a:lstStyle/>
-          <a:p>
-            <a:pPr algn="ctr"/>
-            <a:r>
-              <a:rPr lang="fr-FR" dirty="0" smtClean="0">
-                <a:solidFill>
-                  <a:schemeClr val="tx1"/>
-                </a:solidFill>
-              </a:rPr>
-              <a:t>FM28V100</a:t>
-            </a:r>
-            <a:endParaRPr lang="fr-FR" dirty="0">
-              <a:solidFill>
-                <a:schemeClr val="tx1"/>
-              </a:solidFill>
-            </a:endParaRPr>
-          </a:p>
-        </p:txBody>
-      </p:sp>
-      <p:sp>
-        <p:nvSpPr>
-          <p:cNvPr id="9" name="Ellipse 8"/>
-          <p:cNvSpPr/>
-          <p:nvPr/>
-        </p:nvSpPr>
-        <p:spPr>
-          <a:xfrm>
-            <a:off x="6372200" y="3465004"/>
-            <a:ext cx="144016" cy="144016"/>
-          </a:xfrm>
-          <a:prstGeom prst="ellipse">
-            <a:avLst/>
-          </a:prstGeom>
-          <a:solidFill>
-            <a:schemeClr val="tx1"/>
-          </a:solidFill>
-          <a:ln>
-            <a:noFill/>
-          </a:ln>
-        </p:spPr>
-        <p:style>
-          <a:lnRef idx="2">
-            <a:schemeClr val="accent1">
-              <a:shade val="50000"/>
-            </a:schemeClr>
-          </a:lnRef>
-          <a:fillRef idx="1">
-            <a:schemeClr val="accent1"/>
-          </a:fillRef>
-          <a:effectRef idx="0">
-            <a:schemeClr val="accent1"/>
-          </a:effectRef>
-          <a:fontRef idx="minor">
-            <a:schemeClr val="lt1"/>
-          </a:fontRef>
-        </p:style>
-        <p:txBody>
-          <a:bodyPr rtlCol="0" anchor="ctr"/>
-          <a:lstStyle/>
-          <a:p>
-            <a:pPr algn="ctr"/>
-            <a:endParaRPr lang="fr-FR"/>
-          </a:p>
-        </p:txBody>
-      </p:sp>
-      <p:sp>
-        <p:nvSpPr>
-          <p:cNvPr id="12" name="Rectangle 11"/>
-          <p:cNvSpPr/>
-          <p:nvPr/>
-        </p:nvSpPr>
-        <p:spPr>
-          <a:xfrm>
-            <a:off x="755576" y="3757648"/>
-            <a:ext cx="360040" cy="180020"/>
-          </a:xfrm>
-          <a:prstGeom prst="rect">
-            <a:avLst/>
-          </a:prstGeom>
-          <a:solidFill>
-            <a:srgbClr val="FF0000">
-              <a:alpha val="50000"/>
-            </a:srgbClr>
-          </a:solidFill>
-          <a:ln>
-            <a:noFill/>
-          </a:ln>
-        </p:spPr>
-        <p:style>
-          <a:lnRef idx="2">
-            <a:schemeClr val="accent1">
-              <a:shade val="50000"/>
-            </a:schemeClr>
-          </a:lnRef>
-          <a:fillRef idx="1">
-            <a:schemeClr val="accent1"/>
-          </a:fillRef>
-          <a:effectRef idx="0">
-            <a:schemeClr val="accent1"/>
-          </a:effectRef>
-          <a:fontRef idx="minor">
-            <a:schemeClr val="lt1"/>
-          </a:fontRef>
-        </p:style>
-        <p:txBody>
-          <a:bodyPr rtlCol="0" anchor="ctr"/>
-          <a:lstStyle/>
-          <a:p>
-            <a:pPr algn="ctr"/>
-            <a:endParaRPr lang="fr-FR"/>
-          </a:p>
-        </p:txBody>
-      </p:sp>
-      <p:sp>
-        <p:nvSpPr>
-          <p:cNvPr id="13" name="Rectangle 12"/>
-          <p:cNvSpPr/>
-          <p:nvPr/>
-        </p:nvSpPr>
-        <p:spPr>
-          <a:xfrm>
-            <a:off x="2627784" y="2281484"/>
-            <a:ext cx="360040" cy="180020"/>
-          </a:xfrm>
-          <a:prstGeom prst="rect">
-            <a:avLst/>
-          </a:prstGeom>
-          <a:solidFill>
-            <a:srgbClr val="FF0000">
-              <a:alpha val="50000"/>
-            </a:srgbClr>
-          </a:solidFill>
-          <a:ln>
-            <a:noFill/>
-          </a:ln>
-        </p:spPr>
-        <p:style>
-          <a:lnRef idx="2">
-            <a:schemeClr val="accent1">
-              <a:shade val="50000"/>
-            </a:schemeClr>
-          </a:lnRef>
-          <a:fillRef idx="1">
-            <a:schemeClr val="accent1"/>
-          </a:fillRef>
-          <a:effectRef idx="0">
-            <a:schemeClr val="accent1"/>
-          </a:effectRef>
-          <a:fontRef idx="minor">
-            <a:schemeClr val="lt1"/>
-          </a:fontRef>
-        </p:style>
-        <p:txBody>
-          <a:bodyPr rtlCol="0" anchor="ctr"/>
-          <a:lstStyle/>
-          <a:p>
-            <a:pPr algn="ctr"/>
-            <a:endParaRPr lang="fr-FR"/>
-          </a:p>
-        </p:txBody>
-      </p:sp>
-      <p:sp>
-        <p:nvSpPr>
-          <p:cNvPr id="14" name="Rectangle 13"/>
-          <p:cNvSpPr/>
-          <p:nvPr/>
-        </p:nvSpPr>
-        <p:spPr>
-          <a:xfrm rot="16200000">
-            <a:off x="3271530" y="1657845"/>
-            <a:ext cx="360040" cy="180020"/>
-          </a:xfrm>
-          <a:prstGeom prst="rect">
-            <a:avLst/>
-          </a:prstGeom>
-          <a:solidFill>
-            <a:srgbClr val="FF0000">
-              <a:alpha val="50000"/>
-            </a:srgbClr>
-          </a:solidFill>
-          <a:ln>
-            <a:noFill/>
-          </a:ln>
-        </p:spPr>
-        <p:style>
-          <a:lnRef idx="2">
-            <a:schemeClr val="accent1">
-              <a:shade val="50000"/>
-            </a:schemeClr>
-          </a:lnRef>
-          <a:fillRef idx="1">
-            <a:schemeClr val="accent1"/>
-          </a:fillRef>
-          <a:effectRef idx="0">
-            <a:schemeClr val="accent1"/>
-          </a:effectRef>
-          <a:fontRef idx="minor">
-            <a:schemeClr val="lt1"/>
-          </a:fontRef>
-        </p:style>
-        <p:txBody>
-          <a:bodyPr rtlCol="0" anchor="ctr"/>
-          <a:lstStyle/>
-          <a:p>
-            <a:pPr algn="ctr"/>
-            <a:endParaRPr lang="fr-FR"/>
-          </a:p>
-        </p:txBody>
-      </p:sp>
-      <p:sp>
-        <p:nvSpPr>
-          <p:cNvPr id="15" name="Rectangle 14"/>
-          <p:cNvSpPr/>
-          <p:nvPr/>
-        </p:nvSpPr>
-        <p:spPr>
-          <a:xfrm rot="16200000">
-            <a:off x="3509882" y="1651414"/>
-            <a:ext cx="360040" cy="180020"/>
-          </a:xfrm>
-          <a:prstGeom prst="rect">
-            <a:avLst/>
-          </a:prstGeom>
-          <a:solidFill>
-            <a:srgbClr val="FF0000">
-              <a:alpha val="50000"/>
-            </a:srgbClr>
-          </a:solidFill>
-          <a:ln>
-            <a:noFill/>
-          </a:ln>
-        </p:spPr>
-        <p:style>
-          <a:lnRef idx="2">
-            <a:schemeClr val="accent1">
-              <a:shade val="50000"/>
-            </a:schemeClr>
-          </a:lnRef>
-          <a:fillRef idx="1">
-            <a:schemeClr val="accent1"/>
-          </a:fillRef>
-          <a:effectRef idx="0">
-            <a:schemeClr val="accent1"/>
-          </a:effectRef>
-          <a:fontRef idx="minor">
-            <a:schemeClr val="lt1"/>
-          </a:fontRef>
-        </p:style>
-        <p:txBody>
-          <a:bodyPr rtlCol="0" anchor="ctr"/>
-          <a:lstStyle/>
-          <a:p>
-            <a:pPr algn="ctr"/>
-            <a:endParaRPr lang="fr-FR"/>
-          </a:p>
-        </p:txBody>
-      </p:sp>
-      <p:sp>
-        <p:nvSpPr>
-          <p:cNvPr id="16" name="Rectangle 15"/>
-          <p:cNvSpPr/>
-          <p:nvPr/>
-        </p:nvSpPr>
-        <p:spPr>
-          <a:xfrm>
-            <a:off x="3203848" y="4801764"/>
-            <a:ext cx="360040" cy="180020"/>
-          </a:xfrm>
-          <a:prstGeom prst="rect">
-            <a:avLst/>
-          </a:prstGeom>
-          <a:solidFill>
-            <a:srgbClr val="FF0000">
-              <a:alpha val="50000"/>
-            </a:srgbClr>
-          </a:solidFill>
-          <a:ln>
-            <a:noFill/>
-          </a:ln>
-        </p:spPr>
-        <p:style>
-          <a:lnRef idx="2">
-            <a:schemeClr val="accent1">
-              <a:shade val="50000"/>
-            </a:schemeClr>
-          </a:lnRef>
-          <a:fillRef idx="1">
-            <a:schemeClr val="accent1"/>
-          </a:fillRef>
-          <a:effectRef idx="0">
-            <a:schemeClr val="accent1"/>
-          </a:effectRef>
-          <a:fontRef idx="minor">
-            <a:schemeClr val="lt1"/>
-          </a:fontRef>
-        </p:style>
-        <p:txBody>
-          <a:bodyPr rtlCol="0" anchor="ctr"/>
-          <a:lstStyle/>
-          <a:p>
-            <a:pPr algn="ctr"/>
-            <a:endParaRPr lang="fr-FR"/>
-          </a:p>
-        </p:txBody>
-      </p:sp>
-      <p:sp>
-        <p:nvSpPr>
-          <p:cNvPr id="17" name="Rectangle 16"/>
-          <p:cNvSpPr/>
-          <p:nvPr/>
-        </p:nvSpPr>
-        <p:spPr>
-          <a:xfrm>
-            <a:off x="4283968" y="1705420"/>
-            <a:ext cx="360040" cy="180020"/>
-          </a:xfrm>
-          <a:prstGeom prst="rect">
-            <a:avLst/>
-          </a:prstGeom>
-          <a:solidFill>
-            <a:srgbClr val="FF0000">
-              <a:alpha val="50000"/>
-            </a:srgbClr>
-          </a:solidFill>
-          <a:ln>
-            <a:noFill/>
-          </a:ln>
-        </p:spPr>
-        <p:style>
-          <a:lnRef idx="2">
-            <a:schemeClr val="accent1">
-              <a:shade val="50000"/>
-            </a:schemeClr>
-          </a:lnRef>
-          <a:fillRef idx="1">
-            <a:schemeClr val="accent1"/>
-          </a:fillRef>
-          <a:effectRef idx="0">
-            <a:schemeClr val="accent1"/>
-          </a:effectRef>
-          <a:fontRef idx="minor">
-            <a:schemeClr val="lt1"/>
-          </a:fontRef>
-        </p:style>
-        <p:txBody>
-          <a:bodyPr rtlCol="0" anchor="ctr"/>
-          <a:lstStyle/>
-          <a:p>
-            <a:pPr algn="ctr"/>
-            <a:endParaRPr lang="fr-FR"/>
-          </a:p>
-        </p:txBody>
-      </p:sp>
-      <p:sp>
-        <p:nvSpPr>
-          <p:cNvPr id="18" name="Rectangle 17"/>
-          <p:cNvSpPr/>
-          <p:nvPr/>
-        </p:nvSpPr>
-        <p:spPr>
-          <a:xfrm>
-            <a:off x="5364088" y="4693752"/>
-            <a:ext cx="360040" cy="180020"/>
-          </a:xfrm>
-          <a:prstGeom prst="rect">
-            <a:avLst/>
-          </a:prstGeom>
-          <a:solidFill>
-            <a:srgbClr val="FF0000">
-              <a:alpha val="50000"/>
-            </a:srgbClr>
-          </a:solidFill>
-          <a:ln>
-            <a:noFill/>
-          </a:ln>
-        </p:spPr>
-        <p:style>
-          <a:lnRef idx="2">
-            <a:schemeClr val="accent1">
-              <a:shade val="50000"/>
-            </a:schemeClr>
-          </a:lnRef>
-          <a:fillRef idx="1">
-            <a:schemeClr val="accent1"/>
-          </a:fillRef>
-          <a:effectRef idx="0">
-            <a:schemeClr val="accent1"/>
-          </a:effectRef>
-          <a:fontRef idx="minor">
-            <a:schemeClr val="lt1"/>
-          </a:fontRef>
-        </p:style>
-        <p:txBody>
-          <a:bodyPr rtlCol="0" anchor="ctr"/>
-          <a:lstStyle/>
-          <a:p>
-            <a:pPr algn="ctr"/>
-            <a:endParaRPr lang="fr-FR"/>
-          </a:p>
-        </p:txBody>
-      </p:sp>
-      <p:sp>
-        <p:nvSpPr>
-          <p:cNvPr id="19" name="Rectangle 18"/>
-          <p:cNvSpPr/>
-          <p:nvPr/>
-        </p:nvSpPr>
-        <p:spPr>
-          <a:xfrm rot="16200000">
-            <a:off x="5886146" y="3163582"/>
-            <a:ext cx="360040" cy="180020"/>
-          </a:xfrm>
-          <a:prstGeom prst="rect">
-            <a:avLst/>
-          </a:prstGeom>
-          <a:solidFill>
-            <a:srgbClr val="FF0000">
-              <a:alpha val="50000"/>
-            </a:srgbClr>
-          </a:solidFill>
-          <a:ln>
-            <a:noFill/>
-          </a:ln>
-        </p:spPr>
-        <p:style>
-          <a:lnRef idx="2">
-            <a:schemeClr val="accent1">
-              <a:shade val="50000"/>
-            </a:schemeClr>
-          </a:lnRef>
-          <a:fillRef idx="1">
-            <a:schemeClr val="accent1"/>
-          </a:fillRef>
-          <a:effectRef idx="0">
-            <a:schemeClr val="accent1"/>
-          </a:effectRef>
-          <a:fontRef idx="minor">
-            <a:schemeClr val="lt1"/>
-          </a:fontRef>
-        </p:style>
-        <p:txBody>
-          <a:bodyPr rtlCol="0" anchor="ctr"/>
-          <a:lstStyle/>
-          <a:p>
-            <a:pPr algn="ctr"/>
-            <a:endParaRPr lang="fr-FR"/>
-          </a:p>
-        </p:txBody>
-      </p:sp>
-      <p:sp>
-        <p:nvSpPr>
-          <p:cNvPr id="20" name="Rectangle 19"/>
-          <p:cNvSpPr/>
-          <p:nvPr/>
-        </p:nvSpPr>
-        <p:spPr>
-          <a:xfrm rot="16200000">
-            <a:off x="2357754" y="1003342"/>
-            <a:ext cx="360040" cy="180020"/>
-          </a:xfrm>
-          <a:prstGeom prst="rect">
-            <a:avLst/>
-          </a:prstGeom>
-          <a:solidFill>
-            <a:srgbClr val="FF0000">
-              <a:alpha val="50000"/>
-            </a:srgbClr>
-          </a:solidFill>
-          <a:ln>
-            <a:noFill/>
-          </a:ln>
-        </p:spPr>
-        <p:style>
-          <a:lnRef idx="2">
-            <a:schemeClr val="accent1">
-              <a:shade val="50000"/>
-            </a:schemeClr>
-          </a:lnRef>
-          <a:fillRef idx="1">
-            <a:schemeClr val="accent1"/>
-          </a:fillRef>
-          <a:effectRef idx="0">
-            <a:schemeClr val="accent1"/>
-          </a:effectRef>
-          <a:fontRef idx="minor">
-            <a:schemeClr val="lt1"/>
-          </a:fontRef>
-        </p:style>
-        <p:txBody>
-          <a:bodyPr rtlCol="0" anchor="ctr"/>
-          <a:lstStyle/>
-          <a:p>
-            <a:pPr algn="ctr"/>
-            <a:endParaRPr lang="fr-FR"/>
-          </a:p>
-        </p:txBody>
-      </p:sp>
-      <p:sp>
-        <p:nvSpPr>
-          <p:cNvPr id="21" name="Rectangle 20"/>
-          <p:cNvSpPr/>
-          <p:nvPr/>
-        </p:nvSpPr>
-        <p:spPr>
-          <a:xfrm>
-            <a:off x="7020272" y="193252"/>
-            <a:ext cx="360040" cy="180020"/>
-          </a:xfrm>
-          <a:prstGeom prst="rect">
-            <a:avLst/>
-          </a:prstGeom>
-          <a:solidFill>
-            <a:srgbClr val="FF0000">
-              <a:alpha val="50000"/>
-            </a:srgbClr>
-          </a:solidFill>
-          <a:ln>
-            <a:noFill/>
-          </a:ln>
-        </p:spPr>
-        <p:style>
-          <a:lnRef idx="2">
-            <a:schemeClr val="accent1">
-              <a:shade val="50000"/>
-            </a:schemeClr>
-          </a:lnRef>
-          <a:fillRef idx="1">
-            <a:schemeClr val="accent1"/>
-          </a:fillRef>
-          <a:effectRef idx="0">
-            <a:schemeClr val="accent1"/>
-          </a:effectRef>
-          <a:fontRef idx="minor">
-            <a:schemeClr val="lt1"/>
-          </a:fontRef>
-        </p:style>
-        <p:txBody>
-          <a:bodyPr rtlCol="0" anchor="ctr"/>
-          <a:lstStyle/>
-          <a:p>
-            <a:pPr algn="ctr"/>
-            <a:endParaRPr lang="fr-FR"/>
-          </a:p>
-        </p:txBody>
-      </p:sp>
-      <p:sp>
-        <p:nvSpPr>
-          <p:cNvPr id="22" name="Rectangle 21"/>
-          <p:cNvSpPr/>
-          <p:nvPr/>
-        </p:nvSpPr>
-        <p:spPr>
-          <a:xfrm rot="16200000">
-            <a:off x="6390202" y="4311099"/>
-            <a:ext cx="360040" cy="180020"/>
-          </a:xfrm>
-          <a:prstGeom prst="rect">
-            <a:avLst/>
-          </a:prstGeom>
-          <a:solidFill>
-            <a:srgbClr val="FF0000">
-              <a:alpha val="50000"/>
-            </a:srgbClr>
-          </a:solidFill>
-          <a:ln>
-            <a:noFill/>
-          </a:ln>
-        </p:spPr>
-        <p:style>
-          <a:lnRef idx="2">
-            <a:schemeClr val="accent1">
-              <a:shade val="50000"/>
-            </a:schemeClr>
-          </a:lnRef>
-          <a:fillRef idx="1">
-            <a:schemeClr val="accent1"/>
-          </a:fillRef>
-          <a:effectRef idx="0">
-            <a:schemeClr val="accent1"/>
-          </a:effectRef>
-          <a:fontRef idx="minor">
-            <a:schemeClr val="lt1"/>
-          </a:fontRef>
-        </p:style>
-        <p:txBody>
-          <a:bodyPr rtlCol="0" anchor="ctr"/>
-          <a:lstStyle/>
-          <a:p>
-            <a:pPr algn="ctr"/>
-            <a:endParaRPr lang="fr-FR"/>
-          </a:p>
-        </p:txBody>
-      </p:sp>
-      <p:sp>
-        <p:nvSpPr>
-          <p:cNvPr id="23" name="Rectangle 22"/>
-          <p:cNvSpPr/>
-          <p:nvPr/>
-        </p:nvSpPr>
-        <p:spPr>
-          <a:xfrm rot="16200000">
-            <a:off x="5202070" y="823322"/>
-            <a:ext cx="360040" cy="180020"/>
-          </a:xfrm>
-          <a:prstGeom prst="rect">
-            <a:avLst/>
-          </a:prstGeom>
-          <a:solidFill>
-            <a:srgbClr val="FF0000">
-              <a:alpha val="50000"/>
-            </a:srgbClr>
-          </a:solidFill>
-          <a:ln>
-            <a:noFill/>
-          </a:ln>
-        </p:spPr>
-        <p:style>
-          <a:lnRef idx="2">
-            <a:schemeClr val="accent1">
-              <a:shade val="50000"/>
-            </a:schemeClr>
-          </a:lnRef>
-          <a:fillRef idx="1">
-            <a:schemeClr val="accent1"/>
-          </a:fillRef>
-          <a:effectRef idx="0">
-            <a:schemeClr val="accent1"/>
-          </a:effectRef>
-          <a:fontRef idx="minor">
-            <a:schemeClr val="lt1"/>
-          </a:fontRef>
-        </p:style>
-        <p:txBody>
-          <a:bodyPr rtlCol="0" anchor="ctr"/>
-          <a:lstStyle/>
-          <a:p>
-            <a:pPr algn="ctr"/>
-            <a:endParaRPr lang="fr-FR"/>
-          </a:p>
-        </p:txBody>
-      </p:sp>
-      <p:sp>
-        <p:nvSpPr>
-          <p:cNvPr id="25" name="Rectangle 24"/>
-          <p:cNvSpPr/>
-          <p:nvPr/>
-        </p:nvSpPr>
-        <p:spPr>
-          <a:xfrm>
-            <a:off x="6048164" y="589296"/>
-            <a:ext cx="360040" cy="180020"/>
-          </a:xfrm>
-          <a:prstGeom prst="rect">
-            <a:avLst/>
-          </a:prstGeom>
-          <a:solidFill>
-            <a:srgbClr val="FF0000">
-              <a:alpha val="50000"/>
-            </a:srgbClr>
-          </a:solidFill>
-          <a:ln>
-            <a:noFill/>
-          </a:ln>
-        </p:spPr>
-        <p:style>
-          <a:lnRef idx="2">
-            <a:schemeClr val="accent1">
-              <a:shade val="50000"/>
-            </a:schemeClr>
-          </a:lnRef>
-          <a:fillRef idx="1">
-            <a:schemeClr val="accent1"/>
-          </a:fillRef>
-          <a:effectRef idx="0">
-            <a:schemeClr val="accent1"/>
-          </a:effectRef>
-          <a:fontRef idx="minor">
-            <a:schemeClr val="lt1"/>
-          </a:fontRef>
-        </p:style>
-        <p:txBody>
-          <a:bodyPr rtlCol="0" anchor="ctr"/>
-          <a:lstStyle/>
-          <a:p>
-            <a:pPr algn="ctr"/>
-            <a:endParaRPr lang="fr-FR"/>
-          </a:p>
-        </p:txBody>
-      </p:sp>
-      <p:sp>
-        <p:nvSpPr>
-          <p:cNvPr id="26" name="Rectangle 25"/>
-          <p:cNvSpPr/>
-          <p:nvPr/>
-        </p:nvSpPr>
-        <p:spPr>
-          <a:xfrm>
-            <a:off x="1043608" y="193252"/>
-            <a:ext cx="360040" cy="180020"/>
-          </a:xfrm>
-          <a:prstGeom prst="rect">
-            <a:avLst/>
-          </a:prstGeom>
-          <a:solidFill>
-            <a:srgbClr val="FF0000">
-              <a:alpha val="50000"/>
-            </a:srgbClr>
-          </a:solidFill>
-          <a:ln>
-            <a:noFill/>
-          </a:ln>
-        </p:spPr>
-        <p:style>
-          <a:lnRef idx="2">
-            <a:schemeClr val="accent1">
-              <a:shade val="50000"/>
-            </a:schemeClr>
-          </a:lnRef>
-          <a:fillRef idx="1">
-            <a:schemeClr val="accent1"/>
-          </a:fillRef>
-          <a:effectRef idx="0">
-            <a:schemeClr val="accent1"/>
-          </a:effectRef>
-          <a:fontRef idx="minor">
-            <a:schemeClr val="lt1"/>
-          </a:fontRef>
-        </p:style>
-        <p:txBody>
-          <a:bodyPr rtlCol="0" anchor="ctr"/>
-          <a:lstStyle/>
-          <a:p>
-            <a:pPr algn="ctr"/>
-            <a:endParaRPr lang="fr-FR"/>
-          </a:p>
-        </p:txBody>
-      </p:sp>
-      <p:sp>
-        <p:nvSpPr>
-          <p:cNvPr id="27" name="Rectangle 26"/>
-          <p:cNvSpPr/>
-          <p:nvPr/>
-        </p:nvSpPr>
-        <p:spPr>
-          <a:xfrm rot="16200000">
-            <a:off x="5994158" y="2047458"/>
-            <a:ext cx="360040" cy="180020"/>
-          </a:xfrm>
-          <a:prstGeom prst="rect">
-            <a:avLst/>
-          </a:prstGeom>
-          <a:solidFill>
-            <a:srgbClr val="00B050">
-              <a:alpha val="50000"/>
-            </a:srgbClr>
-          </a:solidFill>
-          <a:ln>
-            <a:noFill/>
-          </a:ln>
-        </p:spPr>
-        <p:style>
-          <a:lnRef idx="2">
-            <a:schemeClr val="accent1">
-              <a:shade val="50000"/>
-            </a:schemeClr>
-          </a:lnRef>
-          <a:fillRef idx="1">
-            <a:schemeClr val="accent1"/>
-          </a:fillRef>
-          <a:effectRef idx="0">
-            <a:schemeClr val="accent1"/>
-          </a:effectRef>
-          <a:fontRef idx="minor">
-            <a:schemeClr val="lt1"/>
-          </a:fontRef>
-        </p:style>
-        <p:txBody>
-          <a:bodyPr rtlCol="0" anchor="ctr"/>
-          <a:lstStyle/>
-          <a:p>
-            <a:pPr algn="ctr"/>
-            <a:endParaRPr lang="fr-FR"/>
-          </a:p>
-        </p:txBody>
-      </p:sp>
-      <p:sp>
-        <p:nvSpPr>
-          <p:cNvPr id="29" name="Rectangle 28"/>
-          <p:cNvSpPr/>
-          <p:nvPr/>
-        </p:nvSpPr>
-        <p:spPr>
-          <a:xfrm rot="16200000">
-            <a:off x="6138174" y="4311099"/>
-            <a:ext cx="360040" cy="180020"/>
-          </a:xfrm>
-          <a:prstGeom prst="rect">
-            <a:avLst/>
-          </a:prstGeom>
-          <a:solidFill>
-            <a:srgbClr val="00B050">
-              <a:alpha val="50000"/>
-            </a:srgbClr>
-          </a:solidFill>
-          <a:ln>
-            <a:noFill/>
-          </a:ln>
-        </p:spPr>
-        <p:style>
-          <a:lnRef idx="2">
-            <a:schemeClr val="accent1">
-              <a:shade val="50000"/>
-            </a:schemeClr>
-          </a:lnRef>
-          <a:fillRef idx="1">
-            <a:schemeClr val="accent1"/>
-          </a:fillRef>
-          <a:effectRef idx="0">
-            <a:schemeClr val="accent1"/>
-          </a:effectRef>
-          <a:fontRef idx="minor">
-            <a:schemeClr val="lt1"/>
-          </a:fontRef>
-        </p:style>
-        <p:txBody>
-          <a:bodyPr rtlCol="0" anchor="ctr"/>
-          <a:lstStyle/>
-          <a:p>
-            <a:pPr algn="ctr"/>
-            <a:endParaRPr lang="fr-FR"/>
-          </a:p>
-        </p:txBody>
-      </p:sp>
-      <p:sp>
-        <p:nvSpPr>
-          <p:cNvPr id="30" name="Rectangle 29"/>
-          <p:cNvSpPr/>
-          <p:nvPr/>
-        </p:nvSpPr>
-        <p:spPr>
-          <a:xfrm rot="16200000">
-            <a:off x="1169622" y="4711754"/>
-            <a:ext cx="360040" cy="180020"/>
-          </a:xfrm>
-          <a:prstGeom prst="rect">
-            <a:avLst/>
-          </a:prstGeom>
-          <a:solidFill>
-            <a:srgbClr val="7030A0">
-              <a:alpha val="50000"/>
-            </a:srgbClr>
-          </a:solidFill>
-          <a:ln>
-            <a:noFill/>
-          </a:ln>
-        </p:spPr>
-        <p:style>
-          <a:lnRef idx="2">
-            <a:schemeClr val="accent1">
-              <a:shade val="50000"/>
-            </a:schemeClr>
-          </a:lnRef>
-          <a:fillRef idx="1">
-            <a:schemeClr val="accent1"/>
-          </a:fillRef>
-          <a:effectRef idx="0">
-            <a:schemeClr val="accent1"/>
-          </a:effectRef>
-          <a:fontRef idx="minor">
-            <a:schemeClr val="lt1"/>
-          </a:fontRef>
-        </p:style>
-        <p:txBody>
-          <a:bodyPr rtlCol="0" anchor="ctr"/>
-          <a:lstStyle/>
-          <a:p>
-            <a:pPr algn="ctr"/>
-            <a:endParaRPr lang="fr-FR"/>
-          </a:p>
-        </p:txBody>
-      </p:sp>
-      <p:sp>
-        <p:nvSpPr>
-          <p:cNvPr id="31" name="Rectangle 30"/>
-          <p:cNvSpPr/>
-          <p:nvPr/>
-        </p:nvSpPr>
-        <p:spPr>
-          <a:xfrm>
-            <a:off x="6012160" y="193252"/>
-            <a:ext cx="648072" cy="324036"/>
-          </a:xfrm>
-          <a:prstGeom prst="rect">
-            <a:avLst/>
-          </a:prstGeom>
-          <a:solidFill>
-            <a:srgbClr val="FFC000">
-              <a:alpha val="50000"/>
-            </a:srgbClr>
-          </a:solidFill>
-          <a:ln>
-            <a:noFill/>
-          </a:ln>
-        </p:spPr>
-        <p:style>
-          <a:lnRef idx="2">
-            <a:schemeClr val="accent1">
-              <a:shade val="50000"/>
-            </a:schemeClr>
-          </a:lnRef>
-          <a:fillRef idx="1">
-            <a:schemeClr val="accent1"/>
-          </a:fillRef>
-          <a:effectRef idx="0">
-            <a:schemeClr val="accent1"/>
-          </a:effectRef>
-          <a:fontRef idx="minor">
-            <a:schemeClr val="lt1"/>
-          </a:fontRef>
-        </p:style>
-        <p:txBody>
-          <a:bodyPr rtlCol="0" anchor="ctr"/>
-          <a:lstStyle/>
-          <a:p>
-            <a:pPr algn="ctr"/>
-            <a:endParaRPr lang="fr-FR"/>
-          </a:p>
-        </p:txBody>
-      </p:sp>
-      <p:sp>
-        <p:nvSpPr>
-          <p:cNvPr id="32" name="Rectangle 31"/>
-          <p:cNvSpPr/>
-          <p:nvPr/>
-        </p:nvSpPr>
-        <p:spPr>
-          <a:xfrm>
-            <a:off x="7776356" y="2672916"/>
-            <a:ext cx="360040" cy="180020"/>
-          </a:xfrm>
-          <a:prstGeom prst="rect">
-            <a:avLst/>
-          </a:prstGeom>
-          <a:solidFill>
-            <a:srgbClr val="FF0000">
-              <a:alpha val="50000"/>
-            </a:srgbClr>
-          </a:solidFill>
-          <a:ln>
-            <a:noFill/>
-          </a:ln>
-        </p:spPr>
-        <p:style>
-          <a:lnRef idx="2">
-            <a:schemeClr val="accent1">
-              <a:shade val="50000"/>
-            </a:schemeClr>
-          </a:lnRef>
-          <a:fillRef idx="1">
-            <a:schemeClr val="accent1"/>
-          </a:fillRef>
-          <a:effectRef idx="0">
-            <a:schemeClr val="accent1"/>
-          </a:effectRef>
-          <a:fontRef idx="minor">
-            <a:schemeClr val="lt1"/>
-          </a:fontRef>
-        </p:style>
-        <p:txBody>
-          <a:bodyPr rtlCol="0" anchor="ctr"/>
-          <a:lstStyle/>
-          <a:p>
-            <a:pPr algn="ctr"/>
-            <a:endParaRPr lang="fr-FR"/>
-          </a:p>
-        </p:txBody>
-      </p:sp>
-      <p:sp>
-        <p:nvSpPr>
-          <p:cNvPr id="33" name="Rectangle 32"/>
-          <p:cNvSpPr/>
-          <p:nvPr/>
-        </p:nvSpPr>
-        <p:spPr>
-          <a:xfrm>
-            <a:off x="7776356" y="3032956"/>
-            <a:ext cx="360040" cy="180020"/>
-          </a:xfrm>
-          <a:prstGeom prst="rect">
-            <a:avLst/>
-          </a:prstGeom>
-          <a:solidFill>
-            <a:srgbClr val="7030A0">
-              <a:alpha val="50000"/>
-            </a:srgbClr>
-          </a:solidFill>
-          <a:ln>
-            <a:noFill/>
-          </a:ln>
-        </p:spPr>
-        <p:style>
-          <a:lnRef idx="2">
-            <a:schemeClr val="accent1">
-              <a:shade val="50000"/>
-            </a:schemeClr>
-          </a:lnRef>
-          <a:fillRef idx="1">
-            <a:schemeClr val="accent1"/>
-          </a:fillRef>
-          <a:effectRef idx="0">
-            <a:schemeClr val="accent1"/>
-          </a:effectRef>
-          <a:fontRef idx="minor">
-            <a:schemeClr val="lt1"/>
-          </a:fontRef>
-        </p:style>
-        <p:txBody>
-          <a:bodyPr rtlCol="0" anchor="ctr"/>
-          <a:lstStyle/>
-          <a:p>
-            <a:pPr algn="ctr"/>
-            <a:endParaRPr lang="fr-FR"/>
-          </a:p>
-        </p:txBody>
-      </p:sp>
-      <p:sp>
-        <p:nvSpPr>
-          <p:cNvPr id="36" name="ZoneTexte 35"/>
+          <p:cNvPr id="5" name="ZoneTexte 4"/>
           <p:cNvSpPr txBox="1"/>
           <p:nvPr/>
         </p:nvSpPr>
         <p:spPr>
           <a:xfrm>
-            <a:off x="8071655" y="2591616"/>
-            <a:ext cx="699230" cy="369332"/>
-          </a:xfrm>
-          <a:prstGeom prst="rect">
-            <a:avLst/>
-          </a:prstGeom>
-          <a:noFill/>
-        </p:spPr>
-        <p:txBody>
-          <a:bodyPr wrap="none" rtlCol="0">
-            <a:spAutoFit/>
-          </a:bodyPr>
-          <a:lstStyle/>
-          <a:p>
-            <a:r>
-              <a:rPr lang="fr-FR" dirty="0" smtClean="0"/>
-              <a:t>10 nF</a:t>
-            </a:r>
-            <a:endParaRPr lang="fr-FR" dirty="0"/>
-          </a:p>
-        </p:txBody>
-      </p:sp>
-      <p:sp>
-        <p:nvSpPr>
-          <p:cNvPr id="37" name="ZoneTexte 36"/>
-          <p:cNvSpPr txBox="1"/>
-          <p:nvPr/>
-        </p:nvSpPr>
-        <p:spPr>
-          <a:xfrm>
-            <a:off x="8064388" y="2951656"/>
-            <a:ext cx="816249" cy="369332"/>
-          </a:xfrm>
-          <a:prstGeom prst="rect">
-            <a:avLst/>
-          </a:prstGeom>
-          <a:noFill/>
-        </p:spPr>
-        <p:txBody>
-          <a:bodyPr wrap="none" rtlCol="0">
-            <a:spAutoFit/>
-          </a:bodyPr>
-          <a:lstStyle/>
-          <a:p>
-            <a:r>
-              <a:rPr lang="fr-FR" dirty="0" smtClean="0"/>
-              <a:t>100 nF</a:t>
-            </a:r>
-            <a:endParaRPr lang="fr-FR" dirty="0"/>
-          </a:p>
-        </p:txBody>
-      </p:sp>
-      <p:sp>
-        <p:nvSpPr>
-          <p:cNvPr id="38" name="Rectangle 37"/>
-          <p:cNvSpPr/>
-          <p:nvPr/>
-        </p:nvSpPr>
-        <p:spPr>
-          <a:xfrm>
-            <a:off x="7776356" y="2322168"/>
-            <a:ext cx="360040" cy="180020"/>
-          </a:xfrm>
-          <a:prstGeom prst="rect">
-            <a:avLst/>
-          </a:prstGeom>
-          <a:solidFill>
-            <a:srgbClr val="00B050">
-              <a:alpha val="50000"/>
-            </a:srgbClr>
-          </a:solidFill>
-          <a:ln>
-            <a:noFill/>
-          </a:ln>
-        </p:spPr>
-        <p:style>
-          <a:lnRef idx="2">
-            <a:schemeClr val="accent1">
-              <a:shade val="50000"/>
-            </a:schemeClr>
-          </a:lnRef>
-          <a:fillRef idx="1">
-            <a:schemeClr val="accent1"/>
-          </a:fillRef>
-          <a:effectRef idx="0">
-            <a:schemeClr val="accent1"/>
-          </a:effectRef>
-          <a:fontRef idx="minor">
-            <a:schemeClr val="lt1"/>
-          </a:fontRef>
-        </p:style>
-        <p:txBody>
-          <a:bodyPr rtlCol="0" anchor="ctr"/>
-          <a:lstStyle/>
-          <a:p>
-            <a:pPr algn="ctr"/>
-            <a:endParaRPr lang="fr-FR"/>
-          </a:p>
-        </p:txBody>
-      </p:sp>
-      <p:sp>
-        <p:nvSpPr>
-          <p:cNvPr id="39" name="ZoneTexte 38"/>
-          <p:cNvSpPr txBox="1"/>
-          <p:nvPr/>
-        </p:nvSpPr>
-        <p:spPr>
-          <a:xfrm>
-            <a:off x="8064388" y="2240868"/>
-            <a:ext cx="699230" cy="369332"/>
-          </a:xfrm>
-          <a:prstGeom prst="rect">
-            <a:avLst/>
-          </a:prstGeom>
-          <a:noFill/>
-        </p:spPr>
-        <p:txBody>
-          <a:bodyPr wrap="none" rtlCol="0">
-            <a:spAutoFit/>
-          </a:bodyPr>
-          <a:lstStyle/>
-          <a:p>
-            <a:r>
-              <a:rPr lang="fr-FR" dirty="0" smtClean="0"/>
-              <a:t>39 pF</a:t>
-            </a:r>
-            <a:endParaRPr lang="fr-FR" dirty="0"/>
-          </a:p>
-        </p:txBody>
-      </p:sp>
-      <p:sp>
-        <p:nvSpPr>
-          <p:cNvPr id="40" name="Rectangle 39"/>
-          <p:cNvSpPr/>
-          <p:nvPr/>
-        </p:nvSpPr>
-        <p:spPr>
-          <a:xfrm>
-            <a:off x="7783623" y="3392996"/>
-            <a:ext cx="360040" cy="180020"/>
-          </a:xfrm>
-          <a:prstGeom prst="rect">
-            <a:avLst/>
-          </a:prstGeom>
-          <a:solidFill>
-            <a:srgbClr val="FFC000">
-              <a:alpha val="50000"/>
-            </a:srgbClr>
-          </a:solidFill>
-          <a:ln>
-            <a:noFill/>
-          </a:ln>
-        </p:spPr>
-        <p:style>
-          <a:lnRef idx="2">
-            <a:schemeClr val="accent1">
-              <a:shade val="50000"/>
-            </a:schemeClr>
-          </a:lnRef>
-          <a:fillRef idx="1">
-            <a:schemeClr val="accent1"/>
-          </a:fillRef>
-          <a:effectRef idx="0">
-            <a:schemeClr val="accent1"/>
-          </a:effectRef>
-          <a:fontRef idx="minor">
-            <a:schemeClr val="lt1"/>
-          </a:fontRef>
-        </p:style>
-        <p:txBody>
-          <a:bodyPr rtlCol="0" anchor="ctr"/>
-          <a:lstStyle/>
-          <a:p>
-            <a:pPr algn="ctr"/>
-            <a:endParaRPr lang="fr-FR"/>
-          </a:p>
-        </p:txBody>
-      </p:sp>
-      <p:sp>
-        <p:nvSpPr>
-          <p:cNvPr id="41" name="ZoneTexte 40"/>
-          <p:cNvSpPr txBox="1"/>
-          <p:nvPr/>
-        </p:nvSpPr>
-        <p:spPr>
-          <a:xfrm>
-            <a:off x="8104591" y="3311696"/>
-            <a:ext cx="704039" cy="369332"/>
-          </a:xfrm>
-          <a:prstGeom prst="rect">
-            <a:avLst/>
-          </a:prstGeom>
-          <a:noFill/>
-        </p:spPr>
-        <p:txBody>
-          <a:bodyPr wrap="none" rtlCol="0">
-            <a:spAutoFit/>
-          </a:bodyPr>
-          <a:lstStyle/>
-          <a:p>
-            <a:r>
-              <a:rPr lang="fr-FR" dirty="0" smtClean="0"/>
-              <a:t>22 µF</a:t>
-            </a:r>
-            <a:endParaRPr lang="fr-FR" dirty="0"/>
-          </a:p>
-        </p:txBody>
-      </p:sp>
-      <p:sp>
-        <p:nvSpPr>
-          <p:cNvPr id="43" name="Corde 42"/>
-          <p:cNvSpPr/>
-          <p:nvPr/>
-        </p:nvSpPr>
-        <p:spPr>
-          <a:xfrm rot="6759918">
-            <a:off x="6808230" y="3477519"/>
-            <a:ext cx="292791" cy="281690"/>
-          </a:xfrm>
-          <a:prstGeom prst="chord">
-            <a:avLst/>
-          </a:prstGeom>
-        </p:spPr>
-        <p:style>
-          <a:lnRef idx="2">
-            <a:schemeClr val="accent1">
-              <a:shade val="50000"/>
-            </a:schemeClr>
-          </a:lnRef>
-          <a:fillRef idx="1">
-            <a:schemeClr val="accent1"/>
-          </a:fillRef>
-          <a:effectRef idx="0">
-            <a:schemeClr val="accent1"/>
-          </a:effectRef>
-          <a:fontRef idx="minor">
-            <a:schemeClr val="lt1"/>
-          </a:fontRef>
-        </p:style>
-        <p:txBody>
-          <a:bodyPr rtlCol="0" anchor="ctr"/>
-          <a:lstStyle/>
-          <a:p>
-            <a:pPr algn="ctr"/>
-            <a:endParaRPr lang="fr-FR"/>
-          </a:p>
-        </p:txBody>
-      </p:sp>
-      <p:sp>
-        <p:nvSpPr>
-          <p:cNvPr id="45" name="Rectangle 44"/>
-          <p:cNvSpPr/>
-          <p:nvPr/>
-        </p:nvSpPr>
-        <p:spPr>
-          <a:xfrm>
-            <a:off x="7783623" y="3753036"/>
-            <a:ext cx="360040" cy="180020"/>
-          </a:xfrm>
-          <a:prstGeom prst="rect">
-            <a:avLst/>
-          </a:prstGeom>
-          <a:solidFill>
-            <a:schemeClr val="tx2">
-              <a:lumMod val="40000"/>
-              <a:lumOff val="60000"/>
-              <a:alpha val="50000"/>
-            </a:schemeClr>
-          </a:solidFill>
-          <a:ln>
-            <a:noFill/>
-          </a:ln>
-        </p:spPr>
-        <p:style>
-          <a:lnRef idx="2">
-            <a:schemeClr val="accent1">
-              <a:shade val="50000"/>
-            </a:schemeClr>
-          </a:lnRef>
-          <a:fillRef idx="1">
-            <a:schemeClr val="accent1"/>
-          </a:fillRef>
-          <a:effectRef idx="0">
-            <a:schemeClr val="accent1"/>
-          </a:effectRef>
-          <a:fontRef idx="minor">
-            <a:schemeClr val="lt1"/>
-          </a:fontRef>
-        </p:style>
-        <p:txBody>
-          <a:bodyPr rtlCol="0" anchor="ctr"/>
-          <a:lstStyle/>
-          <a:p>
-            <a:pPr algn="ctr"/>
-            <a:endParaRPr lang="fr-FR"/>
-          </a:p>
-        </p:txBody>
-      </p:sp>
-      <p:sp>
-        <p:nvSpPr>
-          <p:cNvPr id="46" name="ZoneTexte 45"/>
-          <p:cNvSpPr txBox="1"/>
-          <p:nvPr/>
-        </p:nvSpPr>
-        <p:spPr>
-          <a:xfrm>
-            <a:off x="8107659" y="3645024"/>
-            <a:ext cx="612668" cy="369332"/>
-          </a:xfrm>
-          <a:prstGeom prst="rect">
-            <a:avLst/>
-          </a:prstGeom>
-          <a:noFill/>
-        </p:spPr>
-        <p:txBody>
-          <a:bodyPr wrap="none" rtlCol="0">
-            <a:spAutoFit/>
-          </a:bodyPr>
-          <a:lstStyle/>
-          <a:p>
-            <a:r>
-              <a:rPr lang="fr-FR" dirty="0" smtClean="0"/>
-              <a:t>1 k</a:t>
-            </a:r>
-            <a:r>
-              <a:rPr lang="el-GR" dirty="0" smtClean="0"/>
-              <a:t>Ω</a:t>
-            </a:r>
-            <a:endParaRPr lang="fr-FR" dirty="0"/>
-          </a:p>
-        </p:txBody>
-      </p:sp>
-      <p:sp>
-        <p:nvSpPr>
-          <p:cNvPr id="47" name="Rectangle 46"/>
-          <p:cNvSpPr/>
-          <p:nvPr/>
-        </p:nvSpPr>
-        <p:spPr>
-          <a:xfrm rot="5400000">
-            <a:off x="2789802" y="1826822"/>
-            <a:ext cx="360040" cy="180020"/>
-          </a:xfrm>
-          <a:prstGeom prst="rect">
-            <a:avLst/>
-          </a:prstGeom>
-          <a:solidFill>
-            <a:schemeClr val="tx2">
-              <a:lumMod val="40000"/>
-              <a:lumOff val="60000"/>
-              <a:alpha val="50000"/>
-            </a:schemeClr>
-          </a:solidFill>
-          <a:ln>
-            <a:noFill/>
-          </a:ln>
-        </p:spPr>
-        <p:style>
-          <a:lnRef idx="2">
-            <a:schemeClr val="accent1">
-              <a:shade val="50000"/>
-            </a:schemeClr>
-          </a:lnRef>
-          <a:fillRef idx="1">
-            <a:schemeClr val="accent1"/>
-          </a:fillRef>
-          <a:effectRef idx="0">
-            <a:schemeClr val="accent1"/>
-          </a:effectRef>
-          <a:fontRef idx="minor">
-            <a:schemeClr val="lt1"/>
-          </a:fontRef>
-        </p:style>
-        <p:txBody>
-          <a:bodyPr rtlCol="0" anchor="ctr"/>
-          <a:lstStyle/>
-          <a:p>
-            <a:pPr algn="ctr"/>
-            <a:endParaRPr lang="fr-FR"/>
-          </a:p>
-        </p:txBody>
-      </p:sp>
-      <p:sp>
-        <p:nvSpPr>
-          <p:cNvPr id="48" name="ZoneTexte 47"/>
-          <p:cNvSpPr txBox="1"/>
-          <p:nvPr/>
-        </p:nvSpPr>
-        <p:spPr>
-          <a:xfrm>
-            <a:off x="2879812" y="1243789"/>
-            <a:ext cx="792088" cy="276999"/>
+            <a:off x="1223628" y="5265204"/>
+            <a:ext cx="2484276" cy="461665"/>
           </a:xfrm>
           <a:prstGeom prst="rect">
             <a:avLst/>
@@ -5241,24 +3568,25 @@
           </a:bodyPr>
           <a:lstStyle/>
           <a:p>
-            <a:r>
-              <a:rPr lang="fr-FR" sz="1200" dirty="0" smtClean="0"/>
-              <a:t>cathode</a:t>
-            </a:r>
-            <a:endParaRPr lang="fr-FR" sz="1200" dirty="0"/>
-          </a:p>
-        </p:txBody>
-      </p:sp>
-      <p:sp>
-        <p:nvSpPr>
-          <p:cNvPr id="49" name="ZoneTexte 48"/>
+            <a:pPr algn="ctr"/>
+            <a:r>
+              <a:rPr lang="fr-FR" sz="2400" b="1" dirty="0" smtClean="0"/>
+              <a:t>Short PCB</a:t>
+            </a:r>
+            <a:endParaRPr lang="fr-FR" sz="2400" b="1" dirty="0"/>
+          </a:p>
+        </p:txBody>
+      </p:sp>
+      <p:sp>
+        <p:nvSpPr>
+          <p:cNvPr id="6" name="ZoneTexte 5"/>
           <p:cNvSpPr txBox="1"/>
           <p:nvPr/>
         </p:nvSpPr>
         <p:spPr>
           <a:xfrm>
-            <a:off x="2915816" y="2132856"/>
-            <a:ext cx="792088" cy="276999"/>
+            <a:off x="5508104" y="5265204"/>
+            <a:ext cx="2484276" cy="461665"/>
           </a:xfrm>
           <a:prstGeom prst="rect">
             <a:avLst/>
@@ -5271,347 +3599,58 @@
           </a:bodyPr>
           <a:lstStyle/>
           <a:p>
-            <a:r>
-              <a:rPr lang="fr-FR" sz="1200" dirty="0" smtClean="0"/>
-              <a:t>anode</a:t>
-            </a:r>
-            <a:endParaRPr lang="fr-FR" sz="1200" dirty="0"/>
-          </a:p>
-        </p:txBody>
-      </p:sp>
-      <p:sp>
-        <p:nvSpPr>
-          <p:cNvPr id="24" name="Rectangle 23"/>
-          <p:cNvSpPr/>
+            <a:pPr algn="ctr"/>
+            <a:r>
+              <a:rPr lang="fr-FR" sz="2400" b="1" dirty="0" smtClean="0"/>
+              <a:t>Long PCB</a:t>
+            </a:r>
+            <a:endParaRPr lang="fr-FR" sz="2400" b="1" dirty="0"/>
+          </a:p>
+        </p:txBody>
+      </p:sp>
+      <p:pic>
+        <p:nvPicPr>
+          <p:cNvPr id="2" name="Picture 2"/>
+          <p:cNvPicPr>
+            <a:picLocks noChangeAspect="1" noChangeArrowheads="1"/>
+          </p:cNvPicPr>
           <p:nvPr/>
-        </p:nvSpPr>
-        <p:spPr>
-          <a:xfrm>
-            <a:off x="5436096" y="188640"/>
-            <a:ext cx="396044" cy="468052"/>
-          </a:xfrm>
-          <a:prstGeom prst="rect">
-            <a:avLst/>
-          </a:prstGeom>
-          <a:solidFill>
-            <a:schemeClr val="accent1">
-              <a:alpha val="45000"/>
-            </a:schemeClr>
-          </a:solidFill>
-        </p:spPr>
-        <p:style>
-          <a:lnRef idx="2">
-            <a:schemeClr val="accent1">
-              <a:shade val="50000"/>
-            </a:schemeClr>
-          </a:lnRef>
-          <a:fillRef idx="1">
-            <a:schemeClr val="accent1"/>
-          </a:fillRef>
-          <a:effectRef idx="0">
-            <a:schemeClr val="accent1"/>
-          </a:effectRef>
-          <a:fontRef idx="minor">
-            <a:schemeClr val="lt1"/>
-          </a:fontRef>
-        </p:style>
-        <p:txBody>
-          <a:bodyPr rtlCol="0" anchor="ctr"/>
-          <a:lstStyle/>
-          <a:p>
-            <a:pPr algn="ctr"/>
-            <a:endParaRPr lang="fr-FR"/>
-          </a:p>
-        </p:txBody>
-      </p:sp>
-      <p:sp>
-        <p:nvSpPr>
-          <p:cNvPr id="50" name="Rectangle 49"/>
-          <p:cNvSpPr/>
-          <p:nvPr/>
-        </p:nvSpPr>
-        <p:spPr>
-          <a:xfrm>
-            <a:off x="7056276" y="584684"/>
-            <a:ext cx="288032" cy="216024"/>
-          </a:xfrm>
-          <a:prstGeom prst="rect">
-            <a:avLst/>
-          </a:prstGeom>
-          <a:solidFill>
-            <a:schemeClr val="accent1">
-              <a:alpha val="45000"/>
-            </a:schemeClr>
-          </a:solidFill>
-        </p:spPr>
-        <p:style>
-          <a:lnRef idx="2">
-            <a:schemeClr val="accent1">
-              <a:shade val="50000"/>
-            </a:schemeClr>
-          </a:lnRef>
-          <a:fillRef idx="1">
-            <a:schemeClr val="accent1"/>
-          </a:fillRef>
-          <a:effectRef idx="0">
-            <a:schemeClr val="accent1"/>
-          </a:effectRef>
-          <a:fontRef idx="minor">
-            <a:schemeClr val="lt1"/>
-          </a:fontRef>
-        </p:style>
-        <p:txBody>
-          <a:bodyPr rtlCol="0" anchor="ctr"/>
-          <a:lstStyle/>
-          <a:p>
-            <a:pPr algn="ctr"/>
-            <a:endParaRPr lang="fr-FR"/>
-          </a:p>
-        </p:txBody>
-      </p:sp>
-      <p:sp>
-        <p:nvSpPr>
-          <p:cNvPr id="51" name="Rectangle 50"/>
-          <p:cNvSpPr/>
-          <p:nvPr/>
-        </p:nvSpPr>
-        <p:spPr>
-          <a:xfrm>
-            <a:off x="7783623" y="4077072"/>
-            <a:ext cx="360040" cy="180020"/>
-          </a:xfrm>
-          <a:prstGeom prst="rect">
-            <a:avLst/>
-          </a:prstGeom>
-          <a:solidFill>
-            <a:schemeClr val="accent1">
-              <a:alpha val="45000"/>
-            </a:schemeClr>
-          </a:solidFill>
-        </p:spPr>
-        <p:style>
-          <a:lnRef idx="2">
-            <a:schemeClr val="accent1">
-              <a:shade val="50000"/>
-            </a:schemeClr>
-          </a:lnRef>
-          <a:fillRef idx="1">
-            <a:schemeClr val="accent1"/>
-          </a:fillRef>
-          <a:effectRef idx="0">
-            <a:schemeClr val="accent1"/>
-          </a:effectRef>
-          <a:fontRef idx="minor">
-            <a:schemeClr val="lt1"/>
-          </a:fontRef>
-        </p:style>
-        <p:txBody>
-          <a:bodyPr rtlCol="0" anchor="ctr"/>
-          <a:lstStyle/>
-          <a:p>
-            <a:pPr algn="ctr"/>
-            <a:endParaRPr lang="fr-FR"/>
-          </a:p>
-        </p:txBody>
-      </p:sp>
-      <p:sp>
-        <p:nvSpPr>
-          <p:cNvPr id="52" name="ZoneTexte 51"/>
-          <p:cNvSpPr txBox="1"/>
-          <p:nvPr/>
-        </p:nvSpPr>
-        <p:spPr>
-          <a:xfrm>
-            <a:off x="8143663" y="4005064"/>
-            <a:ext cx="667619" cy="369332"/>
+        </p:nvPicPr>
+        <p:blipFill>
+          <a:blip r:embed="rId3" cstate="print">
+            <a:clrChange>
+              <a:clrFrom>
+                <a:srgbClr val="E7E9EC"/>
+              </a:clrFrom>
+              <a:clrTo>
+                <a:srgbClr val="E7E9EC">
+                  <a:alpha val="0"/>
+                </a:srgbClr>
+              </a:clrTo>
+            </a:clrChange>
+          </a:blip>
+          <a:srcRect/>
+          <a:stretch>
+            <a:fillRect/>
+          </a:stretch>
+        </p:blipFill>
+        <p:spPr bwMode="auto">
+          <a:xfrm>
+            <a:off x="4644008" y="224644"/>
+            <a:ext cx="3939331" cy="5124679"/>
           </a:xfrm>
           <a:prstGeom prst="rect">
             <a:avLst/>
           </a:prstGeom>
           <a:noFill/>
-        </p:spPr>
-        <p:txBody>
-          <a:bodyPr wrap="none" rtlCol="0">
-            <a:spAutoFit/>
-          </a:bodyPr>
-          <a:lstStyle/>
-          <a:p>
-            <a:r>
-              <a:rPr lang="fr-FR" dirty="0" smtClean="0"/>
-              <a:t>chips</a:t>
-            </a:r>
-            <a:endParaRPr lang="fr-FR" dirty="0"/>
-          </a:p>
-        </p:txBody>
-      </p:sp>
-      <p:sp>
-        <p:nvSpPr>
-          <p:cNvPr id="53" name="Rectangle 52"/>
-          <p:cNvSpPr/>
-          <p:nvPr/>
-        </p:nvSpPr>
-        <p:spPr>
-          <a:xfrm rot="16200000">
-            <a:off x="5922150" y="4311099"/>
-            <a:ext cx="360040" cy="180020"/>
-          </a:xfrm>
-          <a:prstGeom prst="rect">
-            <a:avLst/>
-          </a:prstGeom>
-          <a:solidFill>
-            <a:srgbClr val="00B050">
-              <a:alpha val="50000"/>
-            </a:srgbClr>
-          </a:solidFill>
-          <a:ln>
+          <a:ln w="9525">
             <a:noFill/>
+            <a:miter lim="800000"/>
+            <a:headEnd/>
+            <a:tailEnd/>
           </a:ln>
         </p:spPr>
-        <p:style>
-          <a:lnRef idx="2">
-            <a:schemeClr val="accent1">
-              <a:shade val="50000"/>
-            </a:schemeClr>
-          </a:lnRef>
-          <a:fillRef idx="1">
-            <a:schemeClr val="accent1"/>
-          </a:fillRef>
-          <a:effectRef idx="0">
-            <a:schemeClr val="accent1"/>
-          </a:effectRef>
-          <a:fontRef idx="minor">
-            <a:schemeClr val="lt1"/>
-          </a:fontRef>
-        </p:style>
-        <p:txBody>
-          <a:bodyPr rtlCol="0" anchor="ctr"/>
-          <a:lstStyle/>
-          <a:p>
-            <a:pPr algn="ctr"/>
-            <a:endParaRPr lang="fr-FR"/>
-          </a:p>
-        </p:txBody>
-      </p:sp>
-      <p:sp>
-        <p:nvSpPr>
-          <p:cNvPr id="54" name="ZoneTexte 53"/>
-          <p:cNvSpPr txBox="1"/>
-          <p:nvPr/>
-        </p:nvSpPr>
-        <p:spPr>
-          <a:xfrm>
-            <a:off x="503548" y="3068960"/>
-            <a:ext cx="468052" cy="276999"/>
-          </a:xfrm>
-          <a:prstGeom prst="rect">
-            <a:avLst/>
-          </a:prstGeom>
-          <a:noFill/>
-        </p:spPr>
-        <p:txBody>
-          <a:bodyPr wrap="square" rtlCol="0">
-            <a:spAutoFit/>
-          </a:bodyPr>
-          <a:lstStyle/>
-          <a:p>
-            <a:r>
-              <a:rPr lang="fr-FR" sz="1200" dirty="0" smtClean="0"/>
-              <a:t>dot</a:t>
-            </a:r>
-            <a:endParaRPr lang="fr-FR" sz="1200" dirty="0"/>
-          </a:p>
-        </p:txBody>
-      </p:sp>
-      <p:sp>
-        <p:nvSpPr>
-          <p:cNvPr id="56" name="ZoneTexte 55"/>
-          <p:cNvSpPr txBox="1"/>
-          <p:nvPr/>
-        </p:nvSpPr>
-        <p:spPr>
-          <a:xfrm>
-            <a:off x="6444208" y="3404029"/>
-            <a:ext cx="468052" cy="276999"/>
-          </a:xfrm>
-          <a:prstGeom prst="rect">
-            <a:avLst/>
-          </a:prstGeom>
-          <a:noFill/>
-        </p:spPr>
-        <p:txBody>
-          <a:bodyPr wrap="square" rtlCol="0">
-            <a:spAutoFit/>
-          </a:bodyPr>
-          <a:lstStyle/>
-          <a:p>
-            <a:r>
-              <a:rPr lang="fr-FR" sz="1200" dirty="0" smtClean="0"/>
-              <a:t>dot</a:t>
-            </a:r>
-            <a:endParaRPr lang="fr-FR" sz="1200" dirty="0"/>
-          </a:p>
-        </p:txBody>
-      </p:sp>
-      <p:sp>
-        <p:nvSpPr>
-          <p:cNvPr id="57" name="ZoneTexte 56"/>
-          <p:cNvSpPr txBox="1"/>
-          <p:nvPr/>
-        </p:nvSpPr>
-        <p:spPr>
-          <a:xfrm>
-            <a:off x="7020272" y="3404029"/>
-            <a:ext cx="584446" cy="276999"/>
-          </a:xfrm>
-          <a:prstGeom prst="rect">
-            <a:avLst/>
-          </a:prstGeom>
-          <a:noFill/>
-        </p:spPr>
-        <p:txBody>
-          <a:bodyPr wrap="square" rtlCol="0">
-            <a:spAutoFit/>
-          </a:bodyPr>
-          <a:lstStyle/>
-          <a:p>
-            <a:r>
-              <a:rPr lang="fr-FR" sz="1200" dirty="0" err="1" smtClean="0"/>
-              <a:t>notch</a:t>
-            </a:r>
-            <a:endParaRPr lang="fr-FR" sz="1200" dirty="0"/>
-          </a:p>
-        </p:txBody>
-      </p:sp>
-      <p:sp>
-        <p:nvSpPr>
-          <p:cNvPr id="58" name="ZoneTexte 57"/>
-          <p:cNvSpPr txBox="1"/>
-          <p:nvPr/>
-        </p:nvSpPr>
-        <p:spPr>
-          <a:xfrm>
-            <a:off x="3491880" y="4196117"/>
-            <a:ext cx="468052" cy="276999"/>
-          </a:xfrm>
-          <a:prstGeom prst="rect">
-            <a:avLst/>
-          </a:prstGeom>
-          <a:noFill/>
-        </p:spPr>
-        <p:txBody>
-          <a:bodyPr wrap="square" rtlCol="0">
-            <a:spAutoFit/>
-          </a:bodyPr>
-          <a:lstStyle/>
-          <a:p>
-            <a:r>
-              <a:rPr lang="fr-FR" sz="1200" dirty="0" smtClean="0"/>
-              <a:t>dot</a:t>
-            </a:r>
-            <a:endParaRPr lang="fr-FR" sz="1200" dirty="0"/>
-          </a:p>
-        </p:txBody>
-      </p:sp>
+      </p:pic>
     </p:spTree>
   </p:cSld>
   <p:clrMapOvr>
@@ -5646,6 +3685,2370 @@
       </p:grpSpPr>
       <p:pic>
         <p:nvPicPr>
+          <p:cNvPr id="1026" name="Picture 2" descr="C:\Users\BOICHOT\Downloads\GB_Mini_Camera-main\Component_placement.png"/>
+          <p:cNvPicPr>
+            <a:picLocks noChangeAspect="1" noChangeArrowheads="1"/>
+          </p:cNvPicPr>
+          <p:nvPr/>
+        </p:nvPicPr>
+        <p:blipFill>
+          <a:blip r:embed="rId2" cstate="print"/>
+          <a:srcRect/>
+          <a:stretch>
+            <a:fillRect/>
+          </a:stretch>
+        </p:blipFill>
+        <p:spPr bwMode="auto">
+          <a:xfrm>
+            <a:off x="179512" y="184029"/>
+            <a:ext cx="7524882" cy="6593343"/>
+          </a:xfrm>
+          <a:prstGeom prst="rect">
+            <a:avLst/>
+          </a:prstGeom>
+          <a:noFill/>
+        </p:spPr>
+      </p:pic>
+      <p:sp>
+        <p:nvSpPr>
+          <p:cNvPr id="5" name="Rectangle 4"/>
+          <p:cNvSpPr/>
+          <p:nvPr/>
+        </p:nvSpPr>
+        <p:spPr>
+          <a:xfrm>
+            <a:off x="359532" y="944725"/>
+            <a:ext cx="1476164" cy="2592288"/>
+          </a:xfrm>
+          <a:prstGeom prst="rect">
+            <a:avLst/>
+          </a:prstGeom>
+          <a:solidFill>
+            <a:schemeClr val="accent1">
+              <a:alpha val="82000"/>
+            </a:schemeClr>
+          </a:solidFill>
+          <a:ln>
+            <a:solidFill>
+              <a:schemeClr val="accent1">
+                <a:shade val="50000"/>
+              </a:schemeClr>
+            </a:solidFill>
+          </a:ln>
+        </p:spPr>
+        <p:style>
+          <a:lnRef idx="2">
+            <a:schemeClr val="accent1">
+              <a:shade val="50000"/>
+            </a:schemeClr>
+          </a:lnRef>
+          <a:fillRef idx="1">
+            <a:schemeClr val="accent1"/>
+          </a:fillRef>
+          <a:effectRef idx="0">
+            <a:schemeClr val="accent1"/>
+          </a:effectRef>
+          <a:fontRef idx="minor">
+            <a:schemeClr val="lt1"/>
+          </a:fontRef>
+        </p:style>
+        <p:txBody>
+          <a:bodyPr rtlCol="0" anchor="ctr"/>
+          <a:lstStyle/>
+          <a:p>
+            <a:pPr algn="ctr"/>
+            <a:endParaRPr lang="fr-FR" dirty="0">
+              <a:solidFill>
+                <a:schemeClr val="tx1"/>
+              </a:solidFill>
+            </a:endParaRPr>
+          </a:p>
+        </p:txBody>
+      </p:sp>
+      <p:sp>
+        <p:nvSpPr>
+          <p:cNvPr id="6" name="Ellipse 5"/>
+          <p:cNvSpPr/>
+          <p:nvPr/>
+        </p:nvSpPr>
+        <p:spPr>
+          <a:xfrm>
+            <a:off x="431540" y="3316377"/>
+            <a:ext cx="144016" cy="144016"/>
+          </a:xfrm>
+          <a:prstGeom prst="ellipse">
+            <a:avLst/>
+          </a:prstGeom>
+          <a:solidFill>
+            <a:schemeClr val="tx1"/>
+          </a:solidFill>
+          <a:ln>
+            <a:noFill/>
+          </a:ln>
+        </p:spPr>
+        <p:style>
+          <a:lnRef idx="2">
+            <a:schemeClr val="accent1">
+              <a:shade val="50000"/>
+            </a:schemeClr>
+          </a:lnRef>
+          <a:fillRef idx="1">
+            <a:schemeClr val="accent1"/>
+          </a:fillRef>
+          <a:effectRef idx="0">
+            <a:schemeClr val="accent1"/>
+          </a:effectRef>
+          <a:fontRef idx="minor">
+            <a:schemeClr val="lt1"/>
+          </a:fontRef>
+        </p:style>
+        <p:txBody>
+          <a:bodyPr rtlCol="0" anchor="ctr"/>
+          <a:lstStyle/>
+          <a:p>
+            <a:pPr algn="ctr"/>
+            <a:endParaRPr lang="fr-FR"/>
+          </a:p>
+        </p:txBody>
+      </p:sp>
+      <p:sp>
+        <p:nvSpPr>
+          <p:cNvPr id="7" name="Rectangle 6"/>
+          <p:cNvSpPr/>
+          <p:nvPr/>
+        </p:nvSpPr>
+        <p:spPr>
+          <a:xfrm>
+            <a:off x="3347864" y="2636913"/>
+            <a:ext cx="1980220" cy="2016224"/>
+          </a:xfrm>
+          <a:prstGeom prst="rect">
+            <a:avLst/>
+          </a:prstGeom>
+          <a:solidFill>
+            <a:schemeClr val="accent1">
+              <a:alpha val="82000"/>
+            </a:schemeClr>
+          </a:solidFill>
+          <a:ln>
+            <a:solidFill>
+              <a:schemeClr val="accent1">
+                <a:shade val="50000"/>
+              </a:schemeClr>
+            </a:solidFill>
+          </a:ln>
+        </p:spPr>
+        <p:style>
+          <a:lnRef idx="2">
+            <a:schemeClr val="accent1">
+              <a:shade val="50000"/>
+            </a:schemeClr>
+          </a:lnRef>
+          <a:fillRef idx="1">
+            <a:schemeClr val="accent1"/>
+          </a:fillRef>
+          <a:effectRef idx="0">
+            <a:schemeClr val="accent1"/>
+          </a:effectRef>
+          <a:fontRef idx="minor">
+            <a:schemeClr val="lt1"/>
+          </a:fontRef>
+        </p:style>
+        <p:txBody>
+          <a:bodyPr rtlCol="0" anchor="ctr"/>
+          <a:lstStyle/>
+          <a:p>
+            <a:pPr algn="ctr"/>
+            <a:r>
+              <a:rPr lang="fr-FR" sz="2400" dirty="0" smtClean="0">
+                <a:solidFill>
+                  <a:schemeClr val="tx1"/>
+                </a:solidFill>
+              </a:rPr>
+              <a:t>MAC-GBD</a:t>
+            </a:r>
+          </a:p>
+          <a:p>
+            <a:pPr algn="ctr"/>
+            <a:r>
+              <a:rPr lang="fr-FR" sz="2400" dirty="0" smtClean="0">
+                <a:solidFill>
+                  <a:schemeClr val="tx1"/>
+                </a:solidFill>
+              </a:rPr>
+              <a:t>Nintendo</a:t>
+            </a:r>
+            <a:endParaRPr lang="fr-FR" sz="2400" dirty="0">
+              <a:solidFill>
+                <a:schemeClr val="tx1"/>
+              </a:solidFill>
+            </a:endParaRPr>
+          </a:p>
+        </p:txBody>
+      </p:sp>
+      <p:sp>
+        <p:nvSpPr>
+          <p:cNvPr id="8" name="Ellipse 7"/>
+          <p:cNvSpPr/>
+          <p:nvPr/>
+        </p:nvSpPr>
+        <p:spPr>
+          <a:xfrm>
+            <a:off x="3419872" y="4432501"/>
+            <a:ext cx="144016" cy="144016"/>
+          </a:xfrm>
+          <a:prstGeom prst="ellipse">
+            <a:avLst/>
+          </a:prstGeom>
+          <a:solidFill>
+            <a:schemeClr val="tx1"/>
+          </a:solidFill>
+          <a:ln>
+            <a:noFill/>
+          </a:ln>
+        </p:spPr>
+        <p:style>
+          <a:lnRef idx="2">
+            <a:schemeClr val="accent1">
+              <a:shade val="50000"/>
+            </a:schemeClr>
+          </a:lnRef>
+          <a:fillRef idx="1">
+            <a:schemeClr val="accent1"/>
+          </a:fillRef>
+          <a:effectRef idx="0">
+            <a:schemeClr val="accent1"/>
+          </a:effectRef>
+          <a:fontRef idx="minor">
+            <a:schemeClr val="lt1"/>
+          </a:fontRef>
+        </p:style>
+        <p:txBody>
+          <a:bodyPr rtlCol="0" anchor="ctr"/>
+          <a:lstStyle/>
+          <a:p>
+            <a:pPr algn="ctr"/>
+            <a:endParaRPr lang="fr-FR"/>
+          </a:p>
+        </p:txBody>
+      </p:sp>
+      <p:sp>
+        <p:nvSpPr>
+          <p:cNvPr id="10" name="Rectangle 9"/>
+          <p:cNvSpPr/>
+          <p:nvPr/>
+        </p:nvSpPr>
+        <p:spPr>
+          <a:xfrm>
+            <a:off x="6300192" y="2132857"/>
+            <a:ext cx="1224136" cy="1728192"/>
+          </a:xfrm>
+          <a:prstGeom prst="rect">
+            <a:avLst/>
+          </a:prstGeom>
+          <a:solidFill>
+            <a:schemeClr val="accent1">
+              <a:alpha val="82000"/>
+            </a:schemeClr>
+          </a:solidFill>
+          <a:ln>
+            <a:solidFill>
+              <a:schemeClr val="accent1">
+                <a:shade val="50000"/>
+              </a:schemeClr>
+            </a:solidFill>
+          </a:ln>
+        </p:spPr>
+        <p:style>
+          <a:lnRef idx="2">
+            <a:schemeClr val="accent1">
+              <a:shade val="50000"/>
+            </a:schemeClr>
+          </a:lnRef>
+          <a:fillRef idx="1">
+            <a:schemeClr val="accent1"/>
+          </a:fillRef>
+          <a:effectRef idx="0">
+            <a:schemeClr val="accent1"/>
+          </a:effectRef>
+          <a:fontRef idx="minor">
+            <a:schemeClr val="lt1"/>
+          </a:fontRef>
+        </p:style>
+        <p:txBody>
+          <a:bodyPr rtlCol="0" anchor="ctr"/>
+          <a:lstStyle/>
+          <a:p>
+            <a:pPr algn="ctr"/>
+            <a:endParaRPr lang="fr-FR" dirty="0">
+              <a:solidFill>
+                <a:schemeClr val="tx1"/>
+              </a:solidFill>
+            </a:endParaRPr>
+          </a:p>
+        </p:txBody>
+      </p:sp>
+      <p:sp>
+        <p:nvSpPr>
+          <p:cNvPr id="9" name="Ellipse 8"/>
+          <p:cNvSpPr/>
+          <p:nvPr/>
+        </p:nvSpPr>
+        <p:spPr>
+          <a:xfrm>
+            <a:off x="6372200" y="3640413"/>
+            <a:ext cx="144016" cy="144016"/>
+          </a:xfrm>
+          <a:prstGeom prst="ellipse">
+            <a:avLst/>
+          </a:prstGeom>
+          <a:solidFill>
+            <a:schemeClr val="tx1"/>
+          </a:solidFill>
+          <a:ln>
+            <a:noFill/>
+          </a:ln>
+        </p:spPr>
+        <p:style>
+          <a:lnRef idx="2">
+            <a:schemeClr val="accent1">
+              <a:shade val="50000"/>
+            </a:schemeClr>
+          </a:lnRef>
+          <a:fillRef idx="1">
+            <a:schemeClr val="accent1"/>
+          </a:fillRef>
+          <a:effectRef idx="0">
+            <a:schemeClr val="accent1"/>
+          </a:effectRef>
+          <a:fontRef idx="minor">
+            <a:schemeClr val="lt1"/>
+          </a:fontRef>
+        </p:style>
+        <p:txBody>
+          <a:bodyPr rtlCol="0" anchor="ctr"/>
+          <a:lstStyle/>
+          <a:p>
+            <a:pPr algn="ctr"/>
+            <a:endParaRPr lang="fr-FR"/>
+          </a:p>
+        </p:txBody>
+      </p:sp>
+      <p:sp>
+        <p:nvSpPr>
+          <p:cNvPr id="12" name="Rectangle 11"/>
+          <p:cNvSpPr/>
+          <p:nvPr/>
+        </p:nvSpPr>
+        <p:spPr>
+          <a:xfrm>
+            <a:off x="755576" y="3933057"/>
+            <a:ext cx="360040" cy="180020"/>
+          </a:xfrm>
+          <a:prstGeom prst="rect">
+            <a:avLst/>
+          </a:prstGeom>
+          <a:solidFill>
+            <a:srgbClr val="FF0000">
+              <a:alpha val="50000"/>
+            </a:srgbClr>
+          </a:solidFill>
+          <a:ln>
+            <a:noFill/>
+          </a:ln>
+        </p:spPr>
+        <p:style>
+          <a:lnRef idx="2">
+            <a:schemeClr val="accent1">
+              <a:shade val="50000"/>
+            </a:schemeClr>
+          </a:lnRef>
+          <a:fillRef idx="1">
+            <a:schemeClr val="accent1"/>
+          </a:fillRef>
+          <a:effectRef idx="0">
+            <a:schemeClr val="accent1"/>
+          </a:effectRef>
+          <a:fontRef idx="minor">
+            <a:schemeClr val="lt1"/>
+          </a:fontRef>
+        </p:style>
+        <p:txBody>
+          <a:bodyPr rtlCol="0" anchor="ctr"/>
+          <a:lstStyle/>
+          <a:p>
+            <a:pPr algn="ctr"/>
+            <a:endParaRPr lang="fr-FR"/>
+          </a:p>
+        </p:txBody>
+      </p:sp>
+      <p:sp>
+        <p:nvSpPr>
+          <p:cNvPr id="13" name="Rectangle 12"/>
+          <p:cNvSpPr/>
+          <p:nvPr/>
+        </p:nvSpPr>
+        <p:spPr>
+          <a:xfrm>
+            <a:off x="2627784" y="2456893"/>
+            <a:ext cx="360040" cy="180020"/>
+          </a:xfrm>
+          <a:prstGeom prst="rect">
+            <a:avLst/>
+          </a:prstGeom>
+          <a:solidFill>
+            <a:srgbClr val="FF0000">
+              <a:alpha val="50000"/>
+            </a:srgbClr>
+          </a:solidFill>
+          <a:ln>
+            <a:noFill/>
+          </a:ln>
+        </p:spPr>
+        <p:style>
+          <a:lnRef idx="2">
+            <a:schemeClr val="accent1">
+              <a:shade val="50000"/>
+            </a:schemeClr>
+          </a:lnRef>
+          <a:fillRef idx="1">
+            <a:schemeClr val="accent1"/>
+          </a:fillRef>
+          <a:effectRef idx="0">
+            <a:schemeClr val="accent1"/>
+          </a:effectRef>
+          <a:fontRef idx="minor">
+            <a:schemeClr val="lt1"/>
+          </a:fontRef>
+        </p:style>
+        <p:txBody>
+          <a:bodyPr rtlCol="0" anchor="ctr"/>
+          <a:lstStyle/>
+          <a:p>
+            <a:pPr algn="ctr"/>
+            <a:endParaRPr lang="fr-FR"/>
+          </a:p>
+        </p:txBody>
+      </p:sp>
+      <p:sp>
+        <p:nvSpPr>
+          <p:cNvPr id="14" name="Rectangle 13"/>
+          <p:cNvSpPr/>
+          <p:nvPr/>
+        </p:nvSpPr>
+        <p:spPr>
+          <a:xfrm rot="16200000">
+            <a:off x="3271530" y="1833254"/>
+            <a:ext cx="360040" cy="180020"/>
+          </a:xfrm>
+          <a:prstGeom prst="rect">
+            <a:avLst/>
+          </a:prstGeom>
+          <a:solidFill>
+            <a:srgbClr val="FF0000">
+              <a:alpha val="50000"/>
+            </a:srgbClr>
+          </a:solidFill>
+          <a:ln>
+            <a:noFill/>
+          </a:ln>
+        </p:spPr>
+        <p:style>
+          <a:lnRef idx="2">
+            <a:schemeClr val="accent1">
+              <a:shade val="50000"/>
+            </a:schemeClr>
+          </a:lnRef>
+          <a:fillRef idx="1">
+            <a:schemeClr val="accent1"/>
+          </a:fillRef>
+          <a:effectRef idx="0">
+            <a:schemeClr val="accent1"/>
+          </a:effectRef>
+          <a:fontRef idx="minor">
+            <a:schemeClr val="lt1"/>
+          </a:fontRef>
+        </p:style>
+        <p:txBody>
+          <a:bodyPr rtlCol="0" anchor="ctr"/>
+          <a:lstStyle/>
+          <a:p>
+            <a:pPr algn="ctr"/>
+            <a:endParaRPr lang="fr-FR"/>
+          </a:p>
+        </p:txBody>
+      </p:sp>
+      <p:sp>
+        <p:nvSpPr>
+          <p:cNvPr id="15" name="Rectangle 14"/>
+          <p:cNvSpPr/>
+          <p:nvPr/>
+        </p:nvSpPr>
+        <p:spPr>
+          <a:xfrm rot="16200000">
+            <a:off x="3509882" y="1826823"/>
+            <a:ext cx="360040" cy="180020"/>
+          </a:xfrm>
+          <a:prstGeom prst="rect">
+            <a:avLst/>
+          </a:prstGeom>
+          <a:solidFill>
+            <a:srgbClr val="FF0000">
+              <a:alpha val="50000"/>
+            </a:srgbClr>
+          </a:solidFill>
+          <a:ln>
+            <a:noFill/>
+          </a:ln>
+        </p:spPr>
+        <p:style>
+          <a:lnRef idx="2">
+            <a:schemeClr val="accent1">
+              <a:shade val="50000"/>
+            </a:schemeClr>
+          </a:lnRef>
+          <a:fillRef idx="1">
+            <a:schemeClr val="accent1"/>
+          </a:fillRef>
+          <a:effectRef idx="0">
+            <a:schemeClr val="accent1"/>
+          </a:effectRef>
+          <a:fontRef idx="minor">
+            <a:schemeClr val="lt1"/>
+          </a:fontRef>
+        </p:style>
+        <p:txBody>
+          <a:bodyPr rtlCol="0" anchor="ctr"/>
+          <a:lstStyle/>
+          <a:p>
+            <a:pPr algn="ctr"/>
+            <a:endParaRPr lang="fr-FR"/>
+          </a:p>
+        </p:txBody>
+      </p:sp>
+      <p:sp>
+        <p:nvSpPr>
+          <p:cNvPr id="16" name="Rectangle 15"/>
+          <p:cNvSpPr/>
+          <p:nvPr/>
+        </p:nvSpPr>
+        <p:spPr>
+          <a:xfrm>
+            <a:off x="3203848" y="4977173"/>
+            <a:ext cx="360040" cy="180020"/>
+          </a:xfrm>
+          <a:prstGeom prst="rect">
+            <a:avLst/>
+          </a:prstGeom>
+          <a:solidFill>
+            <a:srgbClr val="FF0000">
+              <a:alpha val="50000"/>
+            </a:srgbClr>
+          </a:solidFill>
+          <a:ln>
+            <a:noFill/>
+          </a:ln>
+        </p:spPr>
+        <p:style>
+          <a:lnRef idx="2">
+            <a:schemeClr val="accent1">
+              <a:shade val="50000"/>
+            </a:schemeClr>
+          </a:lnRef>
+          <a:fillRef idx="1">
+            <a:schemeClr val="accent1"/>
+          </a:fillRef>
+          <a:effectRef idx="0">
+            <a:schemeClr val="accent1"/>
+          </a:effectRef>
+          <a:fontRef idx="minor">
+            <a:schemeClr val="lt1"/>
+          </a:fontRef>
+        </p:style>
+        <p:txBody>
+          <a:bodyPr rtlCol="0" anchor="ctr"/>
+          <a:lstStyle/>
+          <a:p>
+            <a:pPr algn="ctr"/>
+            <a:endParaRPr lang="fr-FR"/>
+          </a:p>
+        </p:txBody>
+      </p:sp>
+      <p:sp>
+        <p:nvSpPr>
+          <p:cNvPr id="17" name="Rectangle 16"/>
+          <p:cNvSpPr/>
+          <p:nvPr/>
+        </p:nvSpPr>
+        <p:spPr>
+          <a:xfrm>
+            <a:off x="4283968" y="1880829"/>
+            <a:ext cx="360040" cy="180020"/>
+          </a:xfrm>
+          <a:prstGeom prst="rect">
+            <a:avLst/>
+          </a:prstGeom>
+          <a:solidFill>
+            <a:srgbClr val="FF0000">
+              <a:alpha val="50000"/>
+            </a:srgbClr>
+          </a:solidFill>
+          <a:ln>
+            <a:noFill/>
+          </a:ln>
+        </p:spPr>
+        <p:style>
+          <a:lnRef idx="2">
+            <a:schemeClr val="accent1">
+              <a:shade val="50000"/>
+            </a:schemeClr>
+          </a:lnRef>
+          <a:fillRef idx="1">
+            <a:schemeClr val="accent1"/>
+          </a:fillRef>
+          <a:effectRef idx="0">
+            <a:schemeClr val="accent1"/>
+          </a:effectRef>
+          <a:fontRef idx="minor">
+            <a:schemeClr val="lt1"/>
+          </a:fontRef>
+        </p:style>
+        <p:txBody>
+          <a:bodyPr rtlCol="0" anchor="ctr"/>
+          <a:lstStyle/>
+          <a:p>
+            <a:pPr algn="ctr"/>
+            <a:endParaRPr lang="fr-FR"/>
+          </a:p>
+        </p:txBody>
+      </p:sp>
+      <p:sp>
+        <p:nvSpPr>
+          <p:cNvPr id="18" name="Rectangle 17"/>
+          <p:cNvSpPr/>
+          <p:nvPr/>
+        </p:nvSpPr>
+        <p:spPr>
+          <a:xfrm>
+            <a:off x="5364088" y="4869161"/>
+            <a:ext cx="360040" cy="180020"/>
+          </a:xfrm>
+          <a:prstGeom prst="rect">
+            <a:avLst/>
+          </a:prstGeom>
+          <a:solidFill>
+            <a:srgbClr val="FF0000">
+              <a:alpha val="50000"/>
+            </a:srgbClr>
+          </a:solidFill>
+          <a:ln>
+            <a:noFill/>
+          </a:ln>
+        </p:spPr>
+        <p:style>
+          <a:lnRef idx="2">
+            <a:schemeClr val="accent1">
+              <a:shade val="50000"/>
+            </a:schemeClr>
+          </a:lnRef>
+          <a:fillRef idx="1">
+            <a:schemeClr val="accent1"/>
+          </a:fillRef>
+          <a:effectRef idx="0">
+            <a:schemeClr val="accent1"/>
+          </a:effectRef>
+          <a:fontRef idx="minor">
+            <a:schemeClr val="lt1"/>
+          </a:fontRef>
+        </p:style>
+        <p:txBody>
+          <a:bodyPr rtlCol="0" anchor="ctr"/>
+          <a:lstStyle/>
+          <a:p>
+            <a:pPr algn="ctr"/>
+            <a:endParaRPr lang="fr-FR"/>
+          </a:p>
+        </p:txBody>
+      </p:sp>
+      <p:sp>
+        <p:nvSpPr>
+          <p:cNvPr id="19" name="Rectangle 18"/>
+          <p:cNvSpPr/>
+          <p:nvPr/>
+        </p:nvSpPr>
+        <p:spPr>
+          <a:xfrm rot="16200000">
+            <a:off x="5886146" y="3338991"/>
+            <a:ext cx="360040" cy="180020"/>
+          </a:xfrm>
+          <a:prstGeom prst="rect">
+            <a:avLst/>
+          </a:prstGeom>
+          <a:solidFill>
+            <a:srgbClr val="FF0000">
+              <a:alpha val="50000"/>
+            </a:srgbClr>
+          </a:solidFill>
+          <a:ln>
+            <a:noFill/>
+          </a:ln>
+        </p:spPr>
+        <p:style>
+          <a:lnRef idx="2">
+            <a:schemeClr val="accent1">
+              <a:shade val="50000"/>
+            </a:schemeClr>
+          </a:lnRef>
+          <a:fillRef idx="1">
+            <a:schemeClr val="accent1"/>
+          </a:fillRef>
+          <a:effectRef idx="0">
+            <a:schemeClr val="accent1"/>
+          </a:effectRef>
+          <a:fontRef idx="minor">
+            <a:schemeClr val="lt1"/>
+          </a:fontRef>
+        </p:style>
+        <p:txBody>
+          <a:bodyPr rtlCol="0" anchor="ctr"/>
+          <a:lstStyle/>
+          <a:p>
+            <a:pPr algn="ctr"/>
+            <a:endParaRPr lang="fr-FR"/>
+          </a:p>
+        </p:txBody>
+      </p:sp>
+      <p:sp>
+        <p:nvSpPr>
+          <p:cNvPr id="20" name="Rectangle 19"/>
+          <p:cNvSpPr/>
+          <p:nvPr/>
+        </p:nvSpPr>
+        <p:spPr>
+          <a:xfrm rot="16200000">
+            <a:off x="2357754" y="1178751"/>
+            <a:ext cx="360040" cy="180020"/>
+          </a:xfrm>
+          <a:prstGeom prst="rect">
+            <a:avLst/>
+          </a:prstGeom>
+          <a:solidFill>
+            <a:srgbClr val="FF0000">
+              <a:alpha val="50000"/>
+            </a:srgbClr>
+          </a:solidFill>
+          <a:ln>
+            <a:noFill/>
+          </a:ln>
+        </p:spPr>
+        <p:style>
+          <a:lnRef idx="2">
+            <a:schemeClr val="accent1">
+              <a:shade val="50000"/>
+            </a:schemeClr>
+          </a:lnRef>
+          <a:fillRef idx="1">
+            <a:schemeClr val="accent1"/>
+          </a:fillRef>
+          <a:effectRef idx="0">
+            <a:schemeClr val="accent1"/>
+          </a:effectRef>
+          <a:fontRef idx="minor">
+            <a:schemeClr val="lt1"/>
+          </a:fontRef>
+        </p:style>
+        <p:txBody>
+          <a:bodyPr rtlCol="0" anchor="ctr"/>
+          <a:lstStyle/>
+          <a:p>
+            <a:pPr algn="ctr"/>
+            <a:endParaRPr lang="fr-FR"/>
+          </a:p>
+        </p:txBody>
+      </p:sp>
+      <p:sp>
+        <p:nvSpPr>
+          <p:cNvPr id="21" name="Rectangle 20"/>
+          <p:cNvSpPr/>
+          <p:nvPr/>
+        </p:nvSpPr>
+        <p:spPr>
+          <a:xfrm>
+            <a:off x="7020272" y="368661"/>
+            <a:ext cx="360040" cy="180020"/>
+          </a:xfrm>
+          <a:prstGeom prst="rect">
+            <a:avLst/>
+          </a:prstGeom>
+          <a:solidFill>
+            <a:srgbClr val="FF0000">
+              <a:alpha val="50000"/>
+            </a:srgbClr>
+          </a:solidFill>
+          <a:ln>
+            <a:noFill/>
+          </a:ln>
+        </p:spPr>
+        <p:style>
+          <a:lnRef idx="2">
+            <a:schemeClr val="accent1">
+              <a:shade val="50000"/>
+            </a:schemeClr>
+          </a:lnRef>
+          <a:fillRef idx="1">
+            <a:schemeClr val="accent1"/>
+          </a:fillRef>
+          <a:effectRef idx="0">
+            <a:schemeClr val="accent1"/>
+          </a:effectRef>
+          <a:fontRef idx="minor">
+            <a:schemeClr val="lt1"/>
+          </a:fontRef>
+        </p:style>
+        <p:txBody>
+          <a:bodyPr rtlCol="0" anchor="ctr"/>
+          <a:lstStyle/>
+          <a:p>
+            <a:pPr algn="ctr"/>
+            <a:endParaRPr lang="fr-FR"/>
+          </a:p>
+        </p:txBody>
+      </p:sp>
+      <p:sp>
+        <p:nvSpPr>
+          <p:cNvPr id="22" name="Rectangle 21"/>
+          <p:cNvSpPr/>
+          <p:nvPr/>
+        </p:nvSpPr>
+        <p:spPr>
+          <a:xfrm rot="16200000">
+            <a:off x="6390202" y="4486508"/>
+            <a:ext cx="360040" cy="180020"/>
+          </a:xfrm>
+          <a:prstGeom prst="rect">
+            <a:avLst/>
+          </a:prstGeom>
+          <a:solidFill>
+            <a:srgbClr val="FF0000">
+              <a:alpha val="50000"/>
+            </a:srgbClr>
+          </a:solidFill>
+          <a:ln>
+            <a:noFill/>
+          </a:ln>
+        </p:spPr>
+        <p:style>
+          <a:lnRef idx="2">
+            <a:schemeClr val="accent1">
+              <a:shade val="50000"/>
+            </a:schemeClr>
+          </a:lnRef>
+          <a:fillRef idx="1">
+            <a:schemeClr val="accent1"/>
+          </a:fillRef>
+          <a:effectRef idx="0">
+            <a:schemeClr val="accent1"/>
+          </a:effectRef>
+          <a:fontRef idx="minor">
+            <a:schemeClr val="lt1"/>
+          </a:fontRef>
+        </p:style>
+        <p:txBody>
+          <a:bodyPr rtlCol="0" anchor="ctr"/>
+          <a:lstStyle/>
+          <a:p>
+            <a:pPr algn="ctr"/>
+            <a:endParaRPr lang="fr-FR"/>
+          </a:p>
+        </p:txBody>
+      </p:sp>
+      <p:sp>
+        <p:nvSpPr>
+          <p:cNvPr id="23" name="Rectangle 22"/>
+          <p:cNvSpPr/>
+          <p:nvPr/>
+        </p:nvSpPr>
+        <p:spPr>
+          <a:xfrm rot="16200000">
+            <a:off x="5202070" y="998731"/>
+            <a:ext cx="360040" cy="180020"/>
+          </a:xfrm>
+          <a:prstGeom prst="rect">
+            <a:avLst/>
+          </a:prstGeom>
+          <a:solidFill>
+            <a:srgbClr val="FF0000">
+              <a:alpha val="50000"/>
+            </a:srgbClr>
+          </a:solidFill>
+          <a:ln>
+            <a:noFill/>
+          </a:ln>
+        </p:spPr>
+        <p:style>
+          <a:lnRef idx="2">
+            <a:schemeClr val="accent1">
+              <a:shade val="50000"/>
+            </a:schemeClr>
+          </a:lnRef>
+          <a:fillRef idx="1">
+            <a:schemeClr val="accent1"/>
+          </a:fillRef>
+          <a:effectRef idx="0">
+            <a:schemeClr val="accent1"/>
+          </a:effectRef>
+          <a:fontRef idx="minor">
+            <a:schemeClr val="lt1"/>
+          </a:fontRef>
+        </p:style>
+        <p:txBody>
+          <a:bodyPr rtlCol="0" anchor="ctr"/>
+          <a:lstStyle/>
+          <a:p>
+            <a:pPr algn="ctr"/>
+            <a:endParaRPr lang="fr-FR"/>
+          </a:p>
+        </p:txBody>
+      </p:sp>
+      <p:sp>
+        <p:nvSpPr>
+          <p:cNvPr id="25" name="Rectangle 24"/>
+          <p:cNvSpPr/>
+          <p:nvPr/>
+        </p:nvSpPr>
+        <p:spPr>
+          <a:xfrm>
+            <a:off x="6048164" y="764705"/>
+            <a:ext cx="360040" cy="180020"/>
+          </a:xfrm>
+          <a:prstGeom prst="rect">
+            <a:avLst/>
+          </a:prstGeom>
+          <a:solidFill>
+            <a:srgbClr val="FF0000">
+              <a:alpha val="50000"/>
+            </a:srgbClr>
+          </a:solidFill>
+          <a:ln>
+            <a:noFill/>
+          </a:ln>
+        </p:spPr>
+        <p:style>
+          <a:lnRef idx="2">
+            <a:schemeClr val="accent1">
+              <a:shade val="50000"/>
+            </a:schemeClr>
+          </a:lnRef>
+          <a:fillRef idx="1">
+            <a:schemeClr val="accent1"/>
+          </a:fillRef>
+          <a:effectRef idx="0">
+            <a:schemeClr val="accent1"/>
+          </a:effectRef>
+          <a:fontRef idx="minor">
+            <a:schemeClr val="lt1"/>
+          </a:fontRef>
+        </p:style>
+        <p:txBody>
+          <a:bodyPr rtlCol="0" anchor="ctr"/>
+          <a:lstStyle/>
+          <a:p>
+            <a:pPr algn="ctr"/>
+            <a:endParaRPr lang="fr-FR"/>
+          </a:p>
+        </p:txBody>
+      </p:sp>
+      <p:sp>
+        <p:nvSpPr>
+          <p:cNvPr id="26" name="Rectangle 25"/>
+          <p:cNvSpPr/>
+          <p:nvPr/>
+        </p:nvSpPr>
+        <p:spPr>
+          <a:xfrm>
+            <a:off x="1043608" y="368661"/>
+            <a:ext cx="360040" cy="180020"/>
+          </a:xfrm>
+          <a:prstGeom prst="rect">
+            <a:avLst/>
+          </a:prstGeom>
+          <a:solidFill>
+            <a:srgbClr val="FF0000">
+              <a:alpha val="50000"/>
+            </a:srgbClr>
+          </a:solidFill>
+          <a:ln>
+            <a:noFill/>
+          </a:ln>
+        </p:spPr>
+        <p:style>
+          <a:lnRef idx="2">
+            <a:schemeClr val="accent1">
+              <a:shade val="50000"/>
+            </a:schemeClr>
+          </a:lnRef>
+          <a:fillRef idx="1">
+            <a:schemeClr val="accent1"/>
+          </a:fillRef>
+          <a:effectRef idx="0">
+            <a:schemeClr val="accent1"/>
+          </a:effectRef>
+          <a:fontRef idx="minor">
+            <a:schemeClr val="lt1"/>
+          </a:fontRef>
+        </p:style>
+        <p:txBody>
+          <a:bodyPr rtlCol="0" anchor="ctr"/>
+          <a:lstStyle/>
+          <a:p>
+            <a:pPr algn="ctr"/>
+            <a:endParaRPr lang="fr-FR"/>
+          </a:p>
+        </p:txBody>
+      </p:sp>
+      <p:sp>
+        <p:nvSpPr>
+          <p:cNvPr id="27" name="Rectangle 26"/>
+          <p:cNvSpPr/>
+          <p:nvPr/>
+        </p:nvSpPr>
+        <p:spPr>
+          <a:xfrm rot="16200000">
+            <a:off x="5994158" y="2222867"/>
+            <a:ext cx="360040" cy="180020"/>
+          </a:xfrm>
+          <a:prstGeom prst="rect">
+            <a:avLst/>
+          </a:prstGeom>
+          <a:solidFill>
+            <a:srgbClr val="00B050">
+              <a:alpha val="50000"/>
+            </a:srgbClr>
+          </a:solidFill>
+          <a:ln>
+            <a:noFill/>
+          </a:ln>
+        </p:spPr>
+        <p:style>
+          <a:lnRef idx="2">
+            <a:schemeClr val="accent1">
+              <a:shade val="50000"/>
+            </a:schemeClr>
+          </a:lnRef>
+          <a:fillRef idx="1">
+            <a:schemeClr val="accent1"/>
+          </a:fillRef>
+          <a:effectRef idx="0">
+            <a:schemeClr val="accent1"/>
+          </a:effectRef>
+          <a:fontRef idx="minor">
+            <a:schemeClr val="lt1"/>
+          </a:fontRef>
+        </p:style>
+        <p:txBody>
+          <a:bodyPr rtlCol="0" anchor="ctr"/>
+          <a:lstStyle/>
+          <a:p>
+            <a:pPr algn="ctr"/>
+            <a:endParaRPr lang="fr-FR"/>
+          </a:p>
+        </p:txBody>
+      </p:sp>
+      <p:sp>
+        <p:nvSpPr>
+          <p:cNvPr id="29" name="Rectangle 28"/>
+          <p:cNvSpPr/>
+          <p:nvPr/>
+        </p:nvSpPr>
+        <p:spPr>
+          <a:xfrm rot="16200000">
+            <a:off x="6138174" y="4486508"/>
+            <a:ext cx="360040" cy="180020"/>
+          </a:xfrm>
+          <a:prstGeom prst="rect">
+            <a:avLst/>
+          </a:prstGeom>
+          <a:solidFill>
+            <a:srgbClr val="00B050">
+              <a:alpha val="50000"/>
+            </a:srgbClr>
+          </a:solidFill>
+          <a:ln>
+            <a:noFill/>
+          </a:ln>
+        </p:spPr>
+        <p:style>
+          <a:lnRef idx="2">
+            <a:schemeClr val="accent1">
+              <a:shade val="50000"/>
+            </a:schemeClr>
+          </a:lnRef>
+          <a:fillRef idx="1">
+            <a:schemeClr val="accent1"/>
+          </a:fillRef>
+          <a:effectRef idx="0">
+            <a:schemeClr val="accent1"/>
+          </a:effectRef>
+          <a:fontRef idx="minor">
+            <a:schemeClr val="lt1"/>
+          </a:fontRef>
+        </p:style>
+        <p:txBody>
+          <a:bodyPr rtlCol="0" anchor="ctr"/>
+          <a:lstStyle/>
+          <a:p>
+            <a:pPr algn="ctr"/>
+            <a:endParaRPr lang="fr-FR"/>
+          </a:p>
+        </p:txBody>
+      </p:sp>
+      <p:sp>
+        <p:nvSpPr>
+          <p:cNvPr id="30" name="Rectangle 29"/>
+          <p:cNvSpPr/>
+          <p:nvPr/>
+        </p:nvSpPr>
+        <p:spPr>
+          <a:xfrm rot="16200000">
+            <a:off x="1169622" y="4887163"/>
+            <a:ext cx="360040" cy="180020"/>
+          </a:xfrm>
+          <a:prstGeom prst="rect">
+            <a:avLst/>
+          </a:prstGeom>
+          <a:solidFill>
+            <a:srgbClr val="7030A0">
+              <a:alpha val="50000"/>
+            </a:srgbClr>
+          </a:solidFill>
+          <a:ln>
+            <a:noFill/>
+          </a:ln>
+        </p:spPr>
+        <p:style>
+          <a:lnRef idx="2">
+            <a:schemeClr val="accent1">
+              <a:shade val="50000"/>
+            </a:schemeClr>
+          </a:lnRef>
+          <a:fillRef idx="1">
+            <a:schemeClr val="accent1"/>
+          </a:fillRef>
+          <a:effectRef idx="0">
+            <a:schemeClr val="accent1"/>
+          </a:effectRef>
+          <a:fontRef idx="minor">
+            <a:schemeClr val="lt1"/>
+          </a:fontRef>
+        </p:style>
+        <p:txBody>
+          <a:bodyPr rtlCol="0" anchor="ctr"/>
+          <a:lstStyle/>
+          <a:p>
+            <a:pPr algn="ctr"/>
+            <a:endParaRPr lang="fr-FR"/>
+          </a:p>
+        </p:txBody>
+      </p:sp>
+      <p:sp>
+        <p:nvSpPr>
+          <p:cNvPr id="31" name="Rectangle 30"/>
+          <p:cNvSpPr/>
+          <p:nvPr/>
+        </p:nvSpPr>
+        <p:spPr>
+          <a:xfrm>
+            <a:off x="6012160" y="368661"/>
+            <a:ext cx="648072" cy="324036"/>
+          </a:xfrm>
+          <a:prstGeom prst="rect">
+            <a:avLst/>
+          </a:prstGeom>
+          <a:solidFill>
+            <a:srgbClr val="FFC000">
+              <a:alpha val="50000"/>
+            </a:srgbClr>
+          </a:solidFill>
+          <a:ln>
+            <a:noFill/>
+          </a:ln>
+        </p:spPr>
+        <p:style>
+          <a:lnRef idx="2">
+            <a:schemeClr val="accent1">
+              <a:shade val="50000"/>
+            </a:schemeClr>
+          </a:lnRef>
+          <a:fillRef idx="1">
+            <a:schemeClr val="accent1"/>
+          </a:fillRef>
+          <a:effectRef idx="0">
+            <a:schemeClr val="accent1"/>
+          </a:effectRef>
+          <a:fontRef idx="minor">
+            <a:schemeClr val="lt1"/>
+          </a:fontRef>
+        </p:style>
+        <p:txBody>
+          <a:bodyPr rtlCol="0" anchor="ctr"/>
+          <a:lstStyle/>
+          <a:p>
+            <a:pPr algn="ctr"/>
+            <a:endParaRPr lang="fr-FR"/>
+          </a:p>
+        </p:txBody>
+      </p:sp>
+      <p:sp>
+        <p:nvSpPr>
+          <p:cNvPr id="32" name="Rectangle 31"/>
+          <p:cNvSpPr/>
+          <p:nvPr/>
+        </p:nvSpPr>
+        <p:spPr>
+          <a:xfrm>
+            <a:off x="7776356" y="2848325"/>
+            <a:ext cx="360040" cy="180020"/>
+          </a:xfrm>
+          <a:prstGeom prst="rect">
+            <a:avLst/>
+          </a:prstGeom>
+          <a:solidFill>
+            <a:srgbClr val="FF0000">
+              <a:alpha val="50000"/>
+            </a:srgbClr>
+          </a:solidFill>
+          <a:ln>
+            <a:noFill/>
+          </a:ln>
+        </p:spPr>
+        <p:style>
+          <a:lnRef idx="2">
+            <a:schemeClr val="accent1">
+              <a:shade val="50000"/>
+            </a:schemeClr>
+          </a:lnRef>
+          <a:fillRef idx="1">
+            <a:schemeClr val="accent1"/>
+          </a:fillRef>
+          <a:effectRef idx="0">
+            <a:schemeClr val="accent1"/>
+          </a:effectRef>
+          <a:fontRef idx="minor">
+            <a:schemeClr val="lt1"/>
+          </a:fontRef>
+        </p:style>
+        <p:txBody>
+          <a:bodyPr rtlCol="0" anchor="ctr"/>
+          <a:lstStyle/>
+          <a:p>
+            <a:pPr algn="ctr"/>
+            <a:endParaRPr lang="fr-FR"/>
+          </a:p>
+        </p:txBody>
+      </p:sp>
+      <p:sp>
+        <p:nvSpPr>
+          <p:cNvPr id="33" name="Rectangle 32"/>
+          <p:cNvSpPr/>
+          <p:nvPr/>
+        </p:nvSpPr>
+        <p:spPr>
+          <a:xfrm>
+            <a:off x="7776356" y="3208365"/>
+            <a:ext cx="360040" cy="180020"/>
+          </a:xfrm>
+          <a:prstGeom prst="rect">
+            <a:avLst/>
+          </a:prstGeom>
+          <a:solidFill>
+            <a:srgbClr val="7030A0">
+              <a:alpha val="50000"/>
+            </a:srgbClr>
+          </a:solidFill>
+          <a:ln>
+            <a:noFill/>
+          </a:ln>
+        </p:spPr>
+        <p:style>
+          <a:lnRef idx="2">
+            <a:schemeClr val="accent1">
+              <a:shade val="50000"/>
+            </a:schemeClr>
+          </a:lnRef>
+          <a:fillRef idx="1">
+            <a:schemeClr val="accent1"/>
+          </a:fillRef>
+          <a:effectRef idx="0">
+            <a:schemeClr val="accent1"/>
+          </a:effectRef>
+          <a:fontRef idx="minor">
+            <a:schemeClr val="lt1"/>
+          </a:fontRef>
+        </p:style>
+        <p:txBody>
+          <a:bodyPr rtlCol="0" anchor="ctr"/>
+          <a:lstStyle/>
+          <a:p>
+            <a:pPr algn="ctr"/>
+            <a:endParaRPr lang="fr-FR"/>
+          </a:p>
+        </p:txBody>
+      </p:sp>
+      <p:sp>
+        <p:nvSpPr>
+          <p:cNvPr id="36" name="ZoneTexte 35"/>
+          <p:cNvSpPr txBox="1"/>
+          <p:nvPr/>
+        </p:nvSpPr>
+        <p:spPr>
+          <a:xfrm>
+            <a:off x="8071655" y="2767025"/>
+            <a:ext cx="699230" cy="369332"/>
+          </a:xfrm>
+          <a:prstGeom prst="rect">
+            <a:avLst/>
+          </a:prstGeom>
+          <a:noFill/>
+        </p:spPr>
+        <p:txBody>
+          <a:bodyPr wrap="none" rtlCol="0">
+            <a:spAutoFit/>
+          </a:bodyPr>
+          <a:lstStyle/>
+          <a:p>
+            <a:r>
+              <a:rPr lang="fr-FR" dirty="0" smtClean="0"/>
+              <a:t>10 nF</a:t>
+            </a:r>
+            <a:endParaRPr lang="fr-FR" dirty="0"/>
+          </a:p>
+        </p:txBody>
+      </p:sp>
+      <p:sp>
+        <p:nvSpPr>
+          <p:cNvPr id="37" name="ZoneTexte 36"/>
+          <p:cNvSpPr txBox="1"/>
+          <p:nvPr/>
+        </p:nvSpPr>
+        <p:spPr>
+          <a:xfrm>
+            <a:off x="8064388" y="3127065"/>
+            <a:ext cx="816249" cy="369332"/>
+          </a:xfrm>
+          <a:prstGeom prst="rect">
+            <a:avLst/>
+          </a:prstGeom>
+          <a:noFill/>
+        </p:spPr>
+        <p:txBody>
+          <a:bodyPr wrap="none" rtlCol="0">
+            <a:spAutoFit/>
+          </a:bodyPr>
+          <a:lstStyle/>
+          <a:p>
+            <a:r>
+              <a:rPr lang="fr-FR" dirty="0" smtClean="0"/>
+              <a:t>100 nF</a:t>
+            </a:r>
+            <a:endParaRPr lang="fr-FR" dirty="0"/>
+          </a:p>
+        </p:txBody>
+      </p:sp>
+      <p:sp>
+        <p:nvSpPr>
+          <p:cNvPr id="38" name="Rectangle 37"/>
+          <p:cNvSpPr/>
+          <p:nvPr/>
+        </p:nvSpPr>
+        <p:spPr>
+          <a:xfrm>
+            <a:off x="7776356" y="2497577"/>
+            <a:ext cx="360040" cy="180020"/>
+          </a:xfrm>
+          <a:prstGeom prst="rect">
+            <a:avLst/>
+          </a:prstGeom>
+          <a:solidFill>
+            <a:srgbClr val="00B050">
+              <a:alpha val="50000"/>
+            </a:srgbClr>
+          </a:solidFill>
+          <a:ln>
+            <a:noFill/>
+          </a:ln>
+        </p:spPr>
+        <p:style>
+          <a:lnRef idx="2">
+            <a:schemeClr val="accent1">
+              <a:shade val="50000"/>
+            </a:schemeClr>
+          </a:lnRef>
+          <a:fillRef idx="1">
+            <a:schemeClr val="accent1"/>
+          </a:fillRef>
+          <a:effectRef idx="0">
+            <a:schemeClr val="accent1"/>
+          </a:effectRef>
+          <a:fontRef idx="minor">
+            <a:schemeClr val="lt1"/>
+          </a:fontRef>
+        </p:style>
+        <p:txBody>
+          <a:bodyPr rtlCol="0" anchor="ctr"/>
+          <a:lstStyle/>
+          <a:p>
+            <a:pPr algn="ctr"/>
+            <a:endParaRPr lang="fr-FR"/>
+          </a:p>
+        </p:txBody>
+      </p:sp>
+      <p:sp>
+        <p:nvSpPr>
+          <p:cNvPr id="39" name="ZoneTexte 38"/>
+          <p:cNvSpPr txBox="1"/>
+          <p:nvPr/>
+        </p:nvSpPr>
+        <p:spPr>
+          <a:xfrm>
+            <a:off x="8064388" y="2416277"/>
+            <a:ext cx="699230" cy="369332"/>
+          </a:xfrm>
+          <a:prstGeom prst="rect">
+            <a:avLst/>
+          </a:prstGeom>
+          <a:noFill/>
+        </p:spPr>
+        <p:txBody>
+          <a:bodyPr wrap="none" rtlCol="0">
+            <a:spAutoFit/>
+          </a:bodyPr>
+          <a:lstStyle/>
+          <a:p>
+            <a:r>
+              <a:rPr lang="fr-FR" dirty="0" smtClean="0"/>
+              <a:t>39 pF</a:t>
+            </a:r>
+            <a:endParaRPr lang="fr-FR" dirty="0"/>
+          </a:p>
+        </p:txBody>
+      </p:sp>
+      <p:sp>
+        <p:nvSpPr>
+          <p:cNvPr id="40" name="Rectangle 39"/>
+          <p:cNvSpPr/>
+          <p:nvPr/>
+        </p:nvSpPr>
+        <p:spPr>
+          <a:xfrm>
+            <a:off x="7783623" y="3568405"/>
+            <a:ext cx="360040" cy="180020"/>
+          </a:xfrm>
+          <a:prstGeom prst="rect">
+            <a:avLst/>
+          </a:prstGeom>
+          <a:solidFill>
+            <a:srgbClr val="FFC000">
+              <a:alpha val="50000"/>
+            </a:srgbClr>
+          </a:solidFill>
+          <a:ln>
+            <a:noFill/>
+          </a:ln>
+        </p:spPr>
+        <p:style>
+          <a:lnRef idx="2">
+            <a:schemeClr val="accent1">
+              <a:shade val="50000"/>
+            </a:schemeClr>
+          </a:lnRef>
+          <a:fillRef idx="1">
+            <a:schemeClr val="accent1"/>
+          </a:fillRef>
+          <a:effectRef idx="0">
+            <a:schemeClr val="accent1"/>
+          </a:effectRef>
+          <a:fontRef idx="minor">
+            <a:schemeClr val="lt1"/>
+          </a:fontRef>
+        </p:style>
+        <p:txBody>
+          <a:bodyPr rtlCol="0" anchor="ctr"/>
+          <a:lstStyle/>
+          <a:p>
+            <a:pPr algn="ctr"/>
+            <a:endParaRPr lang="fr-FR"/>
+          </a:p>
+        </p:txBody>
+      </p:sp>
+      <p:sp>
+        <p:nvSpPr>
+          <p:cNvPr id="41" name="ZoneTexte 40"/>
+          <p:cNvSpPr txBox="1"/>
+          <p:nvPr/>
+        </p:nvSpPr>
+        <p:spPr>
+          <a:xfrm>
+            <a:off x="8104591" y="3487105"/>
+            <a:ext cx="704039" cy="369332"/>
+          </a:xfrm>
+          <a:prstGeom prst="rect">
+            <a:avLst/>
+          </a:prstGeom>
+          <a:noFill/>
+        </p:spPr>
+        <p:txBody>
+          <a:bodyPr wrap="none" rtlCol="0">
+            <a:spAutoFit/>
+          </a:bodyPr>
+          <a:lstStyle/>
+          <a:p>
+            <a:r>
+              <a:rPr lang="fr-FR" dirty="0" smtClean="0"/>
+              <a:t>22 µF</a:t>
+            </a:r>
+            <a:endParaRPr lang="fr-FR" dirty="0"/>
+          </a:p>
+        </p:txBody>
+      </p:sp>
+      <p:sp>
+        <p:nvSpPr>
+          <p:cNvPr id="43" name="Corde 42"/>
+          <p:cNvSpPr/>
+          <p:nvPr/>
+        </p:nvSpPr>
+        <p:spPr>
+          <a:xfrm rot="6759918">
+            <a:off x="6808230" y="3652928"/>
+            <a:ext cx="292791" cy="281690"/>
+          </a:xfrm>
+          <a:prstGeom prst="chord">
+            <a:avLst/>
+          </a:prstGeom>
+        </p:spPr>
+        <p:style>
+          <a:lnRef idx="2">
+            <a:schemeClr val="accent1">
+              <a:shade val="50000"/>
+            </a:schemeClr>
+          </a:lnRef>
+          <a:fillRef idx="1">
+            <a:schemeClr val="accent1"/>
+          </a:fillRef>
+          <a:effectRef idx="0">
+            <a:schemeClr val="accent1"/>
+          </a:effectRef>
+          <a:fontRef idx="minor">
+            <a:schemeClr val="lt1"/>
+          </a:fontRef>
+        </p:style>
+        <p:txBody>
+          <a:bodyPr rtlCol="0" anchor="ctr"/>
+          <a:lstStyle/>
+          <a:p>
+            <a:pPr algn="ctr"/>
+            <a:endParaRPr lang="fr-FR"/>
+          </a:p>
+        </p:txBody>
+      </p:sp>
+      <p:sp>
+        <p:nvSpPr>
+          <p:cNvPr id="45" name="Rectangle 44"/>
+          <p:cNvSpPr/>
+          <p:nvPr/>
+        </p:nvSpPr>
+        <p:spPr>
+          <a:xfrm>
+            <a:off x="7783623" y="3928445"/>
+            <a:ext cx="360040" cy="180020"/>
+          </a:xfrm>
+          <a:prstGeom prst="rect">
+            <a:avLst/>
+          </a:prstGeom>
+          <a:solidFill>
+            <a:schemeClr val="tx2">
+              <a:lumMod val="40000"/>
+              <a:lumOff val="60000"/>
+              <a:alpha val="50000"/>
+            </a:schemeClr>
+          </a:solidFill>
+          <a:ln>
+            <a:noFill/>
+          </a:ln>
+        </p:spPr>
+        <p:style>
+          <a:lnRef idx="2">
+            <a:schemeClr val="accent1">
+              <a:shade val="50000"/>
+            </a:schemeClr>
+          </a:lnRef>
+          <a:fillRef idx="1">
+            <a:schemeClr val="accent1"/>
+          </a:fillRef>
+          <a:effectRef idx="0">
+            <a:schemeClr val="accent1"/>
+          </a:effectRef>
+          <a:fontRef idx="minor">
+            <a:schemeClr val="lt1"/>
+          </a:fontRef>
+        </p:style>
+        <p:txBody>
+          <a:bodyPr rtlCol="0" anchor="ctr"/>
+          <a:lstStyle/>
+          <a:p>
+            <a:pPr algn="ctr"/>
+            <a:endParaRPr lang="fr-FR"/>
+          </a:p>
+        </p:txBody>
+      </p:sp>
+      <p:sp>
+        <p:nvSpPr>
+          <p:cNvPr id="46" name="ZoneTexte 45"/>
+          <p:cNvSpPr txBox="1"/>
+          <p:nvPr/>
+        </p:nvSpPr>
+        <p:spPr>
+          <a:xfrm>
+            <a:off x="8107659" y="3820433"/>
+            <a:ext cx="612668" cy="369332"/>
+          </a:xfrm>
+          <a:prstGeom prst="rect">
+            <a:avLst/>
+          </a:prstGeom>
+          <a:noFill/>
+        </p:spPr>
+        <p:txBody>
+          <a:bodyPr wrap="none" rtlCol="0">
+            <a:spAutoFit/>
+          </a:bodyPr>
+          <a:lstStyle/>
+          <a:p>
+            <a:r>
+              <a:rPr lang="fr-FR" dirty="0" smtClean="0"/>
+              <a:t>1 k</a:t>
+            </a:r>
+            <a:r>
+              <a:rPr lang="el-GR" dirty="0" smtClean="0"/>
+              <a:t>Ω</a:t>
+            </a:r>
+            <a:endParaRPr lang="fr-FR" dirty="0"/>
+          </a:p>
+        </p:txBody>
+      </p:sp>
+      <p:sp>
+        <p:nvSpPr>
+          <p:cNvPr id="47" name="Rectangle 46"/>
+          <p:cNvSpPr/>
+          <p:nvPr/>
+        </p:nvSpPr>
+        <p:spPr>
+          <a:xfrm rot="5400000">
+            <a:off x="2789802" y="2002231"/>
+            <a:ext cx="360040" cy="180020"/>
+          </a:xfrm>
+          <a:prstGeom prst="rect">
+            <a:avLst/>
+          </a:prstGeom>
+          <a:solidFill>
+            <a:schemeClr val="tx2">
+              <a:lumMod val="40000"/>
+              <a:lumOff val="60000"/>
+              <a:alpha val="50000"/>
+            </a:schemeClr>
+          </a:solidFill>
+          <a:ln>
+            <a:noFill/>
+          </a:ln>
+        </p:spPr>
+        <p:style>
+          <a:lnRef idx="2">
+            <a:schemeClr val="accent1">
+              <a:shade val="50000"/>
+            </a:schemeClr>
+          </a:lnRef>
+          <a:fillRef idx="1">
+            <a:schemeClr val="accent1"/>
+          </a:fillRef>
+          <a:effectRef idx="0">
+            <a:schemeClr val="accent1"/>
+          </a:effectRef>
+          <a:fontRef idx="minor">
+            <a:schemeClr val="lt1"/>
+          </a:fontRef>
+        </p:style>
+        <p:txBody>
+          <a:bodyPr rtlCol="0" anchor="ctr"/>
+          <a:lstStyle/>
+          <a:p>
+            <a:pPr algn="ctr"/>
+            <a:endParaRPr lang="fr-FR"/>
+          </a:p>
+        </p:txBody>
+      </p:sp>
+      <p:sp>
+        <p:nvSpPr>
+          <p:cNvPr id="48" name="ZoneTexte 47"/>
+          <p:cNvSpPr txBox="1"/>
+          <p:nvPr/>
+        </p:nvSpPr>
+        <p:spPr>
+          <a:xfrm>
+            <a:off x="2879812" y="1419198"/>
+            <a:ext cx="792088" cy="276999"/>
+          </a:xfrm>
+          <a:prstGeom prst="rect">
+            <a:avLst/>
+          </a:prstGeom>
+          <a:noFill/>
+        </p:spPr>
+        <p:txBody>
+          <a:bodyPr wrap="square" rtlCol="0">
+            <a:spAutoFit/>
+          </a:bodyPr>
+          <a:lstStyle/>
+          <a:p>
+            <a:r>
+              <a:rPr lang="fr-FR" sz="1200" dirty="0" smtClean="0"/>
+              <a:t>cathode</a:t>
+            </a:r>
+            <a:endParaRPr lang="fr-FR" sz="1200" dirty="0"/>
+          </a:p>
+        </p:txBody>
+      </p:sp>
+      <p:sp>
+        <p:nvSpPr>
+          <p:cNvPr id="49" name="ZoneTexte 48"/>
+          <p:cNvSpPr txBox="1"/>
+          <p:nvPr/>
+        </p:nvSpPr>
+        <p:spPr>
+          <a:xfrm>
+            <a:off x="2915816" y="2308265"/>
+            <a:ext cx="792088" cy="276999"/>
+          </a:xfrm>
+          <a:prstGeom prst="rect">
+            <a:avLst/>
+          </a:prstGeom>
+          <a:noFill/>
+        </p:spPr>
+        <p:txBody>
+          <a:bodyPr wrap="square" rtlCol="0">
+            <a:spAutoFit/>
+          </a:bodyPr>
+          <a:lstStyle/>
+          <a:p>
+            <a:r>
+              <a:rPr lang="fr-FR" sz="1200" dirty="0" smtClean="0"/>
+              <a:t>anode</a:t>
+            </a:r>
+            <a:endParaRPr lang="fr-FR" sz="1200" dirty="0"/>
+          </a:p>
+        </p:txBody>
+      </p:sp>
+      <p:sp>
+        <p:nvSpPr>
+          <p:cNvPr id="24" name="Rectangle 23"/>
+          <p:cNvSpPr/>
+          <p:nvPr/>
+        </p:nvSpPr>
+        <p:spPr>
+          <a:xfrm>
+            <a:off x="5436096" y="364049"/>
+            <a:ext cx="396044" cy="468052"/>
+          </a:xfrm>
+          <a:prstGeom prst="rect">
+            <a:avLst/>
+          </a:prstGeom>
+          <a:solidFill>
+            <a:schemeClr val="accent1">
+              <a:alpha val="45000"/>
+            </a:schemeClr>
+          </a:solidFill>
+        </p:spPr>
+        <p:style>
+          <a:lnRef idx="2">
+            <a:schemeClr val="accent1">
+              <a:shade val="50000"/>
+            </a:schemeClr>
+          </a:lnRef>
+          <a:fillRef idx="1">
+            <a:schemeClr val="accent1"/>
+          </a:fillRef>
+          <a:effectRef idx="0">
+            <a:schemeClr val="accent1"/>
+          </a:effectRef>
+          <a:fontRef idx="minor">
+            <a:schemeClr val="lt1"/>
+          </a:fontRef>
+        </p:style>
+        <p:txBody>
+          <a:bodyPr rtlCol="0" anchor="ctr"/>
+          <a:lstStyle/>
+          <a:p>
+            <a:pPr algn="ctr"/>
+            <a:endParaRPr lang="fr-FR"/>
+          </a:p>
+        </p:txBody>
+      </p:sp>
+      <p:sp>
+        <p:nvSpPr>
+          <p:cNvPr id="50" name="Rectangle 49"/>
+          <p:cNvSpPr/>
+          <p:nvPr/>
+        </p:nvSpPr>
+        <p:spPr>
+          <a:xfrm>
+            <a:off x="7056276" y="760093"/>
+            <a:ext cx="288032" cy="216024"/>
+          </a:xfrm>
+          <a:prstGeom prst="rect">
+            <a:avLst/>
+          </a:prstGeom>
+          <a:solidFill>
+            <a:schemeClr val="accent1">
+              <a:alpha val="45000"/>
+            </a:schemeClr>
+          </a:solidFill>
+        </p:spPr>
+        <p:style>
+          <a:lnRef idx="2">
+            <a:schemeClr val="accent1">
+              <a:shade val="50000"/>
+            </a:schemeClr>
+          </a:lnRef>
+          <a:fillRef idx="1">
+            <a:schemeClr val="accent1"/>
+          </a:fillRef>
+          <a:effectRef idx="0">
+            <a:schemeClr val="accent1"/>
+          </a:effectRef>
+          <a:fontRef idx="minor">
+            <a:schemeClr val="lt1"/>
+          </a:fontRef>
+        </p:style>
+        <p:txBody>
+          <a:bodyPr rtlCol="0" anchor="ctr"/>
+          <a:lstStyle/>
+          <a:p>
+            <a:pPr algn="ctr"/>
+            <a:endParaRPr lang="fr-FR"/>
+          </a:p>
+        </p:txBody>
+      </p:sp>
+      <p:sp>
+        <p:nvSpPr>
+          <p:cNvPr id="51" name="Rectangle 50"/>
+          <p:cNvSpPr/>
+          <p:nvPr/>
+        </p:nvSpPr>
+        <p:spPr>
+          <a:xfrm>
+            <a:off x="7783623" y="4252481"/>
+            <a:ext cx="360040" cy="180020"/>
+          </a:xfrm>
+          <a:prstGeom prst="rect">
+            <a:avLst/>
+          </a:prstGeom>
+          <a:solidFill>
+            <a:schemeClr val="accent1">
+              <a:alpha val="45000"/>
+            </a:schemeClr>
+          </a:solidFill>
+        </p:spPr>
+        <p:style>
+          <a:lnRef idx="2">
+            <a:schemeClr val="accent1">
+              <a:shade val="50000"/>
+            </a:schemeClr>
+          </a:lnRef>
+          <a:fillRef idx="1">
+            <a:schemeClr val="accent1"/>
+          </a:fillRef>
+          <a:effectRef idx="0">
+            <a:schemeClr val="accent1"/>
+          </a:effectRef>
+          <a:fontRef idx="minor">
+            <a:schemeClr val="lt1"/>
+          </a:fontRef>
+        </p:style>
+        <p:txBody>
+          <a:bodyPr rtlCol="0" anchor="ctr"/>
+          <a:lstStyle/>
+          <a:p>
+            <a:pPr algn="ctr"/>
+            <a:endParaRPr lang="fr-FR"/>
+          </a:p>
+        </p:txBody>
+      </p:sp>
+      <p:sp>
+        <p:nvSpPr>
+          <p:cNvPr id="52" name="ZoneTexte 51"/>
+          <p:cNvSpPr txBox="1"/>
+          <p:nvPr/>
+        </p:nvSpPr>
+        <p:spPr>
+          <a:xfrm>
+            <a:off x="8143663" y="4180473"/>
+            <a:ext cx="667619" cy="369332"/>
+          </a:xfrm>
+          <a:prstGeom prst="rect">
+            <a:avLst/>
+          </a:prstGeom>
+          <a:noFill/>
+        </p:spPr>
+        <p:txBody>
+          <a:bodyPr wrap="none" rtlCol="0">
+            <a:spAutoFit/>
+          </a:bodyPr>
+          <a:lstStyle/>
+          <a:p>
+            <a:r>
+              <a:rPr lang="fr-FR" dirty="0" smtClean="0"/>
+              <a:t>chips</a:t>
+            </a:r>
+            <a:endParaRPr lang="fr-FR" dirty="0"/>
+          </a:p>
+        </p:txBody>
+      </p:sp>
+      <p:sp>
+        <p:nvSpPr>
+          <p:cNvPr id="53" name="Rectangle 52"/>
+          <p:cNvSpPr/>
+          <p:nvPr/>
+        </p:nvSpPr>
+        <p:spPr>
+          <a:xfrm rot="16200000">
+            <a:off x="5922150" y="4486508"/>
+            <a:ext cx="360040" cy="180020"/>
+          </a:xfrm>
+          <a:prstGeom prst="rect">
+            <a:avLst/>
+          </a:prstGeom>
+          <a:solidFill>
+            <a:srgbClr val="00B050">
+              <a:alpha val="50000"/>
+            </a:srgbClr>
+          </a:solidFill>
+          <a:ln>
+            <a:noFill/>
+          </a:ln>
+        </p:spPr>
+        <p:style>
+          <a:lnRef idx="2">
+            <a:schemeClr val="accent1">
+              <a:shade val="50000"/>
+            </a:schemeClr>
+          </a:lnRef>
+          <a:fillRef idx="1">
+            <a:schemeClr val="accent1"/>
+          </a:fillRef>
+          <a:effectRef idx="0">
+            <a:schemeClr val="accent1"/>
+          </a:effectRef>
+          <a:fontRef idx="minor">
+            <a:schemeClr val="lt1"/>
+          </a:fontRef>
+        </p:style>
+        <p:txBody>
+          <a:bodyPr rtlCol="0" anchor="ctr"/>
+          <a:lstStyle/>
+          <a:p>
+            <a:pPr algn="ctr"/>
+            <a:endParaRPr lang="fr-FR"/>
+          </a:p>
+        </p:txBody>
+      </p:sp>
+      <p:sp>
+        <p:nvSpPr>
+          <p:cNvPr id="54" name="ZoneTexte 53"/>
+          <p:cNvSpPr txBox="1"/>
+          <p:nvPr/>
+        </p:nvSpPr>
+        <p:spPr>
+          <a:xfrm>
+            <a:off x="503548" y="3244369"/>
+            <a:ext cx="468052" cy="276999"/>
+          </a:xfrm>
+          <a:prstGeom prst="rect">
+            <a:avLst/>
+          </a:prstGeom>
+          <a:noFill/>
+        </p:spPr>
+        <p:txBody>
+          <a:bodyPr wrap="square" rtlCol="0">
+            <a:spAutoFit/>
+          </a:bodyPr>
+          <a:lstStyle/>
+          <a:p>
+            <a:r>
+              <a:rPr lang="fr-FR" sz="1200" dirty="0" smtClean="0"/>
+              <a:t>dot</a:t>
+            </a:r>
+            <a:endParaRPr lang="fr-FR" sz="1200" dirty="0"/>
+          </a:p>
+        </p:txBody>
+      </p:sp>
+      <p:sp>
+        <p:nvSpPr>
+          <p:cNvPr id="56" name="ZoneTexte 55"/>
+          <p:cNvSpPr txBox="1"/>
+          <p:nvPr/>
+        </p:nvSpPr>
+        <p:spPr>
+          <a:xfrm>
+            <a:off x="6444208" y="3579438"/>
+            <a:ext cx="468052" cy="276999"/>
+          </a:xfrm>
+          <a:prstGeom prst="rect">
+            <a:avLst/>
+          </a:prstGeom>
+          <a:noFill/>
+        </p:spPr>
+        <p:txBody>
+          <a:bodyPr wrap="square" rtlCol="0">
+            <a:spAutoFit/>
+          </a:bodyPr>
+          <a:lstStyle/>
+          <a:p>
+            <a:r>
+              <a:rPr lang="fr-FR" sz="1200" dirty="0" smtClean="0"/>
+              <a:t>dot</a:t>
+            </a:r>
+            <a:endParaRPr lang="fr-FR" sz="1200" dirty="0"/>
+          </a:p>
+        </p:txBody>
+      </p:sp>
+      <p:sp>
+        <p:nvSpPr>
+          <p:cNvPr id="57" name="ZoneTexte 56"/>
+          <p:cNvSpPr txBox="1"/>
+          <p:nvPr/>
+        </p:nvSpPr>
+        <p:spPr>
+          <a:xfrm>
+            <a:off x="7020272" y="3579438"/>
+            <a:ext cx="584446" cy="276999"/>
+          </a:xfrm>
+          <a:prstGeom prst="rect">
+            <a:avLst/>
+          </a:prstGeom>
+          <a:noFill/>
+        </p:spPr>
+        <p:txBody>
+          <a:bodyPr wrap="square" rtlCol="0">
+            <a:spAutoFit/>
+          </a:bodyPr>
+          <a:lstStyle/>
+          <a:p>
+            <a:r>
+              <a:rPr lang="fr-FR" sz="1200" dirty="0" err="1" smtClean="0"/>
+              <a:t>notch</a:t>
+            </a:r>
+            <a:endParaRPr lang="fr-FR" sz="1200" dirty="0"/>
+          </a:p>
+        </p:txBody>
+      </p:sp>
+      <p:sp>
+        <p:nvSpPr>
+          <p:cNvPr id="58" name="ZoneTexte 57"/>
+          <p:cNvSpPr txBox="1"/>
+          <p:nvPr/>
+        </p:nvSpPr>
+        <p:spPr>
+          <a:xfrm>
+            <a:off x="3491880" y="4371526"/>
+            <a:ext cx="468052" cy="276999"/>
+          </a:xfrm>
+          <a:prstGeom prst="rect">
+            <a:avLst/>
+          </a:prstGeom>
+          <a:noFill/>
+        </p:spPr>
+        <p:txBody>
+          <a:bodyPr wrap="square" rtlCol="0">
+            <a:spAutoFit/>
+          </a:bodyPr>
+          <a:lstStyle/>
+          <a:p>
+            <a:r>
+              <a:rPr lang="fr-FR" sz="1200" dirty="0" smtClean="0"/>
+              <a:t>dot</a:t>
+            </a:r>
+            <a:endParaRPr lang="fr-FR" sz="1200" dirty="0"/>
+          </a:p>
+        </p:txBody>
+      </p:sp>
+      <p:sp>
+        <p:nvSpPr>
+          <p:cNvPr id="55" name="ZoneTexte 54"/>
+          <p:cNvSpPr txBox="1"/>
+          <p:nvPr/>
+        </p:nvSpPr>
+        <p:spPr>
+          <a:xfrm rot="16200000">
+            <a:off x="95043" y="1996691"/>
+            <a:ext cx="1710725" cy="461665"/>
+          </a:xfrm>
+          <a:prstGeom prst="rect">
+            <a:avLst/>
+          </a:prstGeom>
+          <a:noFill/>
+        </p:spPr>
+        <p:txBody>
+          <a:bodyPr wrap="none" rtlCol="0">
+            <a:spAutoFit/>
+          </a:bodyPr>
+          <a:lstStyle/>
+          <a:p>
+            <a:pPr algn="ctr"/>
+            <a:r>
+              <a:rPr lang="fr-FR" sz="2400" dirty="0" smtClean="0"/>
+              <a:t>AM29F080B</a:t>
+            </a:r>
+            <a:endParaRPr lang="fr-FR" sz="2400" dirty="0"/>
+          </a:p>
+        </p:txBody>
+      </p:sp>
+      <p:sp>
+        <p:nvSpPr>
+          <p:cNvPr id="59" name="ZoneTexte 58"/>
+          <p:cNvSpPr txBox="1"/>
+          <p:nvPr/>
+        </p:nvSpPr>
+        <p:spPr>
+          <a:xfrm rot="16200000">
+            <a:off x="5976646" y="2667815"/>
+            <a:ext cx="1540806" cy="461665"/>
+          </a:xfrm>
+          <a:prstGeom prst="rect">
+            <a:avLst/>
+          </a:prstGeom>
+          <a:noFill/>
+        </p:spPr>
+        <p:txBody>
+          <a:bodyPr wrap="none" rtlCol="0">
+            <a:spAutoFit/>
+          </a:bodyPr>
+          <a:lstStyle/>
+          <a:p>
+            <a:pPr algn="ctr"/>
+            <a:r>
+              <a:rPr lang="fr-FR" sz="2400" dirty="0" smtClean="0"/>
+              <a:t>FM28V100</a:t>
+            </a:r>
+            <a:endParaRPr lang="fr-FR" sz="2400" dirty="0"/>
+          </a:p>
+        </p:txBody>
+      </p:sp>
+      <p:sp>
+        <p:nvSpPr>
+          <p:cNvPr id="60" name="ZoneTexte 59"/>
+          <p:cNvSpPr txBox="1"/>
+          <p:nvPr/>
+        </p:nvSpPr>
+        <p:spPr>
+          <a:xfrm rot="16200000">
+            <a:off x="185028" y="2061753"/>
+            <a:ext cx="2160240" cy="276999"/>
+          </a:xfrm>
+          <a:prstGeom prst="rect">
+            <a:avLst/>
+          </a:prstGeom>
+          <a:noFill/>
+        </p:spPr>
+        <p:txBody>
+          <a:bodyPr wrap="square" rtlCol="0">
+            <a:spAutoFit/>
+          </a:bodyPr>
+          <a:lstStyle/>
+          <a:p>
+            <a:r>
+              <a:rPr lang="fr-FR" sz="1200" dirty="0" err="1" smtClean="0"/>
+              <a:t>Text</a:t>
+            </a:r>
+            <a:r>
+              <a:rPr lang="fr-FR" sz="1200" dirty="0" smtClean="0"/>
+              <a:t> orientation must </a:t>
+            </a:r>
+            <a:r>
+              <a:rPr lang="fr-FR" sz="1200" dirty="0" err="1" smtClean="0"/>
+              <a:t>coincide</a:t>
+            </a:r>
+            <a:endParaRPr lang="fr-FR" sz="1200" dirty="0"/>
+          </a:p>
+        </p:txBody>
+      </p:sp>
+      <p:sp>
+        <p:nvSpPr>
+          <p:cNvPr id="61" name="ZoneTexte 60"/>
+          <p:cNvSpPr txBox="1"/>
+          <p:nvPr/>
+        </p:nvSpPr>
+        <p:spPr>
+          <a:xfrm rot="16200000">
+            <a:off x="6387008" y="2725504"/>
+            <a:ext cx="1440161" cy="461665"/>
+          </a:xfrm>
+          <a:prstGeom prst="rect">
+            <a:avLst/>
+          </a:prstGeom>
+          <a:noFill/>
+        </p:spPr>
+        <p:txBody>
+          <a:bodyPr wrap="square" rtlCol="0">
+            <a:spAutoFit/>
+          </a:bodyPr>
+          <a:lstStyle/>
+          <a:p>
+            <a:pPr algn="ctr"/>
+            <a:r>
+              <a:rPr lang="fr-FR" sz="1200" dirty="0" err="1" smtClean="0"/>
+              <a:t>Text</a:t>
+            </a:r>
+            <a:r>
+              <a:rPr lang="fr-FR" sz="1200" dirty="0" smtClean="0"/>
+              <a:t> orientation must </a:t>
+            </a:r>
+            <a:r>
+              <a:rPr lang="fr-FR" sz="1200" dirty="0" err="1" smtClean="0"/>
+              <a:t>coincide</a:t>
+            </a:r>
+            <a:endParaRPr lang="fr-FR" sz="1200" dirty="0"/>
+          </a:p>
+        </p:txBody>
+      </p:sp>
+      <p:sp>
+        <p:nvSpPr>
+          <p:cNvPr id="62" name="ZoneTexte 61"/>
+          <p:cNvSpPr txBox="1"/>
+          <p:nvPr/>
+        </p:nvSpPr>
+        <p:spPr>
+          <a:xfrm>
+            <a:off x="6840252" y="976117"/>
+            <a:ext cx="792088" cy="276999"/>
+          </a:xfrm>
+          <a:prstGeom prst="rect">
+            <a:avLst/>
+          </a:prstGeom>
+          <a:noFill/>
+        </p:spPr>
+        <p:txBody>
+          <a:bodyPr wrap="square" rtlCol="0">
+            <a:spAutoFit/>
+          </a:bodyPr>
+          <a:lstStyle/>
+          <a:p>
+            <a:r>
+              <a:rPr lang="fr-FR" sz="1200" dirty="0" err="1" smtClean="0"/>
+              <a:t>Inverter</a:t>
+            </a:r>
+            <a:endParaRPr lang="fr-FR" sz="1200" dirty="0"/>
+          </a:p>
+        </p:txBody>
+      </p:sp>
+      <p:sp>
+        <p:nvSpPr>
+          <p:cNvPr id="63" name="ZoneTexte 62"/>
+          <p:cNvSpPr txBox="1"/>
+          <p:nvPr/>
+        </p:nvSpPr>
+        <p:spPr>
+          <a:xfrm>
+            <a:off x="5256076" y="8620"/>
+            <a:ext cx="792088" cy="276999"/>
+          </a:xfrm>
+          <a:prstGeom prst="rect">
+            <a:avLst/>
+          </a:prstGeom>
+          <a:noFill/>
+        </p:spPr>
+        <p:txBody>
+          <a:bodyPr wrap="square" rtlCol="0">
+            <a:spAutoFit/>
+          </a:bodyPr>
+          <a:lstStyle/>
+          <a:p>
+            <a:r>
+              <a:rPr lang="fr-FR" sz="1200" dirty="0" err="1" smtClean="0"/>
+              <a:t>Regulator</a:t>
+            </a:r>
+            <a:endParaRPr lang="fr-FR" sz="1200" dirty="0"/>
+          </a:p>
+        </p:txBody>
+      </p:sp>
+      <p:sp>
+        <p:nvSpPr>
+          <p:cNvPr id="64" name="ZoneTexte 63"/>
+          <p:cNvSpPr txBox="1"/>
+          <p:nvPr/>
+        </p:nvSpPr>
+        <p:spPr>
+          <a:xfrm>
+            <a:off x="3239852" y="3969060"/>
+            <a:ext cx="2160240" cy="276999"/>
+          </a:xfrm>
+          <a:prstGeom prst="rect">
+            <a:avLst/>
+          </a:prstGeom>
+          <a:noFill/>
+        </p:spPr>
+        <p:txBody>
+          <a:bodyPr wrap="square" rtlCol="0">
+            <a:spAutoFit/>
+          </a:bodyPr>
+          <a:lstStyle/>
+          <a:p>
+            <a:pPr algn="ctr"/>
+            <a:r>
+              <a:rPr lang="fr-FR" sz="1200" dirty="0" err="1" smtClean="0"/>
+              <a:t>Text</a:t>
+            </a:r>
+            <a:r>
+              <a:rPr lang="fr-FR" sz="1200" dirty="0" smtClean="0"/>
+              <a:t> orientation must </a:t>
+            </a:r>
+            <a:r>
+              <a:rPr lang="fr-FR" sz="1200" dirty="0" err="1" smtClean="0"/>
+              <a:t>coincide</a:t>
+            </a:r>
+            <a:endParaRPr lang="fr-FR" sz="1200" dirty="0"/>
+          </a:p>
+        </p:txBody>
+      </p:sp>
+    </p:spTree>
+  </p:cSld>
+  <p:clrMapOvr>
+    <a:masterClrMapping/>
+  </p:clrMapOvr>
+  <p:timing>
+    <p:tnLst>
+      <p:par>
+        <p:cTn id="1" dur="indefinite" restart="never" nodeType="tmRoot"/>
+      </p:par>
+    </p:tnLst>
+  </p:timing>
+</p:sld>
+</file>
+
+<file path=ppt/slides/slide3.xml><?xml version="1.0" encoding="utf-8"?>
+<p:sld xmlns:a="http://schemas.openxmlformats.org/drawingml/2006/main" xmlns:r="http://schemas.openxmlformats.org/officeDocument/2006/relationships" xmlns:p="http://schemas.openxmlformats.org/presentationml/2006/main">
+  <p:cSld>
+    <p:spTree>
+      <p:nvGrpSpPr>
+        <p:cNvPr id="1" name=""/>
+        <p:cNvGrpSpPr/>
+        <p:nvPr/>
+      </p:nvGrpSpPr>
+      <p:grpSpPr>
+        <a:xfrm>
+          <a:off x="0" y="0"/>
+          <a:ext cx="0" cy="0"/>
+          <a:chOff x="0" y="0"/>
+          <a:chExt cx="0" cy="0"/>
+        </a:xfrm>
+      </p:grpSpPr>
+      <p:pic>
+        <p:nvPicPr>
           <p:cNvPr id="1026" name="Picture 2"/>
           <p:cNvPicPr>
             <a:picLocks noChangeAspect="1" noChangeArrowheads="1"/>
@@ -5723,7 +6126,7 @@
 </p:sld>
 </file>
 
-<file path=ppt/slides/slide3.xml><?xml version="1.0" encoding="utf-8"?>
+<file path=ppt/slides/slide4.xml><?xml version="1.0" encoding="utf-8"?>
 <p:sld xmlns:a="http://schemas.openxmlformats.org/drawingml/2006/main" xmlns:r="http://schemas.openxmlformats.org/officeDocument/2006/relationships" xmlns:p="http://schemas.openxmlformats.org/presentationml/2006/main">
   <p:cSld>
     <p:spTree>
@@ -5781,7 +6184,7 @@
 </p:sld>
 </file>
 
-<file path=ppt/slides/slide4.xml><?xml version="1.0" encoding="utf-8"?>
+<file path=ppt/slides/slide5.xml><?xml version="1.0" encoding="utf-8"?>
 <p:sld xmlns:a="http://schemas.openxmlformats.org/drawingml/2006/main" xmlns:r="http://schemas.openxmlformats.org/officeDocument/2006/relationships" xmlns:p="http://schemas.openxmlformats.org/presentationml/2006/main">
   <p:cSld>
     <p:spTree>
@@ -5800,7 +6203,7 @@
       </p:grpSpPr>
       <p:pic>
         <p:nvPicPr>
-          <p:cNvPr id="1028" name="Picture 4" descr="C:\Users\BOICHOT\Downloads\IMG_20240726_184112.jpg"/>
+          <p:cNvPr id="1027" name="Picture 3" descr="C:\Users\BOICHOT\Downloads\IMG_20240808_091442.jpg"/>
           <p:cNvPicPr>
             <a:picLocks noChangeAspect="1" noChangeArrowheads="1"/>
           </p:cNvPicPr>
@@ -5815,8 +6218,8 @@
         </p:blipFill>
         <p:spPr bwMode="auto">
           <a:xfrm>
-            <a:off x="4716015" y="0"/>
-            <a:ext cx="4237339" cy="6489340"/>
+            <a:off x="0" y="0"/>
+            <a:ext cx="4328911" cy="6345324"/>
           </a:xfrm>
           <a:prstGeom prst="rect">
             <a:avLst/>
@@ -5826,7 +6229,7 @@
       </p:pic>
       <p:pic>
         <p:nvPicPr>
-          <p:cNvPr id="1027" name="Picture 3" descr="C:\Users\BOICHOT\Downloads\IMG_20240808_091442.jpg"/>
+          <p:cNvPr id="1026" name="Picture 2" descr="C:\Users\BOICHOT\Desktop\IMG_20240818_100202.jpg"/>
           <p:cNvPicPr>
             <a:picLocks noChangeAspect="1" noChangeArrowheads="1"/>
           </p:cNvPicPr>
@@ -5841,8 +6244,8 @@
         </p:blipFill>
         <p:spPr bwMode="auto">
           <a:xfrm>
-            <a:off x="215516" y="0"/>
-            <a:ext cx="4439858" cy="6507950"/>
+            <a:off x="4427984" y="0"/>
+            <a:ext cx="4716016" cy="6288021"/>
           </a:xfrm>
           <a:prstGeom prst="rect">
             <a:avLst/>
@@ -5865,7 +6268,7 @@
 </p:sld>
 </file>
 
-<file path=ppt/slides/slide5.xml><?xml version="1.0" encoding="utf-8"?>
+<file path=ppt/slides/slide6.xml><?xml version="1.0" encoding="utf-8"?>
 <p:sld xmlns:a="http://schemas.openxmlformats.org/drawingml/2006/main" xmlns:r="http://schemas.openxmlformats.org/officeDocument/2006/relationships" xmlns:p="http://schemas.openxmlformats.org/presentationml/2006/main">
   <p:cSld>
     <p:spTree>

--- a/Images/Components_placement.pptx
+++ b/Images/Components_placement.pptx
@@ -114,7 +114,7 @@
   </p:defaultTextStyle>
   <p:extLst>
     <p:ext uri="{EFAFB233-063F-42B5-8137-9DF3F51BA10A}">
-      <p15:sldGuideLst xmlns:p15="http://schemas.microsoft.com/office/powerpoint/2012/main" xmlns="">
+      <p15:sldGuideLst xmlns="" xmlns:p15="http://schemas.microsoft.com/office/powerpoint/2012/main">
         <p15:guide id="1" orient="horz" pos="2160">
           <p15:clr>
             <a:srgbClr val="A4A3A4"/>
@@ -3531,7 +3531,7 @@
         </p:blipFill>
         <p:spPr bwMode="auto">
           <a:xfrm>
-            <a:off x="539552" y="2024844"/>
+            <a:off x="539552" y="2679303"/>
             <a:ext cx="3778090" cy="3320988"/>
           </a:xfrm>
           <a:prstGeom prst="rect">
@@ -3554,7 +3554,7 @@
         </p:nvSpPr>
         <p:spPr>
           <a:xfrm>
-            <a:off x="1223628" y="5265204"/>
+            <a:off x="1223628" y="5919663"/>
             <a:ext cx="2484276" cy="461665"/>
           </a:xfrm>
           <a:prstGeom prst="rect">
@@ -3585,7 +3585,7 @@
         </p:nvSpPr>
         <p:spPr>
           <a:xfrm>
-            <a:off x="5508104" y="5265204"/>
+            <a:off x="5508104" y="5919663"/>
             <a:ext cx="2484276" cy="461665"/>
           </a:xfrm>
           <a:prstGeom prst="rect">
@@ -3636,7 +3636,7 @@
         </p:blipFill>
         <p:spPr bwMode="auto">
           <a:xfrm>
-            <a:off x="4644008" y="224644"/>
+            <a:off x="4644008" y="879103"/>
             <a:ext cx="3939331" cy="5124679"/>
           </a:xfrm>
           <a:prstGeom prst="rect">
@@ -3651,6 +3651,278 @@
           </a:ln>
         </p:spPr>
       </p:pic>
+      <p:pic>
+        <p:nvPicPr>
+          <p:cNvPr id="3" name="Picture 2"/>
+          <p:cNvPicPr>
+            <a:picLocks noChangeAspect="1" noChangeArrowheads="1"/>
+          </p:cNvPicPr>
+          <p:nvPr/>
+        </p:nvPicPr>
+        <p:blipFill>
+          <a:blip r:embed="rId4" cstate="print"/>
+          <a:srcRect/>
+          <a:stretch>
+            <a:fillRect/>
+          </a:stretch>
+        </p:blipFill>
+        <p:spPr bwMode="auto">
+          <a:xfrm>
+            <a:off x="1223628" y="980728"/>
+            <a:ext cx="2376264" cy="1046993"/>
+          </a:xfrm>
+          <a:prstGeom prst="rect">
+            <a:avLst/>
+          </a:prstGeom>
+          <a:noFill/>
+          <a:ln w="9525">
+            <a:noFill/>
+            <a:miter lim="800000"/>
+            <a:headEnd/>
+            <a:tailEnd/>
+          </a:ln>
+        </p:spPr>
+      </p:pic>
+      <p:sp>
+        <p:nvSpPr>
+          <p:cNvPr id="7" name="ZoneTexte 6"/>
+          <p:cNvSpPr txBox="1"/>
+          <p:nvPr/>
+        </p:nvSpPr>
+        <p:spPr>
+          <a:xfrm>
+            <a:off x="791580" y="620688"/>
+            <a:ext cx="3636404" cy="369332"/>
+          </a:xfrm>
+          <a:prstGeom prst="rect">
+            <a:avLst/>
+          </a:prstGeom>
+          <a:noFill/>
+        </p:spPr>
+        <p:txBody>
+          <a:bodyPr wrap="square" rtlCol="0">
+            <a:spAutoFit/>
+          </a:bodyPr>
+          <a:lstStyle/>
+          <a:p>
+            <a:r>
+              <a:rPr lang="fr-FR" b="1" dirty="0" err="1" smtClean="0">
+                <a:solidFill>
+                  <a:srgbClr val="FF0000"/>
+                </a:solidFill>
+              </a:rPr>
+              <a:t>Footprint</a:t>
+            </a:r>
+            <a:r>
+              <a:rPr lang="fr-FR" b="1" dirty="0" smtClean="0">
+                <a:solidFill>
+                  <a:srgbClr val="FF0000"/>
+                </a:solidFill>
+              </a:rPr>
+              <a:t> for vertical JST </a:t>
+            </a:r>
+            <a:r>
+              <a:rPr lang="fr-FR" b="1" dirty="0" err="1" smtClean="0">
+                <a:solidFill>
+                  <a:srgbClr val="FF0000"/>
+                </a:solidFill>
+              </a:rPr>
+              <a:t>connector</a:t>
+            </a:r>
+            <a:r>
+              <a:rPr lang="fr-FR" b="1" dirty="0" smtClean="0">
+                <a:solidFill>
+                  <a:srgbClr val="FF0000"/>
+                </a:solidFill>
+              </a:rPr>
+              <a:t> </a:t>
+            </a:r>
+            <a:endParaRPr lang="fr-FR" b="1" dirty="0">
+              <a:solidFill>
+                <a:srgbClr val="FF0000"/>
+              </a:solidFill>
+            </a:endParaRPr>
+          </a:p>
+        </p:txBody>
+      </p:sp>
+      <p:sp>
+        <p:nvSpPr>
+          <p:cNvPr id="8" name="ZoneTexte 7"/>
+          <p:cNvSpPr txBox="1"/>
+          <p:nvPr/>
+        </p:nvSpPr>
+        <p:spPr>
+          <a:xfrm>
+            <a:off x="683568" y="1907540"/>
+            <a:ext cx="3888432" cy="369332"/>
+          </a:xfrm>
+          <a:prstGeom prst="rect">
+            <a:avLst/>
+          </a:prstGeom>
+          <a:noFill/>
+        </p:spPr>
+        <p:txBody>
+          <a:bodyPr wrap="square" rtlCol="0">
+            <a:spAutoFit/>
+          </a:bodyPr>
+          <a:lstStyle/>
+          <a:p>
+            <a:r>
+              <a:rPr lang="fr-FR" b="1" dirty="0" err="1" smtClean="0">
+                <a:solidFill>
+                  <a:srgbClr val="0000FF"/>
+                </a:solidFill>
+              </a:rPr>
+              <a:t>Footprint</a:t>
+            </a:r>
+            <a:r>
+              <a:rPr lang="fr-FR" b="1" dirty="0" smtClean="0">
+                <a:solidFill>
+                  <a:srgbClr val="0000FF"/>
+                </a:solidFill>
+              </a:rPr>
+              <a:t> for horizontal JST </a:t>
+            </a:r>
+            <a:r>
+              <a:rPr lang="fr-FR" b="1" dirty="0" err="1" smtClean="0">
+                <a:solidFill>
+                  <a:srgbClr val="0000FF"/>
+                </a:solidFill>
+              </a:rPr>
+              <a:t>connector</a:t>
+            </a:r>
+            <a:r>
+              <a:rPr lang="fr-FR" b="1" dirty="0" smtClean="0">
+                <a:solidFill>
+                  <a:srgbClr val="0000FF"/>
+                </a:solidFill>
+              </a:rPr>
+              <a:t> </a:t>
+            </a:r>
+            <a:endParaRPr lang="fr-FR" b="1" dirty="0">
+              <a:solidFill>
+                <a:srgbClr val="0000FF"/>
+              </a:solidFill>
+            </a:endParaRPr>
+          </a:p>
+        </p:txBody>
+      </p:sp>
+      <p:sp>
+        <p:nvSpPr>
+          <p:cNvPr id="9" name="ZoneTexte 8"/>
+          <p:cNvSpPr txBox="1"/>
+          <p:nvPr/>
+        </p:nvSpPr>
+        <p:spPr>
+          <a:xfrm>
+            <a:off x="5436096" y="620688"/>
+            <a:ext cx="2484276" cy="369332"/>
+          </a:xfrm>
+          <a:prstGeom prst="rect">
+            <a:avLst/>
+          </a:prstGeom>
+          <a:noFill/>
+        </p:spPr>
+        <p:txBody>
+          <a:bodyPr wrap="square" rtlCol="0">
+            <a:spAutoFit/>
+          </a:bodyPr>
+          <a:lstStyle/>
+          <a:p>
+            <a:r>
+              <a:rPr lang="fr-FR" b="1" dirty="0" smtClean="0"/>
+              <a:t>Vertical </a:t>
+            </a:r>
+            <a:r>
+              <a:rPr lang="fr-FR" b="1" dirty="0" err="1" smtClean="0"/>
+              <a:t>connector</a:t>
+            </a:r>
+            <a:r>
+              <a:rPr lang="fr-FR" b="1" dirty="0" smtClean="0"/>
+              <a:t> </a:t>
+            </a:r>
+            <a:r>
+              <a:rPr lang="fr-FR" b="1" dirty="0" err="1" smtClean="0"/>
+              <a:t>only</a:t>
+            </a:r>
+            <a:r>
+              <a:rPr lang="fr-FR" b="1" dirty="0" smtClean="0"/>
+              <a:t> </a:t>
+            </a:r>
+            <a:endParaRPr lang="fr-FR" b="1" dirty="0"/>
+          </a:p>
+        </p:txBody>
+      </p:sp>
+      <p:cxnSp>
+        <p:nvCxnSpPr>
+          <p:cNvPr id="11" name="Connecteur droit avec flèche 10"/>
+          <p:cNvCxnSpPr/>
+          <p:nvPr/>
+        </p:nvCxnSpPr>
+        <p:spPr>
+          <a:xfrm flipH="1">
+            <a:off x="7236296" y="2276872"/>
+            <a:ext cx="324036" cy="324036"/>
+          </a:xfrm>
+          <a:prstGeom prst="straightConnector1">
+            <a:avLst/>
+          </a:prstGeom>
+          <a:ln w="38100">
+            <a:solidFill>
+              <a:schemeClr val="tx1"/>
+            </a:solidFill>
+            <a:tailEnd type="arrow"/>
+          </a:ln>
+        </p:spPr>
+        <p:style>
+          <a:lnRef idx="1">
+            <a:schemeClr val="accent1"/>
+          </a:lnRef>
+          <a:fillRef idx="0">
+            <a:schemeClr val="accent1"/>
+          </a:fillRef>
+          <a:effectRef idx="0">
+            <a:schemeClr val="accent1"/>
+          </a:effectRef>
+          <a:fontRef idx="minor">
+            <a:schemeClr val="tx1"/>
+          </a:fontRef>
+        </p:style>
+      </p:cxnSp>
+      <p:sp>
+        <p:nvSpPr>
+          <p:cNvPr id="12" name="ZoneTexte 11"/>
+          <p:cNvSpPr txBox="1"/>
+          <p:nvPr/>
+        </p:nvSpPr>
+        <p:spPr>
+          <a:xfrm>
+            <a:off x="7488324" y="2024844"/>
+            <a:ext cx="1548172" cy="369332"/>
+          </a:xfrm>
+          <a:prstGeom prst="rect">
+            <a:avLst/>
+          </a:prstGeom>
+          <a:noFill/>
+        </p:spPr>
+        <p:txBody>
+          <a:bodyPr wrap="square" rtlCol="0">
+            <a:spAutoFit/>
+          </a:bodyPr>
+          <a:lstStyle/>
+          <a:p>
+            <a:r>
+              <a:rPr lang="fr-FR" b="1" dirty="0" err="1" smtClean="0"/>
+              <a:t>Breaking</a:t>
+            </a:r>
+            <a:r>
+              <a:rPr lang="fr-FR" b="1" dirty="0" smtClean="0"/>
+              <a:t> area</a:t>
+            </a:r>
+            <a:endParaRPr lang="fr-FR" b="1" dirty="0"/>
+          </a:p>
+        </p:txBody>
+      </p:sp>
     </p:spTree>
   </p:cSld>
   <p:clrMapOvr>

--- a/Images/Components_placement.pptx
+++ b/Images/Components_placement.pptx
@@ -5,15 +5,16 @@
     <p:sldMasterId id="2147483648" r:id="rId1"/>
   </p:sldMasterIdLst>
   <p:notesMasterIdLst>
-    <p:notesMasterId r:id="rId8"/>
+    <p:notesMasterId r:id="rId9"/>
   </p:notesMasterIdLst>
   <p:sldIdLst>
     <p:sldId id="263" r:id="rId2"/>
     <p:sldId id="256" r:id="rId3"/>
-    <p:sldId id="257" r:id="rId4"/>
-    <p:sldId id="259" r:id="rId5"/>
-    <p:sldId id="260" r:id="rId6"/>
-    <p:sldId id="261" r:id="rId7"/>
+    <p:sldId id="264" r:id="rId4"/>
+    <p:sldId id="257" r:id="rId5"/>
+    <p:sldId id="259" r:id="rId6"/>
+    <p:sldId id="260" r:id="rId7"/>
+    <p:sldId id="261" r:id="rId8"/>
   </p:sldIdLst>
   <p:sldSz cx="9144000" cy="6858000" type="screen4x3"/>
   <p:notesSz cx="6858000" cy="9144000"/>
@@ -214,7 +215,7 @@
             <a:fld id="{A4CD03C6-B7C6-4D54-8E69-F4362402F3FB}" type="datetimeFigureOut">
               <a:rPr lang="fr-FR" smtClean="0"/>
               <a:pPr/>
-              <a:t>20/08/2024</a:t>
+              <a:t>31/08/2024</a:t>
             </a:fld>
             <a:endParaRPr lang="fr-FR"/>
           </a:p>
@@ -548,7 +549,7 @@
             <a:fld id="{65CA9848-1B97-4C5C-BFD7-EEB3B7C77D4F}" type="slidenum">
               <a:rPr lang="fr-FR" smtClean="0"/>
               <a:pPr/>
-              <a:t>5</a:t>
+              <a:t>6</a:t>
             </a:fld>
             <a:endParaRPr lang="fr-FR"/>
           </a:p>
@@ -744,7 +745,7 @@
             <a:fld id="{AA309A6D-C09C-4548-B29A-6CF363A7E532}" type="datetimeFigureOut">
               <a:rPr lang="fr-FR" smtClean="0"/>
               <a:pPr/>
-              <a:t>20/08/2024</a:t>
+              <a:t>31/08/2024</a:t>
             </a:fld>
             <a:endParaRPr lang="fr-BE"/>
           </a:p>
@@ -911,7 +912,7 @@
             <a:fld id="{AA309A6D-C09C-4548-B29A-6CF363A7E532}" type="datetimeFigureOut">
               <a:rPr lang="fr-FR" smtClean="0"/>
               <a:pPr/>
-              <a:t>20/08/2024</a:t>
+              <a:t>31/08/2024</a:t>
             </a:fld>
             <a:endParaRPr lang="fr-BE"/>
           </a:p>
@@ -1088,7 +1089,7 @@
             <a:fld id="{AA309A6D-C09C-4548-B29A-6CF363A7E532}" type="datetimeFigureOut">
               <a:rPr lang="fr-FR" smtClean="0"/>
               <a:pPr/>
-              <a:t>20/08/2024</a:t>
+              <a:t>31/08/2024</a:t>
             </a:fld>
             <a:endParaRPr lang="fr-BE"/>
           </a:p>
@@ -1255,7 +1256,7 @@
             <a:fld id="{AA309A6D-C09C-4548-B29A-6CF363A7E532}" type="datetimeFigureOut">
               <a:rPr lang="fr-FR" smtClean="0"/>
               <a:pPr/>
-              <a:t>20/08/2024</a:t>
+              <a:t>31/08/2024</a:t>
             </a:fld>
             <a:endParaRPr lang="fr-BE"/>
           </a:p>
@@ -1498,7 +1499,7 @@
             <a:fld id="{AA309A6D-C09C-4548-B29A-6CF363A7E532}" type="datetimeFigureOut">
               <a:rPr lang="fr-FR" smtClean="0"/>
               <a:pPr/>
-              <a:t>20/08/2024</a:t>
+              <a:t>31/08/2024</a:t>
             </a:fld>
             <a:endParaRPr lang="fr-BE"/>
           </a:p>
@@ -1783,7 +1784,7 @@
             <a:fld id="{AA309A6D-C09C-4548-B29A-6CF363A7E532}" type="datetimeFigureOut">
               <a:rPr lang="fr-FR" smtClean="0"/>
               <a:pPr/>
-              <a:t>20/08/2024</a:t>
+              <a:t>31/08/2024</a:t>
             </a:fld>
             <a:endParaRPr lang="fr-BE"/>
           </a:p>
@@ -2202,7 +2203,7 @@
             <a:fld id="{AA309A6D-C09C-4548-B29A-6CF363A7E532}" type="datetimeFigureOut">
               <a:rPr lang="fr-FR" smtClean="0"/>
               <a:pPr/>
-              <a:t>20/08/2024</a:t>
+              <a:t>31/08/2024</a:t>
             </a:fld>
             <a:endParaRPr lang="fr-BE"/>
           </a:p>
@@ -2317,7 +2318,7 @@
             <a:fld id="{AA309A6D-C09C-4548-B29A-6CF363A7E532}" type="datetimeFigureOut">
               <a:rPr lang="fr-FR" smtClean="0"/>
               <a:pPr/>
-              <a:t>20/08/2024</a:t>
+              <a:t>31/08/2024</a:t>
             </a:fld>
             <a:endParaRPr lang="fr-BE"/>
           </a:p>
@@ -2409,7 +2410,7 @@
             <a:fld id="{AA309A6D-C09C-4548-B29A-6CF363A7E532}" type="datetimeFigureOut">
               <a:rPr lang="fr-FR" smtClean="0"/>
               <a:pPr/>
-              <a:t>20/08/2024</a:t>
+              <a:t>31/08/2024</a:t>
             </a:fld>
             <a:endParaRPr lang="fr-BE"/>
           </a:p>
@@ -2683,7 +2684,7 @@
             <a:fld id="{AA309A6D-C09C-4548-B29A-6CF363A7E532}" type="datetimeFigureOut">
               <a:rPr lang="fr-FR" smtClean="0"/>
               <a:pPr/>
-              <a:t>20/08/2024</a:t>
+              <a:t>31/08/2024</a:t>
             </a:fld>
             <a:endParaRPr lang="fr-BE"/>
           </a:p>
@@ -2933,7 +2934,7 @@
             <a:fld id="{AA309A6D-C09C-4548-B29A-6CF363A7E532}" type="datetimeFigureOut">
               <a:rPr lang="fr-FR" smtClean="0"/>
               <a:pPr/>
-              <a:t>20/08/2024</a:t>
+              <a:t>31/08/2024</a:t>
             </a:fld>
             <a:endParaRPr lang="fr-BE"/>
           </a:p>
@@ -3143,7 +3144,7 @@
             <a:fld id="{AA309A6D-C09C-4548-B29A-6CF363A7E532}" type="datetimeFigureOut">
               <a:rPr lang="fr-FR" smtClean="0"/>
               <a:pPr/>
-              <a:t>20/08/2024</a:t>
+              <a:t>31/08/2024</a:t>
             </a:fld>
             <a:endParaRPr lang="fr-BE"/>
           </a:p>
@@ -6321,7 +6322,7 @@
       </p:grpSpPr>
       <p:pic>
         <p:nvPicPr>
-          <p:cNvPr id="1026" name="Picture 2"/>
+          <p:cNvPr id="1026" name="Picture 2" descr="C:\Users\BOICHOT\Downloads\GB_Mini_Camera-main\Component_placement.png"/>
           <p:cNvPicPr>
             <a:picLocks noChangeAspect="1" noChangeArrowheads="1"/>
           </p:cNvPicPr>
@@ -6336,53 +6337,2233 @@
         </p:blipFill>
         <p:spPr bwMode="auto">
           <a:xfrm>
-            <a:off x="-1" y="0"/>
-            <a:ext cx="4263085" cy="3573016"/>
+            <a:off x="179512" y="184029"/>
+            <a:ext cx="7524882" cy="6593343"/>
           </a:xfrm>
           <a:prstGeom prst="rect">
             <a:avLst/>
           </a:prstGeom>
           <a:noFill/>
-          <a:ln w="9525">
+        </p:spPr>
+      </p:pic>
+      <p:sp>
+        <p:nvSpPr>
+          <p:cNvPr id="5" name="Rectangle 4"/>
+          <p:cNvSpPr/>
+          <p:nvPr/>
+        </p:nvSpPr>
+        <p:spPr>
+          <a:xfrm>
+            <a:off x="359532" y="944725"/>
+            <a:ext cx="1476164" cy="2592288"/>
+          </a:xfrm>
+          <a:prstGeom prst="rect">
+            <a:avLst/>
+          </a:prstGeom>
+          <a:solidFill>
+            <a:schemeClr val="accent1">
+              <a:alpha val="82000"/>
+            </a:schemeClr>
+          </a:solidFill>
+          <a:ln>
+            <a:solidFill>
+              <a:schemeClr val="accent1">
+                <a:shade val="50000"/>
+              </a:schemeClr>
+            </a:solidFill>
+          </a:ln>
+        </p:spPr>
+        <p:style>
+          <a:lnRef idx="2">
+            <a:schemeClr val="accent1">
+              <a:shade val="50000"/>
+            </a:schemeClr>
+          </a:lnRef>
+          <a:fillRef idx="1">
+            <a:schemeClr val="accent1"/>
+          </a:fillRef>
+          <a:effectRef idx="0">
+            <a:schemeClr val="accent1"/>
+          </a:effectRef>
+          <a:fontRef idx="minor">
+            <a:schemeClr val="lt1"/>
+          </a:fontRef>
+        </p:style>
+        <p:txBody>
+          <a:bodyPr rtlCol="0" anchor="ctr"/>
+          <a:lstStyle/>
+          <a:p>
+            <a:pPr algn="ctr"/>
+            <a:endParaRPr lang="fr-FR" dirty="0">
+              <a:solidFill>
+                <a:schemeClr val="tx1"/>
+              </a:solidFill>
+            </a:endParaRPr>
+          </a:p>
+        </p:txBody>
+      </p:sp>
+      <p:sp>
+        <p:nvSpPr>
+          <p:cNvPr id="6" name="Ellipse 5"/>
+          <p:cNvSpPr/>
+          <p:nvPr/>
+        </p:nvSpPr>
+        <p:spPr>
+          <a:xfrm>
+            <a:off x="431540" y="3316377"/>
+            <a:ext cx="144016" cy="144016"/>
+          </a:xfrm>
+          <a:prstGeom prst="ellipse">
+            <a:avLst/>
+          </a:prstGeom>
+          <a:solidFill>
+            <a:schemeClr val="tx1"/>
+          </a:solidFill>
+          <a:ln>
             <a:noFill/>
-            <a:miter lim="800000"/>
-            <a:headEnd/>
-            <a:tailEnd/>
           </a:ln>
         </p:spPr>
-      </p:pic>
-      <p:pic>
-        <p:nvPicPr>
-          <p:cNvPr id="1027" name="Picture 3"/>
-          <p:cNvPicPr>
-            <a:picLocks noChangeAspect="1" noChangeArrowheads="1"/>
-          </p:cNvPicPr>
-          <p:nvPr/>
-        </p:nvPicPr>
-        <p:blipFill>
-          <a:blip r:embed="rId3" cstate="print"/>
-          <a:srcRect/>
-          <a:stretch>
-            <a:fillRect/>
-          </a:stretch>
-        </p:blipFill>
-        <p:spPr bwMode="auto">
-          <a:xfrm>
-            <a:off x="4319972" y="-1"/>
-            <a:ext cx="4824028" cy="3573017"/>
+        <p:style>
+          <a:lnRef idx="2">
+            <a:schemeClr val="accent1">
+              <a:shade val="50000"/>
+            </a:schemeClr>
+          </a:lnRef>
+          <a:fillRef idx="1">
+            <a:schemeClr val="accent1"/>
+          </a:fillRef>
+          <a:effectRef idx="0">
+            <a:schemeClr val="accent1"/>
+          </a:effectRef>
+          <a:fontRef idx="minor">
+            <a:schemeClr val="lt1"/>
+          </a:fontRef>
+        </p:style>
+        <p:txBody>
+          <a:bodyPr rtlCol="0" anchor="ctr"/>
+          <a:lstStyle/>
+          <a:p>
+            <a:pPr algn="ctr"/>
+            <a:endParaRPr lang="fr-FR"/>
+          </a:p>
+        </p:txBody>
+      </p:sp>
+      <p:sp>
+        <p:nvSpPr>
+          <p:cNvPr id="7" name="Rectangle 6"/>
+          <p:cNvSpPr/>
+          <p:nvPr/>
+        </p:nvSpPr>
+        <p:spPr>
+          <a:xfrm>
+            <a:off x="3347864" y="2636913"/>
+            <a:ext cx="1980220" cy="2016224"/>
+          </a:xfrm>
+          <a:prstGeom prst="rect">
+            <a:avLst/>
+          </a:prstGeom>
+          <a:solidFill>
+            <a:schemeClr val="accent1">
+              <a:alpha val="82000"/>
+            </a:schemeClr>
+          </a:solidFill>
+          <a:ln>
+            <a:solidFill>
+              <a:schemeClr val="accent1">
+                <a:shade val="50000"/>
+              </a:schemeClr>
+            </a:solidFill>
+          </a:ln>
+        </p:spPr>
+        <p:style>
+          <a:lnRef idx="2">
+            <a:schemeClr val="accent1">
+              <a:shade val="50000"/>
+            </a:schemeClr>
+          </a:lnRef>
+          <a:fillRef idx="1">
+            <a:schemeClr val="accent1"/>
+          </a:fillRef>
+          <a:effectRef idx="0">
+            <a:schemeClr val="accent1"/>
+          </a:effectRef>
+          <a:fontRef idx="minor">
+            <a:schemeClr val="lt1"/>
+          </a:fontRef>
+        </p:style>
+        <p:txBody>
+          <a:bodyPr rtlCol="0" anchor="ctr"/>
+          <a:lstStyle/>
+          <a:p>
+            <a:pPr algn="ctr"/>
+            <a:r>
+              <a:rPr lang="fr-FR" sz="2400" dirty="0" smtClean="0">
+                <a:solidFill>
+                  <a:schemeClr val="tx1"/>
+                </a:solidFill>
+              </a:rPr>
+              <a:t>MAC-GBD</a:t>
+            </a:r>
+          </a:p>
+          <a:p>
+            <a:pPr algn="ctr"/>
+            <a:r>
+              <a:rPr lang="fr-FR" sz="2400" dirty="0" smtClean="0">
+                <a:solidFill>
+                  <a:schemeClr val="tx1"/>
+                </a:solidFill>
+              </a:rPr>
+              <a:t>Nintendo</a:t>
+            </a:r>
+            <a:endParaRPr lang="fr-FR" sz="2400" dirty="0">
+              <a:solidFill>
+                <a:schemeClr val="tx1"/>
+              </a:solidFill>
+            </a:endParaRPr>
+          </a:p>
+        </p:txBody>
+      </p:sp>
+      <p:sp>
+        <p:nvSpPr>
+          <p:cNvPr id="8" name="Ellipse 7"/>
+          <p:cNvSpPr/>
+          <p:nvPr/>
+        </p:nvSpPr>
+        <p:spPr>
+          <a:xfrm>
+            <a:off x="3419872" y="4432501"/>
+            <a:ext cx="144016" cy="144016"/>
+          </a:xfrm>
+          <a:prstGeom prst="ellipse">
+            <a:avLst/>
+          </a:prstGeom>
+          <a:solidFill>
+            <a:schemeClr val="tx1"/>
+          </a:solidFill>
+          <a:ln>
+            <a:noFill/>
+          </a:ln>
+        </p:spPr>
+        <p:style>
+          <a:lnRef idx="2">
+            <a:schemeClr val="accent1">
+              <a:shade val="50000"/>
+            </a:schemeClr>
+          </a:lnRef>
+          <a:fillRef idx="1">
+            <a:schemeClr val="accent1"/>
+          </a:fillRef>
+          <a:effectRef idx="0">
+            <a:schemeClr val="accent1"/>
+          </a:effectRef>
+          <a:fontRef idx="minor">
+            <a:schemeClr val="lt1"/>
+          </a:fontRef>
+        </p:style>
+        <p:txBody>
+          <a:bodyPr rtlCol="0" anchor="ctr"/>
+          <a:lstStyle/>
+          <a:p>
+            <a:pPr algn="ctr"/>
+            <a:endParaRPr lang="fr-FR"/>
+          </a:p>
+        </p:txBody>
+      </p:sp>
+      <p:sp>
+        <p:nvSpPr>
+          <p:cNvPr id="10" name="Rectangle 9"/>
+          <p:cNvSpPr/>
+          <p:nvPr/>
+        </p:nvSpPr>
+        <p:spPr>
+          <a:xfrm>
+            <a:off x="6300192" y="2132857"/>
+            <a:ext cx="1224136" cy="1728192"/>
+          </a:xfrm>
+          <a:prstGeom prst="rect">
+            <a:avLst/>
+          </a:prstGeom>
+          <a:solidFill>
+            <a:schemeClr val="accent1">
+              <a:alpha val="82000"/>
+            </a:schemeClr>
+          </a:solidFill>
+          <a:ln>
+            <a:solidFill>
+              <a:schemeClr val="accent1">
+                <a:shade val="50000"/>
+              </a:schemeClr>
+            </a:solidFill>
+          </a:ln>
+        </p:spPr>
+        <p:style>
+          <a:lnRef idx="2">
+            <a:schemeClr val="accent1">
+              <a:shade val="50000"/>
+            </a:schemeClr>
+          </a:lnRef>
+          <a:fillRef idx="1">
+            <a:schemeClr val="accent1"/>
+          </a:fillRef>
+          <a:effectRef idx="0">
+            <a:schemeClr val="accent1"/>
+          </a:effectRef>
+          <a:fontRef idx="minor">
+            <a:schemeClr val="lt1"/>
+          </a:fontRef>
+        </p:style>
+        <p:txBody>
+          <a:bodyPr rtlCol="0" anchor="ctr"/>
+          <a:lstStyle/>
+          <a:p>
+            <a:pPr algn="ctr"/>
+            <a:endParaRPr lang="fr-FR" dirty="0">
+              <a:solidFill>
+                <a:schemeClr val="tx1"/>
+              </a:solidFill>
+            </a:endParaRPr>
+          </a:p>
+        </p:txBody>
+      </p:sp>
+      <p:sp>
+        <p:nvSpPr>
+          <p:cNvPr id="9" name="Ellipse 8"/>
+          <p:cNvSpPr/>
+          <p:nvPr/>
+        </p:nvSpPr>
+        <p:spPr>
+          <a:xfrm>
+            <a:off x="6372200" y="3640413"/>
+            <a:ext cx="144016" cy="144016"/>
+          </a:xfrm>
+          <a:prstGeom prst="ellipse">
+            <a:avLst/>
+          </a:prstGeom>
+          <a:solidFill>
+            <a:schemeClr val="tx1"/>
+          </a:solidFill>
+          <a:ln>
+            <a:noFill/>
+          </a:ln>
+        </p:spPr>
+        <p:style>
+          <a:lnRef idx="2">
+            <a:schemeClr val="accent1">
+              <a:shade val="50000"/>
+            </a:schemeClr>
+          </a:lnRef>
+          <a:fillRef idx="1">
+            <a:schemeClr val="accent1"/>
+          </a:fillRef>
+          <a:effectRef idx="0">
+            <a:schemeClr val="accent1"/>
+          </a:effectRef>
+          <a:fontRef idx="minor">
+            <a:schemeClr val="lt1"/>
+          </a:fontRef>
+        </p:style>
+        <p:txBody>
+          <a:bodyPr rtlCol="0" anchor="ctr"/>
+          <a:lstStyle/>
+          <a:p>
+            <a:pPr algn="ctr"/>
+            <a:endParaRPr lang="fr-FR"/>
+          </a:p>
+        </p:txBody>
+      </p:sp>
+      <p:sp>
+        <p:nvSpPr>
+          <p:cNvPr id="12" name="Rectangle 11"/>
+          <p:cNvSpPr/>
+          <p:nvPr/>
+        </p:nvSpPr>
+        <p:spPr>
+          <a:xfrm>
+            <a:off x="755576" y="3933057"/>
+            <a:ext cx="360040" cy="180020"/>
+          </a:xfrm>
+          <a:prstGeom prst="rect">
+            <a:avLst/>
+          </a:prstGeom>
+          <a:solidFill>
+            <a:srgbClr val="FF0000">
+              <a:alpha val="50000"/>
+            </a:srgbClr>
+          </a:solidFill>
+          <a:ln>
+            <a:noFill/>
+          </a:ln>
+        </p:spPr>
+        <p:style>
+          <a:lnRef idx="2">
+            <a:schemeClr val="accent1">
+              <a:shade val="50000"/>
+            </a:schemeClr>
+          </a:lnRef>
+          <a:fillRef idx="1">
+            <a:schemeClr val="accent1"/>
+          </a:fillRef>
+          <a:effectRef idx="0">
+            <a:schemeClr val="accent1"/>
+          </a:effectRef>
+          <a:fontRef idx="minor">
+            <a:schemeClr val="lt1"/>
+          </a:fontRef>
+        </p:style>
+        <p:txBody>
+          <a:bodyPr rtlCol="0" anchor="ctr"/>
+          <a:lstStyle/>
+          <a:p>
+            <a:pPr algn="ctr"/>
+            <a:endParaRPr lang="fr-FR"/>
+          </a:p>
+        </p:txBody>
+      </p:sp>
+      <p:sp>
+        <p:nvSpPr>
+          <p:cNvPr id="13" name="Rectangle 12"/>
+          <p:cNvSpPr/>
+          <p:nvPr/>
+        </p:nvSpPr>
+        <p:spPr>
+          <a:xfrm>
+            <a:off x="2627784" y="2456893"/>
+            <a:ext cx="360040" cy="180020"/>
+          </a:xfrm>
+          <a:prstGeom prst="rect">
+            <a:avLst/>
+          </a:prstGeom>
+          <a:solidFill>
+            <a:srgbClr val="FF0000">
+              <a:alpha val="50000"/>
+            </a:srgbClr>
+          </a:solidFill>
+          <a:ln>
+            <a:noFill/>
+          </a:ln>
+        </p:spPr>
+        <p:style>
+          <a:lnRef idx="2">
+            <a:schemeClr val="accent1">
+              <a:shade val="50000"/>
+            </a:schemeClr>
+          </a:lnRef>
+          <a:fillRef idx="1">
+            <a:schemeClr val="accent1"/>
+          </a:fillRef>
+          <a:effectRef idx="0">
+            <a:schemeClr val="accent1"/>
+          </a:effectRef>
+          <a:fontRef idx="minor">
+            <a:schemeClr val="lt1"/>
+          </a:fontRef>
+        </p:style>
+        <p:txBody>
+          <a:bodyPr rtlCol="0" anchor="ctr"/>
+          <a:lstStyle/>
+          <a:p>
+            <a:pPr algn="ctr"/>
+            <a:endParaRPr lang="fr-FR"/>
+          </a:p>
+        </p:txBody>
+      </p:sp>
+      <p:sp>
+        <p:nvSpPr>
+          <p:cNvPr id="14" name="Rectangle 13"/>
+          <p:cNvSpPr/>
+          <p:nvPr/>
+        </p:nvSpPr>
+        <p:spPr>
+          <a:xfrm rot="16200000">
+            <a:off x="3271530" y="1833254"/>
+            <a:ext cx="360040" cy="180020"/>
+          </a:xfrm>
+          <a:prstGeom prst="rect">
+            <a:avLst/>
+          </a:prstGeom>
+          <a:solidFill>
+            <a:srgbClr val="FF0000">
+              <a:alpha val="50000"/>
+            </a:srgbClr>
+          </a:solidFill>
+          <a:ln>
+            <a:noFill/>
+          </a:ln>
+        </p:spPr>
+        <p:style>
+          <a:lnRef idx="2">
+            <a:schemeClr val="accent1">
+              <a:shade val="50000"/>
+            </a:schemeClr>
+          </a:lnRef>
+          <a:fillRef idx="1">
+            <a:schemeClr val="accent1"/>
+          </a:fillRef>
+          <a:effectRef idx="0">
+            <a:schemeClr val="accent1"/>
+          </a:effectRef>
+          <a:fontRef idx="minor">
+            <a:schemeClr val="lt1"/>
+          </a:fontRef>
+        </p:style>
+        <p:txBody>
+          <a:bodyPr rtlCol="0" anchor="ctr"/>
+          <a:lstStyle/>
+          <a:p>
+            <a:pPr algn="ctr"/>
+            <a:endParaRPr lang="fr-FR"/>
+          </a:p>
+        </p:txBody>
+      </p:sp>
+      <p:sp>
+        <p:nvSpPr>
+          <p:cNvPr id="15" name="Rectangle 14"/>
+          <p:cNvSpPr/>
+          <p:nvPr/>
+        </p:nvSpPr>
+        <p:spPr>
+          <a:xfrm rot="16200000">
+            <a:off x="3509882" y="1826823"/>
+            <a:ext cx="360040" cy="180020"/>
+          </a:xfrm>
+          <a:prstGeom prst="rect">
+            <a:avLst/>
+          </a:prstGeom>
+          <a:solidFill>
+            <a:srgbClr val="FF0000">
+              <a:alpha val="50000"/>
+            </a:srgbClr>
+          </a:solidFill>
+          <a:ln>
+            <a:noFill/>
+          </a:ln>
+        </p:spPr>
+        <p:style>
+          <a:lnRef idx="2">
+            <a:schemeClr val="accent1">
+              <a:shade val="50000"/>
+            </a:schemeClr>
+          </a:lnRef>
+          <a:fillRef idx="1">
+            <a:schemeClr val="accent1"/>
+          </a:fillRef>
+          <a:effectRef idx="0">
+            <a:schemeClr val="accent1"/>
+          </a:effectRef>
+          <a:fontRef idx="minor">
+            <a:schemeClr val="lt1"/>
+          </a:fontRef>
+        </p:style>
+        <p:txBody>
+          <a:bodyPr rtlCol="0" anchor="ctr"/>
+          <a:lstStyle/>
+          <a:p>
+            <a:pPr algn="ctr"/>
+            <a:endParaRPr lang="fr-FR"/>
+          </a:p>
+        </p:txBody>
+      </p:sp>
+      <p:sp>
+        <p:nvSpPr>
+          <p:cNvPr id="16" name="Rectangle 15"/>
+          <p:cNvSpPr/>
+          <p:nvPr/>
+        </p:nvSpPr>
+        <p:spPr>
+          <a:xfrm>
+            <a:off x="3203848" y="4977173"/>
+            <a:ext cx="360040" cy="180020"/>
+          </a:xfrm>
+          <a:prstGeom prst="rect">
+            <a:avLst/>
+          </a:prstGeom>
+          <a:solidFill>
+            <a:srgbClr val="FF0000">
+              <a:alpha val="50000"/>
+            </a:srgbClr>
+          </a:solidFill>
+          <a:ln>
+            <a:noFill/>
+          </a:ln>
+        </p:spPr>
+        <p:style>
+          <a:lnRef idx="2">
+            <a:schemeClr val="accent1">
+              <a:shade val="50000"/>
+            </a:schemeClr>
+          </a:lnRef>
+          <a:fillRef idx="1">
+            <a:schemeClr val="accent1"/>
+          </a:fillRef>
+          <a:effectRef idx="0">
+            <a:schemeClr val="accent1"/>
+          </a:effectRef>
+          <a:fontRef idx="minor">
+            <a:schemeClr val="lt1"/>
+          </a:fontRef>
+        </p:style>
+        <p:txBody>
+          <a:bodyPr rtlCol="0" anchor="ctr"/>
+          <a:lstStyle/>
+          <a:p>
+            <a:pPr algn="ctr"/>
+            <a:endParaRPr lang="fr-FR"/>
+          </a:p>
+        </p:txBody>
+      </p:sp>
+      <p:sp>
+        <p:nvSpPr>
+          <p:cNvPr id="17" name="Rectangle 16"/>
+          <p:cNvSpPr/>
+          <p:nvPr/>
+        </p:nvSpPr>
+        <p:spPr>
+          <a:xfrm>
+            <a:off x="4283968" y="1880829"/>
+            <a:ext cx="360040" cy="180020"/>
+          </a:xfrm>
+          <a:prstGeom prst="rect">
+            <a:avLst/>
+          </a:prstGeom>
+          <a:solidFill>
+            <a:srgbClr val="FF0000">
+              <a:alpha val="50000"/>
+            </a:srgbClr>
+          </a:solidFill>
+          <a:ln>
+            <a:noFill/>
+          </a:ln>
+        </p:spPr>
+        <p:style>
+          <a:lnRef idx="2">
+            <a:schemeClr val="accent1">
+              <a:shade val="50000"/>
+            </a:schemeClr>
+          </a:lnRef>
+          <a:fillRef idx="1">
+            <a:schemeClr val="accent1"/>
+          </a:fillRef>
+          <a:effectRef idx="0">
+            <a:schemeClr val="accent1"/>
+          </a:effectRef>
+          <a:fontRef idx="minor">
+            <a:schemeClr val="lt1"/>
+          </a:fontRef>
+        </p:style>
+        <p:txBody>
+          <a:bodyPr rtlCol="0" anchor="ctr"/>
+          <a:lstStyle/>
+          <a:p>
+            <a:pPr algn="ctr"/>
+            <a:endParaRPr lang="fr-FR"/>
+          </a:p>
+        </p:txBody>
+      </p:sp>
+      <p:sp>
+        <p:nvSpPr>
+          <p:cNvPr id="18" name="Rectangle 17"/>
+          <p:cNvSpPr/>
+          <p:nvPr/>
+        </p:nvSpPr>
+        <p:spPr>
+          <a:xfrm>
+            <a:off x="5364088" y="4869161"/>
+            <a:ext cx="360040" cy="180020"/>
+          </a:xfrm>
+          <a:prstGeom prst="rect">
+            <a:avLst/>
+          </a:prstGeom>
+          <a:solidFill>
+            <a:srgbClr val="FF0000">
+              <a:alpha val="50000"/>
+            </a:srgbClr>
+          </a:solidFill>
+          <a:ln>
+            <a:noFill/>
+          </a:ln>
+        </p:spPr>
+        <p:style>
+          <a:lnRef idx="2">
+            <a:schemeClr val="accent1">
+              <a:shade val="50000"/>
+            </a:schemeClr>
+          </a:lnRef>
+          <a:fillRef idx="1">
+            <a:schemeClr val="accent1"/>
+          </a:fillRef>
+          <a:effectRef idx="0">
+            <a:schemeClr val="accent1"/>
+          </a:effectRef>
+          <a:fontRef idx="minor">
+            <a:schemeClr val="lt1"/>
+          </a:fontRef>
+        </p:style>
+        <p:txBody>
+          <a:bodyPr rtlCol="0" anchor="ctr"/>
+          <a:lstStyle/>
+          <a:p>
+            <a:pPr algn="ctr"/>
+            <a:endParaRPr lang="fr-FR"/>
+          </a:p>
+        </p:txBody>
+      </p:sp>
+      <p:sp>
+        <p:nvSpPr>
+          <p:cNvPr id="19" name="Rectangle 18"/>
+          <p:cNvSpPr/>
+          <p:nvPr/>
+        </p:nvSpPr>
+        <p:spPr>
+          <a:xfrm rot="16200000">
+            <a:off x="5886146" y="3338991"/>
+            <a:ext cx="360040" cy="180020"/>
+          </a:xfrm>
+          <a:prstGeom prst="rect">
+            <a:avLst/>
+          </a:prstGeom>
+          <a:solidFill>
+            <a:srgbClr val="FF0000">
+              <a:alpha val="50000"/>
+            </a:srgbClr>
+          </a:solidFill>
+          <a:ln>
+            <a:noFill/>
+          </a:ln>
+        </p:spPr>
+        <p:style>
+          <a:lnRef idx="2">
+            <a:schemeClr val="accent1">
+              <a:shade val="50000"/>
+            </a:schemeClr>
+          </a:lnRef>
+          <a:fillRef idx="1">
+            <a:schemeClr val="accent1"/>
+          </a:fillRef>
+          <a:effectRef idx="0">
+            <a:schemeClr val="accent1"/>
+          </a:effectRef>
+          <a:fontRef idx="minor">
+            <a:schemeClr val="lt1"/>
+          </a:fontRef>
+        </p:style>
+        <p:txBody>
+          <a:bodyPr rtlCol="0" anchor="ctr"/>
+          <a:lstStyle/>
+          <a:p>
+            <a:pPr algn="ctr"/>
+            <a:endParaRPr lang="fr-FR"/>
+          </a:p>
+        </p:txBody>
+      </p:sp>
+      <p:sp>
+        <p:nvSpPr>
+          <p:cNvPr id="20" name="Rectangle 19"/>
+          <p:cNvSpPr/>
+          <p:nvPr/>
+        </p:nvSpPr>
+        <p:spPr>
+          <a:xfrm rot="16200000">
+            <a:off x="2357754" y="1178751"/>
+            <a:ext cx="360040" cy="180020"/>
+          </a:xfrm>
+          <a:prstGeom prst="rect">
+            <a:avLst/>
+          </a:prstGeom>
+          <a:solidFill>
+            <a:srgbClr val="FF0000">
+              <a:alpha val="50000"/>
+            </a:srgbClr>
+          </a:solidFill>
+          <a:ln>
+            <a:noFill/>
+          </a:ln>
+        </p:spPr>
+        <p:style>
+          <a:lnRef idx="2">
+            <a:schemeClr val="accent1">
+              <a:shade val="50000"/>
+            </a:schemeClr>
+          </a:lnRef>
+          <a:fillRef idx="1">
+            <a:schemeClr val="accent1"/>
+          </a:fillRef>
+          <a:effectRef idx="0">
+            <a:schemeClr val="accent1"/>
+          </a:effectRef>
+          <a:fontRef idx="minor">
+            <a:schemeClr val="lt1"/>
+          </a:fontRef>
+        </p:style>
+        <p:txBody>
+          <a:bodyPr rtlCol="0" anchor="ctr"/>
+          <a:lstStyle/>
+          <a:p>
+            <a:pPr algn="ctr"/>
+            <a:endParaRPr lang="fr-FR"/>
+          </a:p>
+        </p:txBody>
+      </p:sp>
+      <p:sp>
+        <p:nvSpPr>
+          <p:cNvPr id="21" name="Rectangle 20"/>
+          <p:cNvSpPr/>
+          <p:nvPr/>
+        </p:nvSpPr>
+        <p:spPr>
+          <a:xfrm>
+            <a:off x="7020272" y="368661"/>
+            <a:ext cx="360040" cy="180020"/>
+          </a:xfrm>
+          <a:prstGeom prst="rect">
+            <a:avLst/>
+          </a:prstGeom>
+          <a:solidFill>
+            <a:srgbClr val="FF0000">
+              <a:alpha val="50000"/>
+            </a:srgbClr>
+          </a:solidFill>
+          <a:ln>
+            <a:noFill/>
+          </a:ln>
+        </p:spPr>
+        <p:style>
+          <a:lnRef idx="2">
+            <a:schemeClr val="accent1">
+              <a:shade val="50000"/>
+            </a:schemeClr>
+          </a:lnRef>
+          <a:fillRef idx="1">
+            <a:schemeClr val="accent1"/>
+          </a:fillRef>
+          <a:effectRef idx="0">
+            <a:schemeClr val="accent1"/>
+          </a:effectRef>
+          <a:fontRef idx="minor">
+            <a:schemeClr val="lt1"/>
+          </a:fontRef>
+        </p:style>
+        <p:txBody>
+          <a:bodyPr rtlCol="0" anchor="ctr"/>
+          <a:lstStyle/>
+          <a:p>
+            <a:pPr algn="ctr"/>
+            <a:endParaRPr lang="fr-FR"/>
+          </a:p>
+        </p:txBody>
+      </p:sp>
+      <p:sp>
+        <p:nvSpPr>
+          <p:cNvPr id="22" name="Rectangle 21"/>
+          <p:cNvSpPr/>
+          <p:nvPr/>
+        </p:nvSpPr>
+        <p:spPr>
+          <a:xfrm rot="16200000">
+            <a:off x="6390202" y="4486508"/>
+            <a:ext cx="360040" cy="180020"/>
+          </a:xfrm>
+          <a:prstGeom prst="rect">
+            <a:avLst/>
+          </a:prstGeom>
+          <a:solidFill>
+            <a:srgbClr val="FF0000">
+              <a:alpha val="50000"/>
+            </a:srgbClr>
+          </a:solidFill>
+          <a:ln>
+            <a:noFill/>
+          </a:ln>
+        </p:spPr>
+        <p:style>
+          <a:lnRef idx="2">
+            <a:schemeClr val="accent1">
+              <a:shade val="50000"/>
+            </a:schemeClr>
+          </a:lnRef>
+          <a:fillRef idx="1">
+            <a:schemeClr val="accent1"/>
+          </a:fillRef>
+          <a:effectRef idx="0">
+            <a:schemeClr val="accent1"/>
+          </a:effectRef>
+          <a:fontRef idx="minor">
+            <a:schemeClr val="lt1"/>
+          </a:fontRef>
+        </p:style>
+        <p:txBody>
+          <a:bodyPr rtlCol="0" anchor="ctr"/>
+          <a:lstStyle/>
+          <a:p>
+            <a:pPr algn="ctr"/>
+            <a:endParaRPr lang="fr-FR"/>
+          </a:p>
+        </p:txBody>
+      </p:sp>
+      <p:sp>
+        <p:nvSpPr>
+          <p:cNvPr id="23" name="Rectangle 22"/>
+          <p:cNvSpPr/>
+          <p:nvPr/>
+        </p:nvSpPr>
+        <p:spPr>
+          <a:xfrm rot="16200000">
+            <a:off x="5202070" y="998731"/>
+            <a:ext cx="360040" cy="180020"/>
+          </a:xfrm>
+          <a:prstGeom prst="rect">
+            <a:avLst/>
+          </a:prstGeom>
+          <a:solidFill>
+            <a:srgbClr val="FF0000">
+              <a:alpha val="50000"/>
+            </a:srgbClr>
+          </a:solidFill>
+          <a:ln>
+            <a:noFill/>
+          </a:ln>
+        </p:spPr>
+        <p:style>
+          <a:lnRef idx="2">
+            <a:schemeClr val="accent1">
+              <a:shade val="50000"/>
+            </a:schemeClr>
+          </a:lnRef>
+          <a:fillRef idx="1">
+            <a:schemeClr val="accent1"/>
+          </a:fillRef>
+          <a:effectRef idx="0">
+            <a:schemeClr val="accent1"/>
+          </a:effectRef>
+          <a:fontRef idx="minor">
+            <a:schemeClr val="lt1"/>
+          </a:fontRef>
+        </p:style>
+        <p:txBody>
+          <a:bodyPr rtlCol="0" anchor="ctr"/>
+          <a:lstStyle/>
+          <a:p>
+            <a:pPr algn="ctr"/>
+            <a:endParaRPr lang="fr-FR"/>
+          </a:p>
+        </p:txBody>
+      </p:sp>
+      <p:sp>
+        <p:nvSpPr>
+          <p:cNvPr id="25" name="Rectangle 24"/>
+          <p:cNvSpPr/>
+          <p:nvPr/>
+        </p:nvSpPr>
+        <p:spPr>
+          <a:xfrm>
+            <a:off x="6048164" y="764705"/>
+            <a:ext cx="360040" cy="180020"/>
+          </a:xfrm>
+          <a:prstGeom prst="rect">
+            <a:avLst/>
+          </a:prstGeom>
+          <a:solidFill>
+            <a:srgbClr val="FF0000">
+              <a:alpha val="50000"/>
+            </a:srgbClr>
+          </a:solidFill>
+          <a:ln>
+            <a:noFill/>
+          </a:ln>
+        </p:spPr>
+        <p:style>
+          <a:lnRef idx="2">
+            <a:schemeClr val="accent1">
+              <a:shade val="50000"/>
+            </a:schemeClr>
+          </a:lnRef>
+          <a:fillRef idx="1">
+            <a:schemeClr val="accent1"/>
+          </a:fillRef>
+          <a:effectRef idx="0">
+            <a:schemeClr val="accent1"/>
+          </a:effectRef>
+          <a:fontRef idx="minor">
+            <a:schemeClr val="lt1"/>
+          </a:fontRef>
+        </p:style>
+        <p:txBody>
+          <a:bodyPr rtlCol="0" anchor="ctr"/>
+          <a:lstStyle/>
+          <a:p>
+            <a:pPr algn="ctr"/>
+            <a:endParaRPr lang="fr-FR"/>
+          </a:p>
+        </p:txBody>
+      </p:sp>
+      <p:sp>
+        <p:nvSpPr>
+          <p:cNvPr id="26" name="Rectangle 25"/>
+          <p:cNvSpPr/>
+          <p:nvPr/>
+        </p:nvSpPr>
+        <p:spPr>
+          <a:xfrm>
+            <a:off x="1043608" y="368661"/>
+            <a:ext cx="360040" cy="180020"/>
+          </a:xfrm>
+          <a:prstGeom prst="rect">
+            <a:avLst/>
+          </a:prstGeom>
+          <a:solidFill>
+            <a:srgbClr val="FF0000">
+              <a:alpha val="50000"/>
+            </a:srgbClr>
+          </a:solidFill>
+          <a:ln>
+            <a:noFill/>
+          </a:ln>
+        </p:spPr>
+        <p:style>
+          <a:lnRef idx="2">
+            <a:schemeClr val="accent1">
+              <a:shade val="50000"/>
+            </a:schemeClr>
+          </a:lnRef>
+          <a:fillRef idx="1">
+            <a:schemeClr val="accent1"/>
+          </a:fillRef>
+          <a:effectRef idx="0">
+            <a:schemeClr val="accent1"/>
+          </a:effectRef>
+          <a:fontRef idx="minor">
+            <a:schemeClr val="lt1"/>
+          </a:fontRef>
+        </p:style>
+        <p:txBody>
+          <a:bodyPr rtlCol="0" anchor="ctr"/>
+          <a:lstStyle/>
+          <a:p>
+            <a:pPr algn="ctr"/>
+            <a:endParaRPr lang="fr-FR"/>
+          </a:p>
+        </p:txBody>
+      </p:sp>
+      <p:sp>
+        <p:nvSpPr>
+          <p:cNvPr id="27" name="Rectangle 26"/>
+          <p:cNvSpPr/>
+          <p:nvPr/>
+        </p:nvSpPr>
+        <p:spPr>
+          <a:xfrm rot="16200000">
+            <a:off x="5994158" y="2222867"/>
+            <a:ext cx="360040" cy="180020"/>
+          </a:xfrm>
+          <a:prstGeom prst="rect">
+            <a:avLst/>
+          </a:prstGeom>
+          <a:solidFill>
+            <a:srgbClr val="00B050">
+              <a:alpha val="50000"/>
+            </a:srgbClr>
+          </a:solidFill>
+          <a:ln>
+            <a:noFill/>
+          </a:ln>
+        </p:spPr>
+        <p:style>
+          <a:lnRef idx="2">
+            <a:schemeClr val="accent1">
+              <a:shade val="50000"/>
+            </a:schemeClr>
+          </a:lnRef>
+          <a:fillRef idx="1">
+            <a:schemeClr val="accent1"/>
+          </a:fillRef>
+          <a:effectRef idx="0">
+            <a:schemeClr val="accent1"/>
+          </a:effectRef>
+          <a:fontRef idx="minor">
+            <a:schemeClr val="lt1"/>
+          </a:fontRef>
+        </p:style>
+        <p:txBody>
+          <a:bodyPr rtlCol="0" anchor="ctr"/>
+          <a:lstStyle/>
+          <a:p>
+            <a:pPr algn="ctr"/>
+            <a:endParaRPr lang="fr-FR"/>
+          </a:p>
+        </p:txBody>
+      </p:sp>
+      <p:sp>
+        <p:nvSpPr>
+          <p:cNvPr id="29" name="Rectangle 28"/>
+          <p:cNvSpPr/>
+          <p:nvPr/>
+        </p:nvSpPr>
+        <p:spPr>
+          <a:xfrm rot="16200000">
+            <a:off x="6138174" y="4486508"/>
+            <a:ext cx="360040" cy="180020"/>
+          </a:xfrm>
+          <a:prstGeom prst="rect">
+            <a:avLst/>
+          </a:prstGeom>
+          <a:solidFill>
+            <a:srgbClr val="00B050">
+              <a:alpha val="50000"/>
+            </a:srgbClr>
+          </a:solidFill>
+          <a:ln>
+            <a:noFill/>
+          </a:ln>
+        </p:spPr>
+        <p:style>
+          <a:lnRef idx="2">
+            <a:schemeClr val="accent1">
+              <a:shade val="50000"/>
+            </a:schemeClr>
+          </a:lnRef>
+          <a:fillRef idx="1">
+            <a:schemeClr val="accent1"/>
+          </a:fillRef>
+          <a:effectRef idx="0">
+            <a:schemeClr val="accent1"/>
+          </a:effectRef>
+          <a:fontRef idx="minor">
+            <a:schemeClr val="lt1"/>
+          </a:fontRef>
+        </p:style>
+        <p:txBody>
+          <a:bodyPr rtlCol="0" anchor="ctr"/>
+          <a:lstStyle/>
+          <a:p>
+            <a:pPr algn="ctr"/>
+            <a:endParaRPr lang="fr-FR"/>
+          </a:p>
+        </p:txBody>
+      </p:sp>
+      <p:sp>
+        <p:nvSpPr>
+          <p:cNvPr id="31" name="Rectangle 30"/>
+          <p:cNvSpPr/>
+          <p:nvPr/>
+        </p:nvSpPr>
+        <p:spPr>
+          <a:xfrm>
+            <a:off x="6012160" y="368661"/>
+            <a:ext cx="648072" cy="324036"/>
+          </a:xfrm>
+          <a:prstGeom prst="rect">
+            <a:avLst/>
+          </a:prstGeom>
+          <a:solidFill>
+            <a:srgbClr val="FFC000">
+              <a:alpha val="50000"/>
+            </a:srgbClr>
+          </a:solidFill>
+          <a:ln>
+            <a:noFill/>
+          </a:ln>
+        </p:spPr>
+        <p:style>
+          <a:lnRef idx="2">
+            <a:schemeClr val="accent1">
+              <a:shade val="50000"/>
+            </a:schemeClr>
+          </a:lnRef>
+          <a:fillRef idx="1">
+            <a:schemeClr val="accent1"/>
+          </a:fillRef>
+          <a:effectRef idx="0">
+            <a:schemeClr val="accent1"/>
+          </a:effectRef>
+          <a:fontRef idx="minor">
+            <a:schemeClr val="lt1"/>
+          </a:fontRef>
+        </p:style>
+        <p:txBody>
+          <a:bodyPr rtlCol="0" anchor="ctr"/>
+          <a:lstStyle/>
+          <a:p>
+            <a:pPr algn="ctr"/>
+            <a:endParaRPr lang="fr-FR"/>
+          </a:p>
+        </p:txBody>
+      </p:sp>
+      <p:sp>
+        <p:nvSpPr>
+          <p:cNvPr id="32" name="Rectangle 31"/>
+          <p:cNvSpPr/>
+          <p:nvPr/>
+        </p:nvSpPr>
+        <p:spPr>
+          <a:xfrm>
+            <a:off x="7776356" y="2996952"/>
+            <a:ext cx="360040" cy="180020"/>
+          </a:xfrm>
+          <a:prstGeom prst="rect">
+            <a:avLst/>
+          </a:prstGeom>
+          <a:solidFill>
+            <a:srgbClr val="FF0000">
+              <a:alpha val="50000"/>
+            </a:srgbClr>
+          </a:solidFill>
+          <a:ln>
+            <a:noFill/>
+          </a:ln>
+        </p:spPr>
+        <p:style>
+          <a:lnRef idx="2">
+            <a:schemeClr val="accent1">
+              <a:shade val="50000"/>
+            </a:schemeClr>
+          </a:lnRef>
+          <a:fillRef idx="1">
+            <a:schemeClr val="accent1"/>
+          </a:fillRef>
+          <a:effectRef idx="0">
+            <a:schemeClr val="accent1"/>
+          </a:effectRef>
+          <a:fontRef idx="minor">
+            <a:schemeClr val="lt1"/>
+          </a:fontRef>
+        </p:style>
+        <p:txBody>
+          <a:bodyPr rtlCol="0" anchor="ctr"/>
+          <a:lstStyle/>
+          <a:p>
+            <a:pPr algn="ctr"/>
+            <a:endParaRPr lang="fr-FR"/>
+          </a:p>
+        </p:txBody>
+      </p:sp>
+      <p:sp>
+        <p:nvSpPr>
+          <p:cNvPr id="36" name="ZoneTexte 35"/>
+          <p:cNvSpPr txBox="1"/>
+          <p:nvPr/>
+        </p:nvSpPr>
+        <p:spPr>
+          <a:xfrm>
+            <a:off x="8071655" y="2915652"/>
+            <a:ext cx="816249" cy="369332"/>
           </a:xfrm>
           <a:prstGeom prst="rect">
             <a:avLst/>
           </a:prstGeom>
           <a:noFill/>
-          <a:ln w="9525">
+        </p:spPr>
+        <p:txBody>
+          <a:bodyPr wrap="none" rtlCol="0">
+            <a:spAutoFit/>
+          </a:bodyPr>
+          <a:lstStyle/>
+          <a:p>
+            <a:r>
+              <a:rPr lang="fr-FR" dirty="0" smtClean="0"/>
+              <a:t>100 </a:t>
+            </a:r>
+            <a:r>
+              <a:rPr lang="fr-FR" dirty="0" smtClean="0"/>
+              <a:t>nF</a:t>
+            </a:r>
+            <a:endParaRPr lang="fr-FR" dirty="0"/>
+          </a:p>
+        </p:txBody>
+      </p:sp>
+      <p:sp>
+        <p:nvSpPr>
+          <p:cNvPr id="38" name="Rectangle 37"/>
+          <p:cNvSpPr/>
+          <p:nvPr/>
+        </p:nvSpPr>
+        <p:spPr>
+          <a:xfrm>
+            <a:off x="7776356" y="2646204"/>
+            <a:ext cx="360040" cy="180020"/>
+          </a:xfrm>
+          <a:prstGeom prst="rect">
+            <a:avLst/>
+          </a:prstGeom>
+          <a:solidFill>
+            <a:srgbClr val="00B050">
+              <a:alpha val="50000"/>
+            </a:srgbClr>
+          </a:solidFill>
+          <a:ln>
             <a:noFill/>
-            <a:miter lim="800000"/>
-            <a:headEnd/>
-            <a:tailEnd/>
           </a:ln>
         </p:spPr>
-      </p:pic>
+        <p:style>
+          <a:lnRef idx="2">
+            <a:schemeClr val="accent1">
+              <a:shade val="50000"/>
+            </a:schemeClr>
+          </a:lnRef>
+          <a:fillRef idx="1">
+            <a:schemeClr val="accent1"/>
+          </a:fillRef>
+          <a:effectRef idx="0">
+            <a:schemeClr val="accent1"/>
+          </a:effectRef>
+          <a:fontRef idx="minor">
+            <a:schemeClr val="lt1"/>
+          </a:fontRef>
+        </p:style>
+        <p:txBody>
+          <a:bodyPr rtlCol="0" anchor="ctr"/>
+          <a:lstStyle/>
+          <a:p>
+            <a:pPr algn="ctr"/>
+            <a:endParaRPr lang="fr-FR"/>
+          </a:p>
+        </p:txBody>
+      </p:sp>
+      <p:sp>
+        <p:nvSpPr>
+          <p:cNvPr id="39" name="ZoneTexte 38"/>
+          <p:cNvSpPr txBox="1"/>
+          <p:nvPr/>
+        </p:nvSpPr>
+        <p:spPr>
+          <a:xfrm>
+            <a:off x="8064388" y="2564904"/>
+            <a:ext cx="699230" cy="369332"/>
+          </a:xfrm>
+          <a:prstGeom prst="rect">
+            <a:avLst/>
+          </a:prstGeom>
+          <a:noFill/>
+        </p:spPr>
+        <p:txBody>
+          <a:bodyPr wrap="none" rtlCol="0">
+            <a:spAutoFit/>
+          </a:bodyPr>
+          <a:lstStyle/>
+          <a:p>
+            <a:r>
+              <a:rPr lang="fr-FR" dirty="0" smtClean="0"/>
+              <a:t>39 pF</a:t>
+            </a:r>
+            <a:endParaRPr lang="fr-FR" dirty="0"/>
+          </a:p>
+        </p:txBody>
+      </p:sp>
+      <p:sp>
+        <p:nvSpPr>
+          <p:cNvPr id="40" name="Rectangle 39"/>
+          <p:cNvSpPr/>
+          <p:nvPr/>
+        </p:nvSpPr>
+        <p:spPr>
+          <a:xfrm>
+            <a:off x="7783623" y="3366284"/>
+            <a:ext cx="360040" cy="180020"/>
+          </a:xfrm>
+          <a:prstGeom prst="rect">
+            <a:avLst/>
+          </a:prstGeom>
+          <a:solidFill>
+            <a:srgbClr val="FFC000">
+              <a:alpha val="50000"/>
+            </a:srgbClr>
+          </a:solidFill>
+          <a:ln>
+            <a:noFill/>
+          </a:ln>
+        </p:spPr>
+        <p:style>
+          <a:lnRef idx="2">
+            <a:schemeClr val="accent1">
+              <a:shade val="50000"/>
+            </a:schemeClr>
+          </a:lnRef>
+          <a:fillRef idx="1">
+            <a:schemeClr val="accent1"/>
+          </a:fillRef>
+          <a:effectRef idx="0">
+            <a:schemeClr val="accent1"/>
+          </a:effectRef>
+          <a:fontRef idx="minor">
+            <a:schemeClr val="lt1"/>
+          </a:fontRef>
+        </p:style>
+        <p:txBody>
+          <a:bodyPr rtlCol="0" anchor="ctr"/>
+          <a:lstStyle/>
+          <a:p>
+            <a:pPr algn="ctr"/>
+            <a:endParaRPr lang="fr-FR"/>
+          </a:p>
+        </p:txBody>
+      </p:sp>
+      <p:sp>
+        <p:nvSpPr>
+          <p:cNvPr id="41" name="ZoneTexte 40"/>
+          <p:cNvSpPr txBox="1"/>
+          <p:nvPr/>
+        </p:nvSpPr>
+        <p:spPr>
+          <a:xfrm>
+            <a:off x="8104591" y="3284984"/>
+            <a:ext cx="704039" cy="369332"/>
+          </a:xfrm>
+          <a:prstGeom prst="rect">
+            <a:avLst/>
+          </a:prstGeom>
+          <a:noFill/>
+        </p:spPr>
+        <p:txBody>
+          <a:bodyPr wrap="none" rtlCol="0">
+            <a:spAutoFit/>
+          </a:bodyPr>
+          <a:lstStyle/>
+          <a:p>
+            <a:r>
+              <a:rPr lang="fr-FR" dirty="0" smtClean="0"/>
+              <a:t>22 µF</a:t>
+            </a:r>
+            <a:endParaRPr lang="fr-FR" dirty="0"/>
+          </a:p>
+        </p:txBody>
+      </p:sp>
+      <p:sp>
+        <p:nvSpPr>
+          <p:cNvPr id="43" name="Corde 42"/>
+          <p:cNvSpPr/>
+          <p:nvPr/>
+        </p:nvSpPr>
+        <p:spPr>
+          <a:xfrm rot="6759918">
+            <a:off x="6808230" y="3652928"/>
+            <a:ext cx="292791" cy="281690"/>
+          </a:xfrm>
+          <a:prstGeom prst="chord">
+            <a:avLst/>
+          </a:prstGeom>
+        </p:spPr>
+        <p:style>
+          <a:lnRef idx="2">
+            <a:schemeClr val="accent1">
+              <a:shade val="50000"/>
+            </a:schemeClr>
+          </a:lnRef>
+          <a:fillRef idx="1">
+            <a:schemeClr val="accent1"/>
+          </a:fillRef>
+          <a:effectRef idx="0">
+            <a:schemeClr val="accent1"/>
+          </a:effectRef>
+          <a:fontRef idx="minor">
+            <a:schemeClr val="lt1"/>
+          </a:fontRef>
+        </p:style>
+        <p:txBody>
+          <a:bodyPr rtlCol="0" anchor="ctr"/>
+          <a:lstStyle/>
+          <a:p>
+            <a:pPr algn="ctr"/>
+            <a:endParaRPr lang="fr-FR"/>
+          </a:p>
+        </p:txBody>
+      </p:sp>
+      <p:sp>
+        <p:nvSpPr>
+          <p:cNvPr id="45" name="Rectangle 44"/>
+          <p:cNvSpPr/>
+          <p:nvPr/>
+        </p:nvSpPr>
+        <p:spPr>
+          <a:xfrm>
+            <a:off x="7783623" y="3726324"/>
+            <a:ext cx="360040" cy="180020"/>
+          </a:xfrm>
+          <a:prstGeom prst="rect">
+            <a:avLst/>
+          </a:prstGeom>
+          <a:solidFill>
+            <a:schemeClr val="tx2">
+              <a:lumMod val="40000"/>
+              <a:lumOff val="60000"/>
+              <a:alpha val="50000"/>
+            </a:schemeClr>
+          </a:solidFill>
+          <a:ln>
+            <a:noFill/>
+          </a:ln>
+        </p:spPr>
+        <p:style>
+          <a:lnRef idx="2">
+            <a:schemeClr val="accent1">
+              <a:shade val="50000"/>
+            </a:schemeClr>
+          </a:lnRef>
+          <a:fillRef idx="1">
+            <a:schemeClr val="accent1"/>
+          </a:fillRef>
+          <a:effectRef idx="0">
+            <a:schemeClr val="accent1"/>
+          </a:effectRef>
+          <a:fontRef idx="minor">
+            <a:schemeClr val="lt1"/>
+          </a:fontRef>
+        </p:style>
+        <p:txBody>
+          <a:bodyPr rtlCol="0" anchor="ctr"/>
+          <a:lstStyle/>
+          <a:p>
+            <a:pPr algn="ctr"/>
+            <a:endParaRPr lang="fr-FR"/>
+          </a:p>
+        </p:txBody>
+      </p:sp>
+      <p:sp>
+        <p:nvSpPr>
+          <p:cNvPr id="46" name="ZoneTexte 45"/>
+          <p:cNvSpPr txBox="1"/>
+          <p:nvPr/>
+        </p:nvSpPr>
+        <p:spPr>
+          <a:xfrm>
+            <a:off x="8107659" y="3618312"/>
+            <a:ext cx="612668" cy="369332"/>
+          </a:xfrm>
+          <a:prstGeom prst="rect">
+            <a:avLst/>
+          </a:prstGeom>
+          <a:noFill/>
+        </p:spPr>
+        <p:txBody>
+          <a:bodyPr wrap="none" rtlCol="0">
+            <a:spAutoFit/>
+          </a:bodyPr>
+          <a:lstStyle/>
+          <a:p>
+            <a:r>
+              <a:rPr lang="fr-FR" dirty="0" smtClean="0"/>
+              <a:t>1 k</a:t>
+            </a:r>
+            <a:r>
+              <a:rPr lang="el-GR" dirty="0" smtClean="0"/>
+              <a:t>Ω</a:t>
+            </a:r>
+            <a:endParaRPr lang="fr-FR" dirty="0"/>
+          </a:p>
+        </p:txBody>
+      </p:sp>
+      <p:sp>
+        <p:nvSpPr>
+          <p:cNvPr id="47" name="Rectangle 46"/>
+          <p:cNvSpPr/>
+          <p:nvPr/>
+        </p:nvSpPr>
+        <p:spPr>
+          <a:xfrm rot="5400000">
+            <a:off x="2789802" y="2002231"/>
+            <a:ext cx="360040" cy="180020"/>
+          </a:xfrm>
+          <a:prstGeom prst="rect">
+            <a:avLst/>
+          </a:prstGeom>
+          <a:solidFill>
+            <a:schemeClr val="tx2">
+              <a:lumMod val="40000"/>
+              <a:lumOff val="60000"/>
+              <a:alpha val="50000"/>
+            </a:schemeClr>
+          </a:solidFill>
+          <a:ln>
+            <a:noFill/>
+          </a:ln>
+        </p:spPr>
+        <p:style>
+          <a:lnRef idx="2">
+            <a:schemeClr val="accent1">
+              <a:shade val="50000"/>
+            </a:schemeClr>
+          </a:lnRef>
+          <a:fillRef idx="1">
+            <a:schemeClr val="accent1"/>
+          </a:fillRef>
+          <a:effectRef idx="0">
+            <a:schemeClr val="accent1"/>
+          </a:effectRef>
+          <a:fontRef idx="minor">
+            <a:schemeClr val="lt1"/>
+          </a:fontRef>
+        </p:style>
+        <p:txBody>
+          <a:bodyPr rtlCol="0" anchor="ctr"/>
+          <a:lstStyle/>
+          <a:p>
+            <a:pPr algn="ctr"/>
+            <a:endParaRPr lang="fr-FR"/>
+          </a:p>
+        </p:txBody>
+      </p:sp>
+      <p:sp>
+        <p:nvSpPr>
+          <p:cNvPr id="48" name="ZoneTexte 47"/>
+          <p:cNvSpPr txBox="1"/>
+          <p:nvPr/>
+        </p:nvSpPr>
+        <p:spPr>
+          <a:xfrm>
+            <a:off x="2879812" y="1419198"/>
+            <a:ext cx="792088" cy="276999"/>
+          </a:xfrm>
+          <a:prstGeom prst="rect">
+            <a:avLst/>
+          </a:prstGeom>
+          <a:noFill/>
+        </p:spPr>
+        <p:txBody>
+          <a:bodyPr wrap="square" rtlCol="0">
+            <a:spAutoFit/>
+          </a:bodyPr>
+          <a:lstStyle/>
+          <a:p>
+            <a:r>
+              <a:rPr lang="fr-FR" sz="1200" dirty="0" smtClean="0"/>
+              <a:t>cathode</a:t>
+            </a:r>
+            <a:endParaRPr lang="fr-FR" sz="1200" dirty="0"/>
+          </a:p>
+        </p:txBody>
+      </p:sp>
+      <p:sp>
+        <p:nvSpPr>
+          <p:cNvPr id="49" name="ZoneTexte 48"/>
+          <p:cNvSpPr txBox="1"/>
+          <p:nvPr/>
+        </p:nvSpPr>
+        <p:spPr>
+          <a:xfrm>
+            <a:off x="2915816" y="2308265"/>
+            <a:ext cx="792088" cy="276999"/>
+          </a:xfrm>
+          <a:prstGeom prst="rect">
+            <a:avLst/>
+          </a:prstGeom>
+          <a:noFill/>
+        </p:spPr>
+        <p:txBody>
+          <a:bodyPr wrap="square" rtlCol="0">
+            <a:spAutoFit/>
+          </a:bodyPr>
+          <a:lstStyle/>
+          <a:p>
+            <a:r>
+              <a:rPr lang="fr-FR" sz="1200" dirty="0" smtClean="0"/>
+              <a:t>anode</a:t>
+            </a:r>
+            <a:endParaRPr lang="fr-FR" sz="1200" dirty="0"/>
+          </a:p>
+        </p:txBody>
+      </p:sp>
+      <p:sp>
+        <p:nvSpPr>
+          <p:cNvPr id="24" name="Rectangle 23"/>
+          <p:cNvSpPr/>
+          <p:nvPr/>
+        </p:nvSpPr>
+        <p:spPr>
+          <a:xfrm>
+            <a:off x="5436096" y="364049"/>
+            <a:ext cx="396044" cy="468052"/>
+          </a:xfrm>
+          <a:prstGeom prst="rect">
+            <a:avLst/>
+          </a:prstGeom>
+          <a:solidFill>
+            <a:schemeClr val="accent1">
+              <a:alpha val="45000"/>
+            </a:schemeClr>
+          </a:solidFill>
+        </p:spPr>
+        <p:style>
+          <a:lnRef idx="2">
+            <a:schemeClr val="accent1">
+              <a:shade val="50000"/>
+            </a:schemeClr>
+          </a:lnRef>
+          <a:fillRef idx="1">
+            <a:schemeClr val="accent1"/>
+          </a:fillRef>
+          <a:effectRef idx="0">
+            <a:schemeClr val="accent1"/>
+          </a:effectRef>
+          <a:fontRef idx="minor">
+            <a:schemeClr val="lt1"/>
+          </a:fontRef>
+        </p:style>
+        <p:txBody>
+          <a:bodyPr rtlCol="0" anchor="ctr"/>
+          <a:lstStyle/>
+          <a:p>
+            <a:pPr algn="ctr"/>
+            <a:endParaRPr lang="fr-FR"/>
+          </a:p>
+        </p:txBody>
+      </p:sp>
+      <p:sp>
+        <p:nvSpPr>
+          <p:cNvPr id="51" name="Rectangle 50"/>
+          <p:cNvSpPr/>
+          <p:nvPr/>
+        </p:nvSpPr>
+        <p:spPr>
+          <a:xfrm>
+            <a:off x="7783623" y="4050360"/>
+            <a:ext cx="360040" cy="180020"/>
+          </a:xfrm>
+          <a:prstGeom prst="rect">
+            <a:avLst/>
+          </a:prstGeom>
+          <a:solidFill>
+            <a:schemeClr val="accent1">
+              <a:alpha val="45000"/>
+            </a:schemeClr>
+          </a:solidFill>
+        </p:spPr>
+        <p:style>
+          <a:lnRef idx="2">
+            <a:schemeClr val="accent1">
+              <a:shade val="50000"/>
+            </a:schemeClr>
+          </a:lnRef>
+          <a:fillRef idx="1">
+            <a:schemeClr val="accent1"/>
+          </a:fillRef>
+          <a:effectRef idx="0">
+            <a:schemeClr val="accent1"/>
+          </a:effectRef>
+          <a:fontRef idx="minor">
+            <a:schemeClr val="lt1"/>
+          </a:fontRef>
+        </p:style>
+        <p:txBody>
+          <a:bodyPr rtlCol="0" anchor="ctr"/>
+          <a:lstStyle/>
+          <a:p>
+            <a:pPr algn="ctr"/>
+            <a:endParaRPr lang="fr-FR"/>
+          </a:p>
+        </p:txBody>
+      </p:sp>
+      <p:sp>
+        <p:nvSpPr>
+          <p:cNvPr id="52" name="ZoneTexte 51"/>
+          <p:cNvSpPr txBox="1"/>
+          <p:nvPr/>
+        </p:nvSpPr>
+        <p:spPr>
+          <a:xfrm>
+            <a:off x="8143663" y="3978352"/>
+            <a:ext cx="667619" cy="369332"/>
+          </a:xfrm>
+          <a:prstGeom prst="rect">
+            <a:avLst/>
+          </a:prstGeom>
+          <a:noFill/>
+        </p:spPr>
+        <p:txBody>
+          <a:bodyPr wrap="none" rtlCol="0">
+            <a:spAutoFit/>
+          </a:bodyPr>
+          <a:lstStyle/>
+          <a:p>
+            <a:r>
+              <a:rPr lang="fr-FR" dirty="0" smtClean="0"/>
+              <a:t>chips</a:t>
+            </a:r>
+            <a:endParaRPr lang="fr-FR" dirty="0"/>
+          </a:p>
+        </p:txBody>
+      </p:sp>
+      <p:sp>
+        <p:nvSpPr>
+          <p:cNvPr id="53" name="Rectangle 52"/>
+          <p:cNvSpPr/>
+          <p:nvPr/>
+        </p:nvSpPr>
+        <p:spPr>
+          <a:xfrm rot="16200000">
+            <a:off x="5922150" y="4486508"/>
+            <a:ext cx="360040" cy="180020"/>
+          </a:xfrm>
+          <a:prstGeom prst="rect">
+            <a:avLst/>
+          </a:prstGeom>
+          <a:solidFill>
+            <a:srgbClr val="00B050">
+              <a:alpha val="50000"/>
+            </a:srgbClr>
+          </a:solidFill>
+          <a:ln>
+            <a:noFill/>
+          </a:ln>
+        </p:spPr>
+        <p:style>
+          <a:lnRef idx="2">
+            <a:schemeClr val="accent1">
+              <a:shade val="50000"/>
+            </a:schemeClr>
+          </a:lnRef>
+          <a:fillRef idx="1">
+            <a:schemeClr val="accent1"/>
+          </a:fillRef>
+          <a:effectRef idx="0">
+            <a:schemeClr val="accent1"/>
+          </a:effectRef>
+          <a:fontRef idx="minor">
+            <a:schemeClr val="lt1"/>
+          </a:fontRef>
+        </p:style>
+        <p:txBody>
+          <a:bodyPr rtlCol="0" anchor="ctr"/>
+          <a:lstStyle/>
+          <a:p>
+            <a:pPr algn="ctr"/>
+            <a:endParaRPr lang="fr-FR"/>
+          </a:p>
+        </p:txBody>
+      </p:sp>
+      <p:sp>
+        <p:nvSpPr>
+          <p:cNvPr id="54" name="ZoneTexte 53"/>
+          <p:cNvSpPr txBox="1"/>
+          <p:nvPr/>
+        </p:nvSpPr>
+        <p:spPr>
+          <a:xfrm>
+            <a:off x="503548" y="3244369"/>
+            <a:ext cx="468052" cy="276999"/>
+          </a:xfrm>
+          <a:prstGeom prst="rect">
+            <a:avLst/>
+          </a:prstGeom>
+          <a:noFill/>
+        </p:spPr>
+        <p:txBody>
+          <a:bodyPr wrap="square" rtlCol="0">
+            <a:spAutoFit/>
+          </a:bodyPr>
+          <a:lstStyle/>
+          <a:p>
+            <a:r>
+              <a:rPr lang="fr-FR" sz="1200" dirty="0" smtClean="0"/>
+              <a:t>dot</a:t>
+            </a:r>
+            <a:endParaRPr lang="fr-FR" sz="1200" dirty="0"/>
+          </a:p>
+        </p:txBody>
+      </p:sp>
+      <p:sp>
+        <p:nvSpPr>
+          <p:cNvPr id="56" name="ZoneTexte 55"/>
+          <p:cNvSpPr txBox="1"/>
+          <p:nvPr/>
+        </p:nvSpPr>
+        <p:spPr>
+          <a:xfrm>
+            <a:off x="6444208" y="3579438"/>
+            <a:ext cx="468052" cy="276999"/>
+          </a:xfrm>
+          <a:prstGeom prst="rect">
+            <a:avLst/>
+          </a:prstGeom>
+          <a:noFill/>
+        </p:spPr>
+        <p:txBody>
+          <a:bodyPr wrap="square" rtlCol="0">
+            <a:spAutoFit/>
+          </a:bodyPr>
+          <a:lstStyle/>
+          <a:p>
+            <a:r>
+              <a:rPr lang="fr-FR" sz="1200" dirty="0" smtClean="0"/>
+              <a:t>dot</a:t>
+            </a:r>
+            <a:endParaRPr lang="fr-FR" sz="1200" dirty="0"/>
+          </a:p>
+        </p:txBody>
+      </p:sp>
+      <p:sp>
+        <p:nvSpPr>
+          <p:cNvPr id="57" name="ZoneTexte 56"/>
+          <p:cNvSpPr txBox="1"/>
+          <p:nvPr/>
+        </p:nvSpPr>
+        <p:spPr>
+          <a:xfrm>
+            <a:off x="7020272" y="3579438"/>
+            <a:ext cx="584446" cy="276999"/>
+          </a:xfrm>
+          <a:prstGeom prst="rect">
+            <a:avLst/>
+          </a:prstGeom>
+          <a:noFill/>
+        </p:spPr>
+        <p:txBody>
+          <a:bodyPr wrap="square" rtlCol="0">
+            <a:spAutoFit/>
+          </a:bodyPr>
+          <a:lstStyle/>
+          <a:p>
+            <a:r>
+              <a:rPr lang="fr-FR" sz="1200" dirty="0" err="1" smtClean="0"/>
+              <a:t>notch</a:t>
+            </a:r>
+            <a:endParaRPr lang="fr-FR" sz="1200" dirty="0"/>
+          </a:p>
+        </p:txBody>
+      </p:sp>
+      <p:sp>
+        <p:nvSpPr>
+          <p:cNvPr id="58" name="ZoneTexte 57"/>
+          <p:cNvSpPr txBox="1"/>
+          <p:nvPr/>
+        </p:nvSpPr>
+        <p:spPr>
+          <a:xfrm>
+            <a:off x="3491880" y="4371526"/>
+            <a:ext cx="468052" cy="276999"/>
+          </a:xfrm>
+          <a:prstGeom prst="rect">
+            <a:avLst/>
+          </a:prstGeom>
+          <a:noFill/>
+        </p:spPr>
+        <p:txBody>
+          <a:bodyPr wrap="square" rtlCol="0">
+            <a:spAutoFit/>
+          </a:bodyPr>
+          <a:lstStyle/>
+          <a:p>
+            <a:r>
+              <a:rPr lang="fr-FR" sz="1200" dirty="0" smtClean="0"/>
+              <a:t>dot</a:t>
+            </a:r>
+            <a:endParaRPr lang="fr-FR" sz="1200" dirty="0"/>
+          </a:p>
+        </p:txBody>
+      </p:sp>
+      <p:sp>
+        <p:nvSpPr>
+          <p:cNvPr id="55" name="ZoneTexte 54"/>
+          <p:cNvSpPr txBox="1"/>
+          <p:nvPr/>
+        </p:nvSpPr>
+        <p:spPr>
+          <a:xfrm rot="16200000">
+            <a:off x="95043" y="1996691"/>
+            <a:ext cx="1710725" cy="461665"/>
+          </a:xfrm>
+          <a:prstGeom prst="rect">
+            <a:avLst/>
+          </a:prstGeom>
+          <a:noFill/>
+        </p:spPr>
+        <p:txBody>
+          <a:bodyPr wrap="none" rtlCol="0">
+            <a:spAutoFit/>
+          </a:bodyPr>
+          <a:lstStyle/>
+          <a:p>
+            <a:pPr algn="ctr"/>
+            <a:r>
+              <a:rPr lang="fr-FR" sz="2400" dirty="0" smtClean="0"/>
+              <a:t>AM29F080B</a:t>
+            </a:r>
+            <a:endParaRPr lang="fr-FR" sz="2400" dirty="0"/>
+          </a:p>
+        </p:txBody>
+      </p:sp>
+      <p:sp>
+        <p:nvSpPr>
+          <p:cNvPr id="59" name="ZoneTexte 58"/>
+          <p:cNvSpPr txBox="1"/>
+          <p:nvPr/>
+        </p:nvSpPr>
+        <p:spPr>
+          <a:xfrm rot="16200000">
+            <a:off x="5976646" y="2667815"/>
+            <a:ext cx="1540806" cy="461665"/>
+          </a:xfrm>
+          <a:prstGeom prst="rect">
+            <a:avLst/>
+          </a:prstGeom>
+          <a:noFill/>
+        </p:spPr>
+        <p:txBody>
+          <a:bodyPr wrap="none" rtlCol="0">
+            <a:spAutoFit/>
+          </a:bodyPr>
+          <a:lstStyle/>
+          <a:p>
+            <a:pPr algn="ctr"/>
+            <a:r>
+              <a:rPr lang="fr-FR" sz="2400" dirty="0" smtClean="0"/>
+              <a:t>FM28V100</a:t>
+            </a:r>
+            <a:endParaRPr lang="fr-FR" sz="2400" dirty="0"/>
+          </a:p>
+        </p:txBody>
+      </p:sp>
+      <p:sp>
+        <p:nvSpPr>
+          <p:cNvPr id="60" name="ZoneTexte 59"/>
+          <p:cNvSpPr txBox="1"/>
+          <p:nvPr/>
+        </p:nvSpPr>
+        <p:spPr>
+          <a:xfrm rot="16200000">
+            <a:off x="185028" y="2061753"/>
+            <a:ext cx="2160240" cy="276999"/>
+          </a:xfrm>
+          <a:prstGeom prst="rect">
+            <a:avLst/>
+          </a:prstGeom>
+          <a:noFill/>
+        </p:spPr>
+        <p:txBody>
+          <a:bodyPr wrap="square" rtlCol="0">
+            <a:spAutoFit/>
+          </a:bodyPr>
+          <a:lstStyle/>
+          <a:p>
+            <a:r>
+              <a:rPr lang="fr-FR" sz="1200" dirty="0" err="1" smtClean="0"/>
+              <a:t>Text</a:t>
+            </a:r>
+            <a:r>
+              <a:rPr lang="fr-FR" sz="1200" dirty="0" smtClean="0"/>
+              <a:t> orientation must </a:t>
+            </a:r>
+            <a:r>
+              <a:rPr lang="fr-FR" sz="1200" dirty="0" err="1" smtClean="0"/>
+              <a:t>coincide</a:t>
+            </a:r>
+            <a:endParaRPr lang="fr-FR" sz="1200" dirty="0"/>
+          </a:p>
+        </p:txBody>
+      </p:sp>
+      <p:sp>
+        <p:nvSpPr>
+          <p:cNvPr id="61" name="ZoneTexte 60"/>
+          <p:cNvSpPr txBox="1"/>
+          <p:nvPr/>
+        </p:nvSpPr>
+        <p:spPr>
+          <a:xfrm rot="16200000">
+            <a:off x="6387008" y="2725504"/>
+            <a:ext cx="1440161" cy="461665"/>
+          </a:xfrm>
+          <a:prstGeom prst="rect">
+            <a:avLst/>
+          </a:prstGeom>
+          <a:noFill/>
+        </p:spPr>
+        <p:txBody>
+          <a:bodyPr wrap="square" rtlCol="0">
+            <a:spAutoFit/>
+          </a:bodyPr>
+          <a:lstStyle/>
+          <a:p>
+            <a:pPr algn="ctr"/>
+            <a:r>
+              <a:rPr lang="fr-FR" sz="1200" dirty="0" err="1" smtClean="0"/>
+              <a:t>Text</a:t>
+            </a:r>
+            <a:r>
+              <a:rPr lang="fr-FR" sz="1200" dirty="0" smtClean="0"/>
+              <a:t> orientation must </a:t>
+            </a:r>
+            <a:r>
+              <a:rPr lang="fr-FR" sz="1200" dirty="0" err="1" smtClean="0"/>
+              <a:t>coincide</a:t>
+            </a:r>
+            <a:endParaRPr lang="fr-FR" sz="1200" dirty="0"/>
+          </a:p>
+        </p:txBody>
+      </p:sp>
+      <p:sp>
+        <p:nvSpPr>
+          <p:cNvPr id="62" name="ZoneTexte 61"/>
+          <p:cNvSpPr txBox="1"/>
+          <p:nvPr/>
+        </p:nvSpPr>
+        <p:spPr>
+          <a:xfrm>
+            <a:off x="7056276" y="1016732"/>
+            <a:ext cx="504056" cy="276999"/>
+          </a:xfrm>
+          <a:prstGeom prst="rect">
+            <a:avLst/>
+          </a:prstGeom>
+          <a:noFill/>
+        </p:spPr>
+        <p:txBody>
+          <a:bodyPr wrap="square" rtlCol="0">
+            <a:spAutoFit/>
+          </a:bodyPr>
+          <a:lstStyle/>
+          <a:p>
+            <a:r>
+              <a:rPr lang="fr-FR" sz="1200" dirty="0" err="1" smtClean="0"/>
+              <a:t>Wire</a:t>
+            </a:r>
+            <a:endParaRPr lang="fr-FR" sz="1200" dirty="0"/>
+          </a:p>
+        </p:txBody>
+      </p:sp>
+      <p:sp>
+        <p:nvSpPr>
+          <p:cNvPr id="63" name="ZoneTexte 62"/>
+          <p:cNvSpPr txBox="1"/>
+          <p:nvPr/>
+        </p:nvSpPr>
+        <p:spPr>
+          <a:xfrm>
+            <a:off x="5256076" y="8620"/>
+            <a:ext cx="792088" cy="276999"/>
+          </a:xfrm>
+          <a:prstGeom prst="rect">
+            <a:avLst/>
+          </a:prstGeom>
+          <a:noFill/>
+        </p:spPr>
+        <p:txBody>
+          <a:bodyPr wrap="square" rtlCol="0">
+            <a:spAutoFit/>
+          </a:bodyPr>
+          <a:lstStyle/>
+          <a:p>
+            <a:r>
+              <a:rPr lang="fr-FR" sz="1200" dirty="0" err="1" smtClean="0"/>
+              <a:t>Regulator</a:t>
+            </a:r>
+            <a:endParaRPr lang="fr-FR" sz="1200" dirty="0"/>
+          </a:p>
+        </p:txBody>
+      </p:sp>
+      <p:sp>
+        <p:nvSpPr>
+          <p:cNvPr id="64" name="ZoneTexte 63"/>
+          <p:cNvSpPr txBox="1"/>
+          <p:nvPr/>
+        </p:nvSpPr>
+        <p:spPr>
+          <a:xfrm>
+            <a:off x="3239852" y="3969060"/>
+            <a:ext cx="2160240" cy="276999"/>
+          </a:xfrm>
+          <a:prstGeom prst="rect">
+            <a:avLst/>
+          </a:prstGeom>
+          <a:noFill/>
+        </p:spPr>
+        <p:txBody>
+          <a:bodyPr wrap="square" rtlCol="0">
+            <a:spAutoFit/>
+          </a:bodyPr>
+          <a:lstStyle/>
+          <a:p>
+            <a:pPr algn="ctr"/>
+            <a:r>
+              <a:rPr lang="fr-FR" sz="1200" dirty="0" err="1" smtClean="0"/>
+              <a:t>Text</a:t>
+            </a:r>
+            <a:r>
+              <a:rPr lang="fr-FR" sz="1200" dirty="0" smtClean="0"/>
+              <a:t> orientation must </a:t>
+            </a:r>
+            <a:r>
+              <a:rPr lang="fr-FR" sz="1200" dirty="0" err="1" smtClean="0"/>
+              <a:t>coincide</a:t>
+            </a:r>
+            <a:endParaRPr lang="fr-FR" sz="1200" dirty="0"/>
+          </a:p>
+        </p:txBody>
+      </p:sp>
+      <p:sp>
+        <p:nvSpPr>
+          <p:cNvPr id="65" name="Rectangle 64"/>
+          <p:cNvSpPr/>
+          <p:nvPr/>
+        </p:nvSpPr>
+        <p:spPr>
+          <a:xfrm rot="16200000">
+            <a:off x="1133618" y="4887162"/>
+            <a:ext cx="360040" cy="180020"/>
+          </a:xfrm>
+          <a:prstGeom prst="rect">
+            <a:avLst/>
+          </a:prstGeom>
+          <a:solidFill>
+            <a:srgbClr val="FF0000">
+              <a:alpha val="50000"/>
+            </a:srgbClr>
+          </a:solidFill>
+          <a:ln>
+            <a:noFill/>
+          </a:ln>
+        </p:spPr>
+        <p:style>
+          <a:lnRef idx="2">
+            <a:schemeClr val="accent1">
+              <a:shade val="50000"/>
+            </a:schemeClr>
+          </a:lnRef>
+          <a:fillRef idx="1">
+            <a:schemeClr val="accent1"/>
+          </a:fillRef>
+          <a:effectRef idx="0">
+            <a:schemeClr val="accent1"/>
+          </a:effectRef>
+          <a:fontRef idx="minor">
+            <a:schemeClr val="lt1"/>
+          </a:fontRef>
+        </p:style>
+        <p:txBody>
+          <a:bodyPr rtlCol="0" anchor="ctr"/>
+          <a:lstStyle/>
+          <a:p>
+            <a:pPr algn="ctr"/>
+            <a:endParaRPr lang="fr-FR"/>
+          </a:p>
+        </p:txBody>
+      </p:sp>
+      <p:cxnSp>
+        <p:nvCxnSpPr>
+          <p:cNvPr id="67" name="Connecteur droit 66"/>
+          <p:cNvCxnSpPr/>
+          <p:nvPr/>
+        </p:nvCxnSpPr>
+        <p:spPr>
+          <a:xfrm>
+            <a:off x="7308304" y="728700"/>
+            <a:ext cx="0" cy="288032"/>
+          </a:xfrm>
+          <a:prstGeom prst="line">
+            <a:avLst/>
+          </a:prstGeom>
+          <a:ln w="44450"/>
+        </p:spPr>
+        <p:style>
+          <a:lnRef idx="1">
+            <a:schemeClr val="accent1"/>
+          </a:lnRef>
+          <a:fillRef idx="0">
+            <a:schemeClr val="accent1"/>
+          </a:fillRef>
+          <a:effectRef idx="0">
+            <a:schemeClr val="accent1"/>
+          </a:effectRef>
+          <a:fontRef idx="minor">
+            <a:schemeClr val="tx1"/>
+          </a:fontRef>
+        </p:style>
+      </p:cxnSp>
     </p:spTree>
   </p:cSld>
   <p:clrMapOvr>
@@ -6417,7 +8598,7 @@
       </p:grpSpPr>
       <p:pic>
         <p:nvPicPr>
-          <p:cNvPr id="3074" name="Picture 2" descr="C:\Users\BOICHOT\Downloads\IMG_20240725_213557.jpg"/>
+          <p:cNvPr id="1026" name="Picture 2"/>
           <p:cNvPicPr>
             <a:picLocks noChangeAspect="1" noChangeArrowheads="1"/>
           </p:cNvPicPr>
@@ -6431,14 +8612,52 @@
           </a:stretch>
         </p:blipFill>
         <p:spPr bwMode="auto">
-          <a:xfrm rot="5400000">
-            <a:off x="1763682" y="-1763683"/>
-            <a:ext cx="5625244" cy="9152609"/>
+          <a:xfrm>
+            <a:off x="-1" y="0"/>
+            <a:ext cx="4263085" cy="3573016"/>
           </a:xfrm>
           <a:prstGeom prst="rect">
             <a:avLst/>
           </a:prstGeom>
           <a:noFill/>
+          <a:ln w="9525">
+            <a:noFill/>
+            <a:miter lim="800000"/>
+            <a:headEnd/>
+            <a:tailEnd/>
+          </a:ln>
+        </p:spPr>
+      </p:pic>
+      <p:pic>
+        <p:nvPicPr>
+          <p:cNvPr id="1027" name="Picture 3"/>
+          <p:cNvPicPr>
+            <a:picLocks noChangeAspect="1" noChangeArrowheads="1"/>
+          </p:cNvPicPr>
+          <p:nvPr/>
+        </p:nvPicPr>
+        <p:blipFill>
+          <a:blip r:embed="rId3" cstate="print"/>
+          <a:srcRect/>
+          <a:stretch>
+            <a:fillRect/>
+          </a:stretch>
+        </p:blipFill>
+        <p:spPr bwMode="auto">
+          <a:xfrm>
+            <a:off x="4319972" y="-1"/>
+            <a:ext cx="4824028" cy="3573017"/>
+          </a:xfrm>
+          <a:prstGeom prst="rect">
+            <a:avLst/>
+          </a:prstGeom>
+          <a:noFill/>
+          <a:ln w="9525">
+            <a:noFill/>
+            <a:miter lim="800000"/>
+            <a:headEnd/>
+            <a:tailEnd/>
+          </a:ln>
         </p:spPr>
       </p:pic>
     </p:spTree>
@@ -6475,49 +8694,23 @@
       </p:grpSpPr>
       <p:pic>
         <p:nvPicPr>
-          <p:cNvPr id="1027" name="Picture 3" descr="C:\Users\BOICHOT\Downloads\IMG_20240808_091442.jpg"/>
+          <p:cNvPr id="3074" name="Picture 2" descr="C:\Users\BOICHOT\Downloads\IMG_20240725_213557.jpg"/>
           <p:cNvPicPr>
             <a:picLocks noChangeAspect="1" noChangeArrowheads="1"/>
           </p:cNvPicPr>
           <p:nvPr/>
         </p:nvPicPr>
         <p:blipFill>
-          <a:blip r:embed="rId3" cstate="print"/>
+          <a:blip r:embed="rId2" cstate="print"/>
           <a:srcRect/>
           <a:stretch>
             <a:fillRect/>
           </a:stretch>
         </p:blipFill>
         <p:spPr bwMode="auto">
-          <a:xfrm>
-            <a:off x="0" y="0"/>
-            <a:ext cx="4328911" cy="6345324"/>
-          </a:xfrm>
-          <a:prstGeom prst="rect">
-            <a:avLst/>
-          </a:prstGeom>
-          <a:noFill/>
-        </p:spPr>
-      </p:pic>
-      <p:pic>
-        <p:nvPicPr>
-          <p:cNvPr id="1026" name="Picture 2" descr="C:\Users\BOICHOT\Desktop\IMG_20240818_100202.jpg"/>
-          <p:cNvPicPr>
-            <a:picLocks noChangeAspect="1" noChangeArrowheads="1"/>
-          </p:cNvPicPr>
-          <p:nvPr/>
-        </p:nvPicPr>
-        <p:blipFill>
-          <a:blip r:embed="rId4" cstate="print"/>
-          <a:srcRect/>
-          <a:stretch>
-            <a:fillRect/>
-          </a:stretch>
-        </p:blipFill>
-        <p:spPr bwMode="auto">
-          <a:xfrm>
-            <a:off x="4427984" y="0"/>
-            <a:ext cx="4716016" cy="6288021"/>
+          <a:xfrm rot="5400000">
+            <a:off x="1763682" y="-1763683"/>
+            <a:ext cx="5625244" cy="9152609"/>
           </a:xfrm>
           <a:prstGeom prst="rect">
             <a:avLst/>
@@ -6541,6 +8734,90 @@
 </file>
 
 <file path=ppt/slides/slide6.xml><?xml version="1.0" encoding="utf-8"?>
+<p:sld xmlns:a="http://schemas.openxmlformats.org/drawingml/2006/main" xmlns:r="http://schemas.openxmlformats.org/officeDocument/2006/relationships" xmlns:p="http://schemas.openxmlformats.org/presentationml/2006/main">
+  <p:cSld>
+    <p:spTree>
+      <p:nvGrpSpPr>
+        <p:cNvPr id="1" name=""/>
+        <p:cNvGrpSpPr/>
+        <p:nvPr/>
+      </p:nvGrpSpPr>
+      <p:grpSpPr>
+        <a:xfrm>
+          <a:off x="0" y="0"/>
+          <a:ext cx="0" cy="0"/>
+          <a:chOff x="0" y="0"/>
+          <a:chExt cx="0" cy="0"/>
+        </a:xfrm>
+      </p:grpSpPr>
+      <p:pic>
+        <p:nvPicPr>
+          <p:cNvPr id="1027" name="Picture 3" descr="C:\Users\BOICHOT\Downloads\IMG_20240808_091442.jpg"/>
+          <p:cNvPicPr>
+            <a:picLocks noChangeAspect="1" noChangeArrowheads="1"/>
+          </p:cNvPicPr>
+          <p:nvPr/>
+        </p:nvPicPr>
+        <p:blipFill>
+          <a:blip r:embed="rId3" cstate="print"/>
+          <a:srcRect/>
+          <a:stretch>
+            <a:fillRect/>
+          </a:stretch>
+        </p:blipFill>
+        <p:spPr bwMode="auto">
+          <a:xfrm>
+            <a:off x="0" y="0"/>
+            <a:ext cx="4328911" cy="6345324"/>
+          </a:xfrm>
+          <a:prstGeom prst="rect">
+            <a:avLst/>
+          </a:prstGeom>
+          <a:noFill/>
+        </p:spPr>
+      </p:pic>
+      <p:pic>
+        <p:nvPicPr>
+          <p:cNvPr id="1026" name="Picture 2" descr="C:\Users\BOICHOT\Desktop\IMG_20240818_100202.jpg"/>
+          <p:cNvPicPr>
+            <a:picLocks noChangeAspect="1" noChangeArrowheads="1"/>
+          </p:cNvPicPr>
+          <p:nvPr/>
+        </p:nvPicPr>
+        <p:blipFill>
+          <a:blip r:embed="rId4" cstate="print"/>
+          <a:srcRect/>
+          <a:stretch>
+            <a:fillRect/>
+          </a:stretch>
+        </p:blipFill>
+        <p:spPr bwMode="auto">
+          <a:xfrm>
+            <a:off x="4427984" y="0"/>
+            <a:ext cx="4716016" cy="6288021"/>
+          </a:xfrm>
+          <a:prstGeom prst="rect">
+            <a:avLst/>
+          </a:prstGeom>
+          <a:noFill/>
+        </p:spPr>
+      </p:pic>
+    </p:spTree>
+  </p:cSld>
+  <p:clrMapOvr>
+    <a:masterClrMapping/>
+  </p:clrMapOvr>
+  <p:timing>
+    <p:tnLst>
+      <p:par>
+        <p:cTn id="1" dur="indefinite" restart="never" nodeType="tmRoot"/>
+      </p:par>
+    </p:tnLst>
+  </p:timing>
+</p:sld>
+</file>
+
+<file path=ppt/slides/slide7.xml><?xml version="1.0" encoding="utf-8"?>
 <p:sld xmlns:a="http://schemas.openxmlformats.org/drawingml/2006/main" xmlns:r="http://schemas.openxmlformats.org/officeDocument/2006/relationships" xmlns:p="http://schemas.openxmlformats.org/presentationml/2006/main">
   <p:cSld>
     <p:spTree>

--- a/Images/Components_placement.pptx
+++ b/Images/Components_placement.pptx
@@ -115,7 +115,7 @@
   </p:defaultTextStyle>
   <p:extLst>
     <p:ext uri="{EFAFB233-063F-42B5-8137-9DF3F51BA10A}">
-      <p15:sldGuideLst xmlns="" xmlns:p15="http://schemas.microsoft.com/office/powerpoint/2012/main">
+      <p15:sldGuideLst xmlns:p15="http://schemas.microsoft.com/office/powerpoint/2012/main" xmlns="">
         <p15:guide id="1" orient="horz" pos="2160">
           <p15:clr>
             <a:srgbClr val="A4A3A4"/>
@@ -215,7 +215,7 @@
             <a:fld id="{A4CD03C6-B7C6-4D54-8E69-F4362402F3FB}" type="datetimeFigureOut">
               <a:rPr lang="fr-FR" smtClean="0"/>
               <a:pPr/>
-              <a:t>31/08/2024</a:t>
+              <a:t>01/09/2024</a:t>
             </a:fld>
             <a:endParaRPr lang="fr-FR"/>
           </a:p>
@@ -745,7 +745,7 @@
             <a:fld id="{AA309A6D-C09C-4548-B29A-6CF363A7E532}" type="datetimeFigureOut">
               <a:rPr lang="fr-FR" smtClean="0"/>
               <a:pPr/>
-              <a:t>31/08/2024</a:t>
+              <a:t>01/09/2024</a:t>
             </a:fld>
             <a:endParaRPr lang="fr-BE"/>
           </a:p>
@@ -912,7 +912,7 @@
             <a:fld id="{AA309A6D-C09C-4548-B29A-6CF363A7E532}" type="datetimeFigureOut">
               <a:rPr lang="fr-FR" smtClean="0"/>
               <a:pPr/>
-              <a:t>31/08/2024</a:t>
+              <a:t>01/09/2024</a:t>
             </a:fld>
             <a:endParaRPr lang="fr-BE"/>
           </a:p>
@@ -1089,7 +1089,7 @@
             <a:fld id="{AA309A6D-C09C-4548-B29A-6CF363A7E532}" type="datetimeFigureOut">
               <a:rPr lang="fr-FR" smtClean="0"/>
               <a:pPr/>
-              <a:t>31/08/2024</a:t>
+              <a:t>01/09/2024</a:t>
             </a:fld>
             <a:endParaRPr lang="fr-BE"/>
           </a:p>
@@ -1256,7 +1256,7 @@
             <a:fld id="{AA309A6D-C09C-4548-B29A-6CF363A7E532}" type="datetimeFigureOut">
               <a:rPr lang="fr-FR" smtClean="0"/>
               <a:pPr/>
-              <a:t>31/08/2024</a:t>
+              <a:t>01/09/2024</a:t>
             </a:fld>
             <a:endParaRPr lang="fr-BE"/>
           </a:p>
@@ -1499,7 +1499,7 @@
             <a:fld id="{AA309A6D-C09C-4548-B29A-6CF363A7E532}" type="datetimeFigureOut">
               <a:rPr lang="fr-FR" smtClean="0"/>
               <a:pPr/>
-              <a:t>31/08/2024</a:t>
+              <a:t>01/09/2024</a:t>
             </a:fld>
             <a:endParaRPr lang="fr-BE"/>
           </a:p>
@@ -1784,7 +1784,7 @@
             <a:fld id="{AA309A6D-C09C-4548-B29A-6CF363A7E532}" type="datetimeFigureOut">
               <a:rPr lang="fr-FR" smtClean="0"/>
               <a:pPr/>
-              <a:t>31/08/2024</a:t>
+              <a:t>01/09/2024</a:t>
             </a:fld>
             <a:endParaRPr lang="fr-BE"/>
           </a:p>
@@ -2203,7 +2203,7 @@
             <a:fld id="{AA309A6D-C09C-4548-B29A-6CF363A7E532}" type="datetimeFigureOut">
               <a:rPr lang="fr-FR" smtClean="0"/>
               <a:pPr/>
-              <a:t>31/08/2024</a:t>
+              <a:t>01/09/2024</a:t>
             </a:fld>
             <a:endParaRPr lang="fr-BE"/>
           </a:p>
@@ -2318,7 +2318,7 @@
             <a:fld id="{AA309A6D-C09C-4548-B29A-6CF363A7E532}" type="datetimeFigureOut">
               <a:rPr lang="fr-FR" smtClean="0"/>
               <a:pPr/>
-              <a:t>31/08/2024</a:t>
+              <a:t>01/09/2024</a:t>
             </a:fld>
             <a:endParaRPr lang="fr-BE"/>
           </a:p>
@@ -2410,7 +2410,7 @@
             <a:fld id="{AA309A6D-C09C-4548-B29A-6CF363A7E532}" type="datetimeFigureOut">
               <a:rPr lang="fr-FR" smtClean="0"/>
               <a:pPr/>
-              <a:t>31/08/2024</a:t>
+              <a:t>01/09/2024</a:t>
             </a:fld>
             <a:endParaRPr lang="fr-BE"/>
           </a:p>
@@ -2684,7 +2684,7 @@
             <a:fld id="{AA309A6D-C09C-4548-B29A-6CF363A7E532}" type="datetimeFigureOut">
               <a:rPr lang="fr-FR" smtClean="0"/>
               <a:pPr/>
-              <a:t>31/08/2024</a:t>
+              <a:t>01/09/2024</a:t>
             </a:fld>
             <a:endParaRPr lang="fr-BE"/>
           </a:p>
@@ -2934,7 +2934,7 @@
             <a:fld id="{AA309A6D-C09C-4548-B29A-6CF363A7E532}" type="datetimeFigureOut">
               <a:rPr lang="fr-FR" smtClean="0"/>
               <a:pPr/>
-              <a:t>31/08/2024</a:t>
+              <a:t>01/09/2024</a:t>
             </a:fld>
             <a:endParaRPr lang="fr-BE"/>
           </a:p>
@@ -3144,7 +3144,7 @@
             <a:fld id="{AA309A6D-C09C-4548-B29A-6CF363A7E532}" type="datetimeFigureOut">
               <a:rPr lang="fr-FR" smtClean="0"/>
               <a:pPr/>
-              <a:t>31/08/2024</a:t>
+              <a:t>01/09/2024</a:t>
             </a:fld>
             <a:endParaRPr lang="fr-BE"/>
           </a:p>
@@ -7105,13 +7105,13 @@
       </p:sp>
       <p:sp>
         <p:nvSpPr>
-          <p:cNvPr id="21" name="Rectangle 20"/>
+          <p:cNvPr id="22" name="Rectangle 21"/>
           <p:cNvSpPr/>
           <p:nvPr/>
         </p:nvSpPr>
         <p:spPr>
-          <a:xfrm>
-            <a:off x="7020272" y="368661"/>
+          <a:xfrm rot="16200000">
+            <a:off x="6390202" y="4486508"/>
             <a:ext cx="360040" cy="180020"/>
           </a:xfrm>
           <a:prstGeom prst="rect">
@@ -7153,13 +7153,13 @@
       </p:sp>
       <p:sp>
         <p:nvSpPr>
-          <p:cNvPr id="22" name="Rectangle 21"/>
+          <p:cNvPr id="23" name="Rectangle 22"/>
           <p:cNvSpPr/>
           <p:nvPr/>
         </p:nvSpPr>
         <p:spPr>
           <a:xfrm rot="16200000">
-            <a:off x="6390202" y="4486508"/>
+            <a:off x="5202070" y="998731"/>
             <a:ext cx="360040" cy="180020"/>
           </a:xfrm>
           <a:prstGeom prst="rect">
@@ -7201,13 +7201,13 @@
       </p:sp>
       <p:sp>
         <p:nvSpPr>
-          <p:cNvPr id="23" name="Rectangle 22"/>
+          <p:cNvPr id="25" name="Rectangle 24"/>
           <p:cNvSpPr/>
           <p:nvPr/>
         </p:nvSpPr>
         <p:spPr>
-          <a:xfrm rot="16200000">
-            <a:off x="5202070" y="998731"/>
+          <a:xfrm>
+            <a:off x="6048164" y="764705"/>
             <a:ext cx="360040" cy="180020"/>
           </a:xfrm>
           <a:prstGeom prst="rect">
@@ -7249,13 +7249,13 @@
       </p:sp>
       <p:sp>
         <p:nvSpPr>
-          <p:cNvPr id="25" name="Rectangle 24"/>
+          <p:cNvPr id="26" name="Rectangle 25"/>
           <p:cNvSpPr/>
           <p:nvPr/>
         </p:nvSpPr>
         <p:spPr>
           <a:xfrm>
-            <a:off x="6048164" y="764705"/>
+            <a:off x="1043608" y="368661"/>
             <a:ext cx="360040" cy="180020"/>
           </a:xfrm>
           <a:prstGeom prst="rect">
@@ -7297,13 +7297,157 @@
       </p:sp>
       <p:sp>
         <p:nvSpPr>
-          <p:cNvPr id="26" name="Rectangle 25"/>
+          <p:cNvPr id="27" name="Rectangle 26"/>
           <p:cNvSpPr/>
           <p:nvPr/>
         </p:nvSpPr>
         <p:spPr>
-          <a:xfrm>
-            <a:off x="1043608" y="368661"/>
+          <a:xfrm rot="16200000">
+            <a:off x="5994158" y="2222867"/>
+            <a:ext cx="360040" cy="180020"/>
+          </a:xfrm>
+          <a:prstGeom prst="rect">
+            <a:avLst/>
+          </a:prstGeom>
+          <a:solidFill>
+            <a:srgbClr val="00B050">
+              <a:alpha val="50000"/>
+            </a:srgbClr>
+          </a:solidFill>
+          <a:ln>
+            <a:noFill/>
+          </a:ln>
+        </p:spPr>
+        <p:style>
+          <a:lnRef idx="2">
+            <a:schemeClr val="accent1">
+              <a:shade val="50000"/>
+            </a:schemeClr>
+          </a:lnRef>
+          <a:fillRef idx="1">
+            <a:schemeClr val="accent1"/>
+          </a:fillRef>
+          <a:effectRef idx="0">
+            <a:schemeClr val="accent1"/>
+          </a:effectRef>
+          <a:fontRef idx="minor">
+            <a:schemeClr val="lt1"/>
+          </a:fontRef>
+        </p:style>
+        <p:txBody>
+          <a:bodyPr rtlCol="0" anchor="ctr"/>
+          <a:lstStyle/>
+          <a:p>
+            <a:pPr algn="ctr"/>
+            <a:endParaRPr lang="fr-FR"/>
+          </a:p>
+        </p:txBody>
+      </p:sp>
+      <p:sp>
+        <p:nvSpPr>
+          <p:cNvPr id="29" name="Rectangle 28"/>
+          <p:cNvSpPr/>
+          <p:nvPr/>
+        </p:nvSpPr>
+        <p:spPr>
+          <a:xfrm rot="16200000">
+            <a:off x="6138174" y="4486508"/>
+            <a:ext cx="360040" cy="180020"/>
+          </a:xfrm>
+          <a:prstGeom prst="rect">
+            <a:avLst/>
+          </a:prstGeom>
+          <a:solidFill>
+            <a:srgbClr val="00B050">
+              <a:alpha val="50000"/>
+            </a:srgbClr>
+          </a:solidFill>
+          <a:ln>
+            <a:noFill/>
+          </a:ln>
+        </p:spPr>
+        <p:style>
+          <a:lnRef idx="2">
+            <a:schemeClr val="accent1">
+              <a:shade val="50000"/>
+            </a:schemeClr>
+          </a:lnRef>
+          <a:fillRef idx="1">
+            <a:schemeClr val="accent1"/>
+          </a:fillRef>
+          <a:effectRef idx="0">
+            <a:schemeClr val="accent1"/>
+          </a:effectRef>
+          <a:fontRef idx="minor">
+            <a:schemeClr val="lt1"/>
+          </a:fontRef>
+        </p:style>
+        <p:txBody>
+          <a:bodyPr rtlCol="0" anchor="ctr"/>
+          <a:lstStyle/>
+          <a:p>
+            <a:pPr algn="ctr"/>
+            <a:endParaRPr lang="fr-FR"/>
+          </a:p>
+        </p:txBody>
+      </p:sp>
+      <p:sp>
+        <p:nvSpPr>
+          <p:cNvPr id="31" name="Rectangle 30"/>
+          <p:cNvSpPr/>
+          <p:nvPr/>
+        </p:nvSpPr>
+        <p:spPr>
+          <a:xfrm>
+            <a:off x="6012160" y="368661"/>
+            <a:ext cx="648072" cy="324036"/>
+          </a:xfrm>
+          <a:prstGeom prst="rect">
+            <a:avLst/>
+          </a:prstGeom>
+          <a:solidFill>
+            <a:srgbClr val="FFC000">
+              <a:alpha val="50000"/>
+            </a:srgbClr>
+          </a:solidFill>
+          <a:ln>
+            <a:noFill/>
+          </a:ln>
+        </p:spPr>
+        <p:style>
+          <a:lnRef idx="2">
+            <a:schemeClr val="accent1">
+              <a:shade val="50000"/>
+            </a:schemeClr>
+          </a:lnRef>
+          <a:fillRef idx="1">
+            <a:schemeClr val="accent1"/>
+          </a:fillRef>
+          <a:effectRef idx="0">
+            <a:schemeClr val="accent1"/>
+          </a:effectRef>
+          <a:fontRef idx="minor">
+            <a:schemeClr val="lt1"/>
+          </a:fontRef>
+        </p:style>
+        <p:txBody>
+          <a:bodyPr rtlCol="0" anchor="ctr"/>
+          <a:lstStyle/>
+          <a:p>
+            <a:pPr algn="ctr"/>
+            <a:endParaRPr lang="fr-FR"/>
+          </a:p>
+        </p:txBody>
+      </p:sp>
+      <p:sp>
+        <p:nvSpPr>
+          <p:cNvPr id="32" name="Rectangle 31"/>
+          <p:cNvSpPr/>
+          <p:nvPr/>
+        </p:nvSpPr>
+        <p:spPr>
+          <a:xfrm>
+            <a:off x="7776356" y="2996952"/>
             <a:ext cx="360040" cy="180020"/>
           </a:xfrm>
           <a:prstGeom prst="rect">
@@ -7345,198 +7489,6 @@
       </p:sp>
       <p:sp>
         <p:nvSpPr>
-          <p:cNvPr id="27" name="Rectangle 26"/>
-          <p:cNvSpPr/>
-          <p:nvPr/>
-        </p:nvSpPr>
-        <p:spPr>
-          <a:xfrm rot="16200000">
-            <a:off x="5994158" y="2222867"/>
-            <a:ext cx="360040" cy="180020"/>
-          </a:xfrm>
-          <a:prstGeom prst="rect">
-            <a:avLst/>
-          </a:prstGeom>
-          <a:solidFill>
-            <a:srgbClr val="00B050">
-              <a:alpha val="50000"/>
-            </a:srgbClr>
-          </a:solidFill>
-          <a:ln>
-            <a:noFill/>
-          </a:ln>
-        </p:spPr>
-        <p:style>
-          <a:lnRef idx="2">
-            <a:schemeClr val="accent1">
-              <a:shade val="50000"/>
-            </a:schemeClr>
-          </a:lnRef>
-          <a:fillRef idx="1">
-            <a:schemeClr val="accent1"/>
-          </a:fillRef>
-          <a:effectRef idx="0">
-            <a:schemeClr val="accent1"/>
-          </a:effectRef>
-          <a:fontRef idx="minor">
-            <a:schemeClr val="lt1"/>
-          </a:fontRef>
-        </p:style>
-        <p:txBody>
-          <a:bodyPr rtlCol="0" anchor="ctr"/>
-          <a:lstStyle/>
-          <a:p>
-            <a:pPr algn="ctr"/>
-            <a:endParaRPr lang="fr-FR"/>
-          </a:p>
-        </p:txBody>
-      </p:sp>
-      <p:sp>
-        <p:nvSpPr>
-          <p:cNvPr id="29" name="Rectangle 28"/>
-          <p:cNvSpPr/>
-          <p:nvPr/>
-        </p:nvSpPr>
-        <p:spPr>
-          <a:xfrm rot="16200000">
-            <a:off x="6138174" y="4486508"/>
-            <a:ext cx="360040" cy="180020"/>
-          </a:xfrm>
-          <a:prstGeom prst="rect">
-            <a:avLst/>
-          </a:prstGeom>
-          <a:solidFill>
-            <a:srgbClr val="00B050">
-              <a:alpha val="50000"/>
-            </a:srgbClr>
-          </a:solidFill>
-          <a:ln>
-            <a:noFill/>
-          </a:ln>
-        </p:spPr>
-        <p:style>
-          <a:lnRef idx="2">
-            <a:schemeClr val="accent1">
-              <a:shade val="50000"/>
-            </a:schemeClr>
-          </a:lnRef>
-          <a:fillRef idx="1">
-            <a:schemeClr val="accent1"/>
-          </a:fillRef>
-          <a:effectRef idx="0">
-            <a:schemeClr val="accent1"/>
-          </a:effectRef>
-          <a:fontRef idx="minor">
-            <a:schemeClr val="lt1"/>
-          </a:fontRef>
-        </p:style>
-        <p:txBody>
-          <a:bodyPr rtlCol="0" anchor="ctr"/>
-          <a:lstStyle/>
-          <a:p>
-            <a:pPr algn="ctr"/>
-            <a:endParaRPr lang="fr-FR"/>
-          </a:p>
-        </p:txBody>
-      </p:sp>
-      <p:sp>
-        <p:nvSpPr>
-          <p:cNvPr id="31" name="Rectangle 30"/>
-          <p:cNvSpPr/>
-          <p:nvPr/>
-        </p:nvSpPr>
-        <p:spPr>
-          <a:xfrm>
-            <a:off x="6012160" y="368661"/>
-            <a:ext cx="648072" cy="324036"/>
-          </a:xfrm>
-          <a:prstGeom prst="rect">
-            <a:avLst/>
-          </a:prstGeom>
-          <a:solidFill>
-            <a:srgbClr val="FFC000">
-              <a:alpha val="50000"/>
-            </a:srgbClr>
-          </a:solidFill>
-          <a:ln>
-            <a:noFill/>
-          </a:ln>
-        </p:spPr>
-        <p:style>
-          <a:lnRef idx="2">
-            <a:schemeClr val="accent1">
-              <a:shade val="50000"/>
-            </a:schemeClr>
-          </a:lnRef>
-          <a:fillRef idx="1">
-            <a:schemeClr val="accent1"/>
-          </a:fillRef>
-          <a:effectRef idx="0">
-            <a:schemeClr val="accent1"/>
-          </a:effectRef>
-          <a:fontRef idx="minor">
-            <a:schemeClr val="lt1"/>
-          </a:fontRef>
-        </p:style>
-        <p:txBody>
-          <a:bodyPr rtlCol="0" anchor="ctr"/>
-          <a:lstStyle/>
-          <a:p>
-            <a:pPr algn="ctr"/>
-            <a:endParaRPr lang="fr-FR"/>
-          </a:p>
-        </p:txBody>
-      </p:sp>
-      <p:sp>
-        <p:nvSpPr>
-          <p:cNvPr id="32" name="Rectangle 31"/>
-          <p:cNvSpPr/>
-          <p:nvPr/>
-        </p:nvSpPr>
-        <p:spPr>
-          <a:xfrm>
-            <a:off x="7776356" y="2996952"/>
-            <a:ext cx="360040" cy="180020"/>
-          </a:xfrm>
-          <a:prstGeom prst="rect">
-            <a:avLst/>
-          </a:prstGeom>
-          <a:solidFill>
-            <a:srgbClr val="FF0000">
-              <a:alpha val="50000"/>
-            </a:srgbClr>
-          </a:solidFill>
-          <a:ln>
-            <a:noFill/>
-          </a:ln>
-        </p:spPr>
-        <p:style>
-          <a:lnRef idx="2">
-            <a:schemeClr val="accent1">
-              <a:shade val="50000"/>
-            </a:schemeClr>
-          </a:lnRef>
-          <a:fillRef idx="1">
-            <a:schemeClr val="accent1"/>
-          </a:fillRef>
-          <a:effectRef idx="0">
-            <a:schemeClr val="accent1"/>
-          </a:effectRef>
-          <a:fontRef idx="minor">
-            <a:schemeClr val="lt1"/>
-          </a:fontRef>
-        </p:style>
-        <p:txBody>
-          <a:bodyPr rtlCol="0" anchor="ctr"/>
-          <a:lstStyle/>
-          <a:p>
-            <a:pPr algn="ctr"/>
-            <a:endParaRPr lang="fr-FR"/>
-          </a:p>
-        </p:txBody>
-      </p:sp>
-      <p:sp>
-        <p:nvSpPr>
           <p:cNvPr id="36" name="ZoneTexte 35"/>
           <p:cNvSpPr txBox="1"/>
           <p:nvPr/>
@@ -7559,11 +7511,7 @@
           <a:p>
             <a:r>
               <a:rPr lang="fr-FR" dirty="0" smtClean="0"/>
-              <a:t>100 </a:t>
-            </a:r>
-            <a:r>
-              <a:rPr lang="fr-FR" dirty="0" smtClean="0"/>
-              <a:t>nF</a:t>
+              <a:t>100 nF</a:t>
             </a:r>
             <a:endParaRPr lang="fr-FR" dirty="0"/>
           </a:p>
@@ -8395,7 +8343,7 @@
         <p:spPr>
           <a:xfrm>
             <a:off x="7056276" y="1016732"/>
-            <a:ext cx="504056" cy="276999"/>
+            <a:ext cx="1296144" cy="276999"/>
           </a:xfrm>
           <a:prstGeom prst="rect">
             <a:avLst/>
@@ -8411,6 +8359,14 @@
             <a:r>
               <a:rPr lang="fr-FR" sz="1200" dirty="0" err="1" smtClean="0"/>
               <a:t>Wire</a:t>
+            </a:r>
+            <a:r>
+              <a:rPr lang="fr-FR" sz="1200" dirty="0" smtClean="0"/>
+              <a:t> or 1k</a:t>
+            </a:r>
+            <a:r>
+              <a:rPr lang="el-GR" sz="1200" dirty="0" smtClean="0"/>
+              <a:t>Ω</a:t>
             </a:r>
             <a:endParaRPr lang="fr-FR" sz="1200" dirty="0"/>
           </a:p>
@@ -8564,6 +8520,40 @@
           </a:fontRef>
         </p:style>
       </p:cxnSp>
+      <p:sp>
+        <p:nvSpPr>
+          <p:cNvPr id="66" name="ZoneTexte 65"/>
+          <p:cNvSpPr txBox="1"/>
+          <p:nvPr/>
+        </p:nvSpPr>
+        <p:spPr>
+          <a:xfrm>
+            <a:off x="6984268" y="0"/>
+            <a:ext cx="1296144" cy="276999"/>
+          </a:xfrm>
+          <a:prstGeom prst="rect">
+            <a:avLst/>
+          </a:prstGeom>
+          <a:noFill/>
+        </p:spPr>
+        <p:txBody>
+          <a:bodyPr wrap="square" rtlCol="0">
+            <a:spAutoFit/>
+          </a:bodyPr>
+          <a:lstStyle/>
+          <a:p>
+            <a:r>
+              <a:rPr lang="fr-FR" sz="1200" dirty="0" smtClean="0"/>
+              <a:t>C12 </a:t>
+            </a:r>
+            <a:r>
+              <a:rPr lang="fr-FR" sz="1200" dirty="0" err="1" smtClean="0"/>
+              <a:t>unpopulated</a:t>
+            </a:r>
+            <a:endParaRPr lang="fr-FR" sz="1200" dirty="0"/>
+          </a:p>
+        </p:txBody>
+      </p:sp>
     </p:spTree>
   </p:cSld>
   <p:clrMapOvr>
